--- a/Szarch-prezi.pptx
+++ b/Szarch-prezi.pptx
@@ -8,12 +8,14 @@
     <p:sldId id="256" r:id="rId2"/>
     <p:sldId id="257" r:id="rId3"/>
     <p:sldId id="258" r:id="rId4"/>
-    <p:sldId id="259" r:id="rId5"/>
-    <p:sldId id="260" r:id="rId6"/>
-    <p:sldId id="263" r:id="rId7"/>
-    <p:sldId id="261" r:id="rId8"/>
-    <p:sldId id="262" r:id="rId9"/>
-    <p:sldId id="264" r:id="rId10"/>
+    <p:sldId id="265" r:id="rId5"/>
+    <p:sldId id="259" r:id="rId6"/>
+    <p:sldId id="260" r:id="rId7"/>
+    <p:sldId id="266" r:id="rId8"/>
+    <p:sldId id="263" r:id="rId9"/>
+    <p:sldId id="261" r:id="rId10"/>
+    <p:sldId id="262" r:id="rId11"/>
+    <p:sldId id="264" r:id="rId12"/>
   </p:sldIdLst>
   <p:sldSz cx="9144000" cy="6858000" type="screen4x3"/>
   <p:notesSz cx="6858000" cy="9144000"/>
@@ -297,7 +299,7 @@
             <a:fld id="{08DCDE75-89FD-47D4-96B5-7D53BD2E92D4}" type="datetimeFigureOut">
               <a:rPr lang="hu-HU" smtClean="0"/>
               <a:pPr/>
-              <a:t>2015.12.01.</a:t>
+              <a:t>2015.12.02.</a:t>
             </a:fld>
             <a:endParaRPr lang="hu-HU"/>
           </a:p>
@@ -464,7 +466,7 @@
             <a:fld id="{08DCDE75-89FD-47D4-96B5-7D53BD2E92D4}" type="datetimeFigureOut">
               <a:rPr lang="hu-HU" smtClean="0"/>
               <a:pPr/>
-              <a:t>2015.12.01.</a:t>
+              <a:t>2015.12.02.</a:t>
             </a:fld>
             <a:endParaRPr lang="hu-HU"/>
           </a:p>
@@ -641,7 +643,7 @@
             <a:fld id="{08DCDE75-89FD-47D4-96B5-7D53BD2E92D4}" type="datetimeFigureOut">
               <a:rPr lang="hu-HU" smtClean="0"/>
               <a:pPr/>
-              <a:t>2015.12.01.</a:t>
+              <a:t>2015.12.02.</a:t>
             </a:fld>
             <a:endParaRPr lang="hu-HU"/>
           </a:p>
@@ -808,7 +810,7 @@
             <a:fld id="{08DCDE75-89FD-47D4-96B5-7D53BD2E92D4}" type="datetimeFigureOut">
               <a:rPr lang="hu-HU" smtClean="0"/>
               <a:pPr/>
-              <a:t>2015.12.01.</a:t>
+              <a:t>2015.12.02.</a:t>
             </a:fld>
             <a:endParaRPr lang="hu-HU"/>
           </a:p>
@@ -1051,7 +1053,7 @@
             <a:fld id="{08DCDE75-89FD-47D4-96B5-7D53BD2E92D4}" type="datetimeFigureOut">
               <a:rPr lang="hu-HU" smtClean="0"/>
               <a:pPr/>
-              <a:t>2015.12.01.</a:t>
+              <a:t>2015.12.02.</a:t>
             </a:fld>
             <a:endParaRPr lang="hu-HU"/>
           </a:p>
@@ -1336,7 +1338,7 @@
             <a:fld id="{08DCDE75-89FD-47D4-96B5-7D53BD2E92D4}" type="datetimeFigureOut">
               <a:rPr lang="hu-HU" smtClean="0"/>
               <a:pPr/>
-              <a:t>2015.12.01.</a:t>
+              <a:t>2015.12.02.</a:t>
             </a:fld>
             <a:endParaRPr lang="hu-HU"/>
           </a:p>
@@ -1755,7 +1757,7 @@
             <a:fld id="{08DCDE75-89FD-47D4-96B5-7D53BD2E92D4}" type="datetimeFigureOut">
               <a:rPr lang="hu-HU" smtClean="0"/>
               <a:pPr/>
-              <a:t>2015.12.01.</a:t>
+              <a:t>2015.12.02.</a:t>
             </a:fld>
             <a:endParaRPr lang="hu-HU"/>
           </a:p>
@@ -1870,7 +1872,7 @@
             <a:fld id="{08DCDE75-89FD-47D4-96B5-7D53BD2E92D4}" type="datetimeFigureOut">
               <a:rPr lang="hu-HU" smtClean="0"/>
               <a:pPr/>
-              <a:t>2015.12.01.</a:t>
+              <a:t>2015.12.02.</a:t>
             </a:fld>
             <a:endParaRPr lang="hu-HU"/>
           </a:p>
@@ -1962,7 +1964,7 @@
             <a:fld id="{08DCDE75-89FD-47D4-96B5-7D53BD2E92D4}" type="datetimeFigureOut">
               <a:rPr lang="hu-HU" smtClean="0"/>
               <a:pPr/>
-              <a:t>2015.12.01.</a:t>
+              <a:t>2015.12.02.</a:t>
             </a:fld>
             <a:endParaRPr lang="hu-HU"/>
           </a:p>
@@ -2236,7 +2238,7 @@
             <a:fld id="{08DCDE75-89FD-47D4-96B5-7D53BD2E92D4}" type="datetimeFigureOut">
               <a:rPr lang="hu-HU" smtClean="0"/>
               <a:pPr/>
-              <a:t>2015.12.01.</a:t>
+              <a:t>2015.12.02.</a:t>
             </a:fld>
             <a:endParaRPr lang="hu-HU"/>
           </a:p>
@@ -2486,7 +2488,7 @@
             <a:fld id="{08DCDE75-89FD-47D4-96B5-7D53BD2E92D4}" type="datetimeFigureOut">
               <a:rPr lang="hu-HU" smtClean="0"/>
               <a:pPr/>
-              <a:t>2015.12.01.</a:t>
+              <a:t>2015.12.02.</a:t>
             </a:fld>
             <a:endParaRPr lang="hu-HU"/>
           </a:p>
@@ -2696,7 +2698,7 @@
             <a:fld id="{08DCDE75-89FD-47D4-96B5-7D53BD2E92D4}" type="datetimeFigureOut">
               <a:rPr lang="hu-HU" smtClean="0"/>
               <a:pPr/>
-              <a:t>2015.12.01.</a:t>
+              <a:t>2015.12.02.</a:t>
             </a:fld>
             <a:endParaRPr lang="hu-HU"/>
           </a:p>
@@ -3143,6 +3145,140 @@
 </p:sld>
 </file>
 
+<file path=ppt/slides/slide10.xml><?xml version="1.0" encoding="utf-8"?>
+<p:sld xmlns:a="http://schemas.openxmlformats.org/drawingml/2006/main" xmlns:r="http://schemas.openxmlformats.org/officeDocument/2006/relationships" xmlns:p="http://schemas.openxmlformats.org/presentationml/2006/main">
+  <p:cSld>
+    <p:spTree>
+      <p:nvGrpSpPr>
+        <p:cNvPr id="1" name=""/>
+        <p:cNvGrpSpPr/>
+        <p:nvPr/>
+      </p:nvGrpSpPr>
+      <p:grpSpPr>
+        <a:xfrm>
+          <a:off x="0" y="0"/>
+          <a:ext cx="0" cy="0"/>
+          <a:chOff x="0" y="0"/>
+          <a:chExt cx="0" cy="0"/>
+        </a:xfrm>
+      </p:grpSpPr>
+      <p:sp>
+        <p:nvSpPr>
+          <p:cNvPr id="2" name="Cím 1"/>
+          <p:cNvSpPr>
+            <a:spLocks noGrp="1"/>
+          </p:cNvSpPr>
+          <p:nvPr>
+            <p:ph type="title"/>
+          </p:nvPr>
+        </p:nvSpPr>
+        <p:spPr/>
+        <p:txBody>
+          <a:bodyPr/>
+          <a:lstStyle/>
+          <a:p>
+            <a:r>
+              <a:rPr lang="hu-HU" dirty="0" err="1" smtClean="0"/>
+              <a:t>Docker</a:t>
+            </a:r>
+            <a:endParaRPr lang="hu-HU" dirty="0"/>
+          </a:p>
+        </p:txBody>
+      </p:sp>
+      <p:sp>
+        <p:nvSpPr>
+          <p:cNvPr id="3" name="Tartalom helye 2"/>
+          <p:cNvSpPr>
+            <a:spLocks noGrp="1"/>
+          </p:cNvSpPr>
+          <p:nvPr>
+            <p:ph idx="1"/>
+          </p:nvPr>
+        </p:nvSpPr>
+        <p:spPr/>
+        <p:txBody>
+          <a:bodyPr/>
+          <a:lstStyle/>
+          <a:p>
+            <a:endParaRPr lang="hu-HU"/>
+          </a:p>
+        </p:txBody>
+      </p:sp>
+    </p:spTree>
+  </p:cSld>
+  <p:clrMapOvr>
+    <a:masterClrMapping/>
+  </p:clrMapOvr>
+</p:sld>
+</file>
+
+<file path=ppt/slides/slide11.xml><?xml version="1.0" encoding="utf-8"?>
+<p:sld xmlns:a="http://schemas.openxmlformats.org/drawingml/2006/main" xmlns:r="http://schemas.openxmlformats.org/officeDocument/2006/relationships" xmlns:p="http://schemas.openxmlformats.org/presentationml/2006/main">
+  <p:cSld>
+    <p:spTree>
+      <p:nvGrpSpPr>
+        <p:cNvPr id="1" name=""/>
+        <p:cNvGrpSpPr/>
+        <p:nvPr/>
+      </p:nvGrpSpPr>
+      <p:grpSpPr>
+        <a:xfrm>
+          <a:off x="0" y="0"/>
+          <a:ext cx="0" cy="0"/>
+          <a:chOff x="0" y="0"/>
+          <a:chExt cx="0" cy="0"/>
+        </a:xfrm>
+      </p:grpSpPr>
+      <p:sp>
+        <p:nvSpPr>
+          <p:cNvPr id="2" name="Cím 1"/>
+          <p:cNvSpPr>
+            <a:spLocks noGrp="1"/>
+          </p:cNvSpPr>
+          <p:nvPr>
+            <p:ph type="title"/>
+          </p:nvPr>
+        </p:nvSpPr>
+        <p:spPr/>
+        <p:txBody>
+          <a:bodyPr/>
+          <a:lstStyle/>
+          <a:p>
+            <a:r>
+              <a:rPr lang="hu-HU" dirty="0" smtClean="0"/>
+              <a:t>Továbbfejlesztési javaslatok</a:t>
+            </a:r>
+            <a:endParaRPr lang="hu-HU" dirty="0"/>
+          </a:p>
+        </p:txBody>
+      </p:sp>
+      <p:sp>
+        <p:nvSpPr>
+          <p:cNvPr id="3" name="Tartalom helye 2"/>
+          <p:cNvSpPr>
+            <a:spLocks noGrp="1"/>
+          </p:cNvSpPr>
+          <p:nvPr>
+            <p:ph idx="1"/>
+          </p:nvPr>
+        </p:nvSpPr>
+        <p:spPr/>
+        <p:txBody>
+          <a:bodyPr/>
+          <a:lstStyle/>
+          <a:p>
+            <a:endParaRPr lang="hu-HU"/>
+          </a:p>
+        </p:txBody>
+      </p:sp>
+    </p:spTree>
+  </p:cSld>
+  <p:clrMapOvr>
+    <a:masterClrMapping/>
+  </p:clrMapOvr>
+</p:sld>
+</file>
+
 <file path=ppt/slides/slide2.xml><?xml version="1.0" encoding="utf-8"?>
 <p:sld xmlns:a="http://schemas.openxmlformats.org/drawingml/2006/main" xmlns:r="http://schemas.openxmlformats.org/officeDocument/2006/relationships" xmlns:p="http://schemas.openxmlformats.org/presentationml/2006/main">
   <p:cSld>
@@ -3265,10 +3401,36 @@
           <a:bodyPr/>
           <a:lstStyle/>
           <a:p>
-            <a:endParaRPr lang="hu-HU"/>
-          </a:p>
-        </p:txBody>
-      </p:sp>
+            <a:endParaRPr lang="hu-HU" dirty="0"/>
+          </a:p>
+        </p:txBody>
+      </p:sp>
+      <p:pic>
+        <p:nvPicPr>
+          <p:cNvPr id="7170" name="Picture 2" descr="https://lh5.googleusercontent.com/57nDRtWfDz9dEcdOPJ1_ddgEk8kqZ16oi57_8BBIDCOQc4pKx9APYnhsU8nJwuecuMpM4wahNyYzyp2ofKymA21K35vacW5YbzonG9gFwcUFmBJUGco1oEgZEYSzF1EEhXLYBuHr"/>
+          <p:cNvPicPr>
+            <a:picLocks noChangeAspect="1" noChangeArrowheads="1"/>
+          </p:cNvPicPr>
+          <p:nvPr/>
+        </p:nvPicPr>
+        <p:blipFill>
+          <a:blip r:embed="rId2"/>
+          <a:srcRect/>
+          <a:stretch>
+            <a:fillRect/>
+          </a:stretch>
+        </p:blipFill>
+        <p:spPr bwMode="auto">
+          <a:xfrm>
+            <a:off x="428596" y="1785926"/>
+            <a:ext cx="8429625" cy="3629025"/>
+          </a:xfrm>
+          <a:prstGeom prst="rect">
+            <a:avLst/>
+          </a:prstGeom>
+          <a:noFill/>
+        </p:spPr>
+      </p:pic>
     </p:spTree>
   </p:cSld>
   <p:clrMapOvr>
@@ -3311,7 +3473,7 @@
           <a:p>
             <a:r>
               <a:rPr lang="hu-HU" dirty="0" smtClean="0"/>
-              <a:t>Java Spring</a:t>
+              <a:t>Architektúra</a:t>
             </a:r>
             <a:endParaRPr lang="hu-HU" dirty="0"/>
           </a:p>
@@ -3332,10 +3494,36 @@
           <a:bodyPr/>
           <a:lstStyle/>
           <a:p>
-            <a:endParaRPr lang="hu-HU"/>
-          </a:p>
-        </p:txBody>
-      </p:sp>
+            <a:endParaRPr lang="hu-HU" dirty="0"/>
+          </a:p>
+        </p:txBody>
+      </p:sp>
+      <p:pic>
+        <p:nvPicPr>
+          <p:cNvPr id="22530" name="Picture 2" descr="https://lh3.googleusercontent.com/UcZ63pztw7x_Jut1cQb0GQsxGD6J616FwhvWrSU99AEcjR02xYUxW9mmHX1093cwyLB1Fol4BRBXIOlBqIZ_K3uw0v0S7WT9mcobRNBk-Sm8wq-e1AvUkgIL4pSivm1AofHXuhQX"/>
+          <p:cNvPicPr>
+            <a:picLocks noChangeAspect="1" noChangeArrowheads="1"/>
+          </p:cNvPicPr>
+          <p:nvPr/>
+        </p:nvPicPr>
+        <p:blipFill>
+          <a:blip r:embed="rId2"/>
+          <a:srcRect/>
+          <a:stretch>
+            <a:fillRect/>
+          </a:stretch>
+        </p:blipFill>
+        <p:spPr bwMode="auto">
+          <a:xfrm>
+            <a:off x="2214546" y="2428868"/>
+            <a:ext cx="3943350" cy="2895601"/>
+          </a:xfrm>
+          <a:prstGeom prst="rect">
+            <a:avLst/>
+          </a:prstGeom>
+          <a:noFill/>
+        </p:spPr>
+      </p:pic>
     </p:spTree>
   </p:cSld>
   <p:clrMapOvr>
@@ -3377,16 +3565,8 @@
           <a:lstStyle/>
           <a:p>
             <a:r>
-              <a:rPr lang="hu-HU" dirty="0" err="1" smtClean="0"/>
-              <a:t>AngularJS</a:t>
-            </a:r>
-            <a:r>
               <a:rPr lang="hu-HU" dirty="0" smtClean="0"/>
-              <a:t>, HTML, </a:t>
-            </a:r>
-            <a:r>
-              <a:rPr lang="hu-HU" dirty="0" err="1" smtClean="0"/>
-              <a:t>BootStrap</a:t>
+              <a:t>Java Spring</a:t>
             </a:r>
             <a:endParaRPr lang="hu-HU" dirty="0"/>
           </a:p>
@@ -3452,8 +3632,16 @@
           <a:lstStyle/>
           <a:p>
             <a:r>
+              <a:rPr lang="hu-HU" dirty="0" err="1" smtClean="0"/>
+              <a:t>AngularJS</a:t>
+            </a:r>
+            <a:r>
               <a:rPr lang="hu-HU" dirty="0" smtClean="0"/>
-              <a:t>Kommunikáció</a:t>
+              <a:t>, HTML, </a:t>
+            </a:r>
+            <a:r>
+              <a:rPr lang="hu-HU" dirty="0" err="1" smtClean="0"/>
+              <a:t>BootStrap</a:t>
             </a:r>
             <a:endParaRPr lang="hu-HU" dirty="0"/>
           </a:p>
@@ -3519,8 +3707,16 @@
           <a:lstStyle/>
           <a:p>
             <a:r>
+              <a:rPr lang="hu-HU" dirty="0" err="1" smtClean="0"/>
+              <a:t>AngularJS</a:t>
+            </a:r>
+            <a:r>
               <a:rPr lang="hu-HU" dirty="0" smtClean="0"/>
-              <a:t>Skálázódás</a:t>
+              <a:t>, HTML, </a:t>
+            </a:r>
+            <a:r>
+              <a:rPr lang="hu-HU" dirty="0" err="1" smtClean="0"/>
+              <a:t>BootStrap</a:t>
             </a:r>
             <a:endParaRPr lang="hu-HU" dirty="0"/>
           </a:p>
@@ -3545,6 +3741,58 @@
           </a:p>
         </p:txBody>
       </p:sp>
+      <p:pic>
+        <p:nvPicPr>
+          <p:cNvPr id="23554" name="Picture 2" descr="login.png"/>
+          <p:cNvPicPr>
+            <a:picLocks noChangeAspect="1" noChangeArrowheads="1"/>
+          </p:cNvPicPr>
+          <p:nvPr/>
+        </p:nvPicPr>
+        <p:blipFill>
+          <a:blip r:embed="rId2"/>
+          <a:srcRect/>
+          <a:stretch>
+            <a:fillRect/>
+          </a:stretch>
+        </p:blipFill>
+        <p:spPr bwMode="auto">
+          <a:xfrm>
+            <a:off x="357158" y="1500174"/>
+            <a:ext cx="8506604" cy="3829042"/>
+          </a:xfrm>
+          <a:prstGeom prst="rect">
+            <a:avLst/>
+          </a:prstGeom>
+          <a:noFill/>
+        </p:spPr>
+      </p:pic>
+      <p:pic>
+        <p:nvPicPr>
+          <p:cNvPr id="23556" name="Picture 4" descr="portal.png"/>
+          <p:cNvPicPr>
+            <a:picLocks noChangeAspect="1" noChangeArrowheads="1"/>
+          </p:cNvPicPr>
+          <p:nvPr/>
+        </p:nvPicPr>
+        <p:blipFill>
+          <a:blip r:embed="rId3"/>
+          <a:srcRect/>
+          <a:stretch>
+            <a:fillRect/>
+          </a:stretch>
+        </p:blipFill>
+        <p:spPr bwMode="auto">
+          <a:xfrm>
+            <a:off x="0" y="1928802"/>
+            <a:ext cx="9166334" cy="4560252"/>
+          </a:xfrm>
+          <a:prstGeom prst="rect">
+            <a:avLst/>
+          </a:prstGeom>
+          <a:noFill/>
+        </p:spPr>
+      </p:pic>
     </p:spTree>
   </p:cSld>
   <p:clrMapOvr>
@@ -3586,8 +3834,8 @@
           <a:lstStyle/>
           <a:p>
             <a:r>
-              <a:rPr lang="hu-HU" dirty="0" err="1" smtClean="0"/>
-              <a:t>Docker</a:t>
+              <a:rPr lang="hu-HU" dirty="0" smtClean="0"/>
+              <a:t>Kommunikáció</a:t>
             </a:r>
             <a:endParaRPr lang="hu-HU" dirty="0"/>
           </a:p>
@@ -3654,7 +3902,7 @@
           <a:p>
             <a:r>
               <a:rPr lang="hu-HU" dirty="0" smtClean="0"/>
-              <a:t>Továbbfejlesztési javaslatok</a:t>
+              <a:t>Skálázódás</a:t>
             </a:r>
             <a:endParaRPr lang="hu-HU" dirty="0"/>
           </a:p>

--- a/Szarch-prezi.pptx
+++ b/Szarch-prezi.pptx
@@ -10,12 +10,13 @@
     <p:sldId id="258" r:id="rId4"/>
     <p:sldId id="265" r:id="rId5"/>
     <p:sldId id="259" r:id="rId6"/>
-    <p:sldId id="260" r:id="rId7"/>
-    <p:sldId id="266" r:id="rId8"/>
-    <p:sldId id="263" r:id="rId9"/>
-    <p:sldId id="261" r:id="rId10"/>
-    <p:sldId id="262" r:id="rId11"/>
-    <p:sldId id="264" r:id="rId12"/>
+    <p:sldId id="267" r:id="rId7"/>
+    <p:sldId id="260" r:id="rId8"/>
+    <p:sldId id="266" r:id="rId9"/>
+    <p:sldId id="263" r:id="rId10"/>
+    <p:sldId id="261" r:id="rId11"/>
+    <p:sldId id="262" r:id="rId12"/>
+    <p:sldId id="264" r:id="rId13"/>
   </p:sldIdLst>
   <p:sldSz cx="9144000" cy="6858000" type="screen4x3"/>
   <p:notesSz cx="6858000" cy="9144000"/>
@@ -114,6 +115,22 @@
       </a:defRPr>
     </a:lvl9pPr>
   </p:defaultTextStyle>
+  <p:extLst>
+    <p:ext uri="{EFAFB233-063F-42B5-8137-9DF3F51BA10A}">
+      <p15:sldGuideLst xmlns:p15="http://schemas.microsoft.com/office/powerpoint/2012/main">
+        <p15:guide id="1" orient="horz" pos="2160">
+          <p15:clr>
+            <a:srgbClr val="A4A3A4"/>
+          </p15:clr>
+        </p15:guide>
+        <p15:guide id="2" pos="2880">
+          <p15:clr>
+            <a:srgbClr val="A4A3A4"/>
+          </p15:clr>
+        </p15:guide>
+      </p15:sldGuideLst>
+    </p:ext>
+  </p:extLst>
 </p:presentation>
 </file>
 
@@ -299,7 +316,7 @@
             <a:fld id="{08DCDE75-89FD-47D4-96B5-7D53BD2E92D4}" type="datetimeFigureOut">
               <a:rPr lang="hu-HU" smtClean="0"/>
               <a:pPr/>
-              <a:t>2015.12.02.</a:t>
+              <a:t>2015. 12. 03.</a:t>
             </a:fld>
             <a:endParaRPr lang="hu-HU"/>
           </a:p>
@@ -466,7 +483,7 @@
             <a:fld id="{08DCDE75-89FD-47D4-96B5-7D53BD2E92D4}" type="datetimeFigureOut">
               <a:rPr lang="hu-HU" smtClean="0"/>
               <a:pPr/>
-              <a:t>2015.12.02.</a:t>
+              <a:t>2015. 12. 03.</a:t>
             </a:fld>
             <a:endParaRPr lang="hu-HU"/>
           </a:p>
@@ -643,7 +660,7 @@
             <a:fld id="{08DCDE75-89FD-47D4-96B5-7D53BD2E92D4}" type="datetimeFigureOut">
               <a:rPr lang="hu-HU" smtClean="0"/>
               <a:pPr/>
-              <a:t>2015.12.02.</a:t>
+              <a:t>2015. 12. 03.</a:t>
             </a:fld>
             <a:endParaRPr lang="hu-HU"/>
           </a:p>
@@ -810,7 +827,7 @@
             <a:fld id="{08DCDE75-89FD-47D4-96B5-7D53BD2E92D4}" type="datetimeFigureOut">
               <a:rPr lang="hu-HU" smtClean="0"/>
               <a:pPr/>
-              <a:t>2015.12.02.</a:t>
+              <a:t>2015. 12. 03.</a:t>
             </a:fld>
             <a:endParaRPr lang="hu-HU"/>
           </a:p>
@@ -1053,7 +1070,7 @@
             <a:fld id="{08DCDE75-89FD-47D4-96B5-7D53BD2E92D4}" type="datetimeFigureOut">
               <a:rPr lang="hu-HU" smtClean="0"/>
               <a:pPr/>
-              <a:t>2015.12.02.</a:t>
+              <a:t>2015. 12. 03.</a:t>
             </a:fld>
             <a:endParaRPr lang="hu-HU"/>
           </a:p>
@@ -1338,7 +1355,7 @@
             <a:fld id="{08DCDE75-89FD-47D4-96B5-7D53BD2E92D4}" type="datetimeFigureOut">
               <a:rPr lang="hu-HU" smtClean="0"/>
               <a:pPr/>
-              <a:t>2015.12.02.</a:t>
+              <a:t>2015. 12. 03.</a:t>
             </a:fld>
             <a:endParaRPr lang="hu-HU"/>
           </a:p>
@@ -1757,7 +1774,7 @@
             <a:fld id="{08DCDE75-89FD-47D4-96B5-7D53BD2E92D4}" type="datetimeFigureOut">
               <a:rPr lang="hu-HU" smtClean="0"/>
               <a:pPr/>
-              <a:t>2015.12.02.</a:t>
+              <a:t>2015. 12. 03.</a:t>
             </a:fld>
             <a:endParaRPr lang="hu-HU"/>
           </a:p>
@@ -1872,7 +1889,7 @@
             <a:fld id="{08DCDE75-89FD-47D4-96B5-7D53BD2E92D4}" type="datetimeFigureOut">
               <a:rPr lang="hu-HU" smtClean="0"/>
               <a:pPr/>
-              <a:t>2015.12.02.</a:t>
+              <a:t>2015. 12. 03.</a:t>
             </a:fld>
             <a:endParaRPr lang="hu-HU"/>
           </a:p>
@@ -1964,7 +1981,7 @@
             <a:fld id="{08DCDE75-89FD-47D4-96B5-7D53BD2E92D4}" type="datetimeFigureOut">
               <a:rPr lang="hu-HU" smtClean="0"/>
               <a:pPr/>
-              <a:t>2015.12.02.</a:t>
+              <a:t>2015. 12. 03.</a:t>
             </a:fld>
             <a:endParaRPr lang="hu-HU"/>
           </a:p>
@@ -2238,7 +2255,7 @@
             <a:fld id="{08DCDE75-89FD-47D4-96B5-7D53BD2E92D4}" type="datetimeFigureOut">
               <a:rPr lang="hu-HU" smtClean="0"/>
               <a:pPr/>
-              <a:t>2015.12.02.</a:t>
+              <a:t>2015. 12. 03.</a:t>
             </a:fld>
             <a:endParaRPr lang="hu-HU"/>
           </a:p>
@@ -2488,7 +2505,7 @@
             <a:fld id="{08DCDE75-89FD-47D4-96B5-7D53BD2E92D4}" type="datetimeFigureOut">
               <a:rPr lang="hu-HU" smtClean="0"/>
               <a:pPr/>
-              <a:t>2015.12.02.</a:t>
+              <a:t>2015. 12. 03.</a:t>
             </a:fld>
             <a:endParaRPr lang="hu-HU"/>
           </a:p>
@@ -2698,7 +2715,7 @@
             <a:fld id="{08DCDE75-89FD-47D4-96B5-7D53BD2E92D4}" type="datetimeFigureOut">
               <a:rPr lang="hu-HU" smtClean="0"/>
               <a:pPr/>
-              <a:t>2015.12.02.</a:t>
+              <a:t>2015. 12. 03.</a:t>
             </a:fld>
             <a:endParaRPr lang="hu-HU"/>
           </a:p>
@@ -3178,8 +3195,8 @@
           <a:lstStyle/>
           <a:p>
             <a:r>
-              <a:rPr lang="hu-HU" dirty="0" err="1" smtClean="0"/>
-              <a:t>Docker</a:t>
+              <a:rPr lang="hu-HU" dirty="0" smtClean="0"/>
+              <a:t>Skálázódás</a:t>
             </a:r>
             <a:endParaRPr lang="hu-HU" dirty="0"/>
           </a:p>
@@ -3245,6 +3262,73 @@
           <a:lstStyle/>
           <a:p>
             <a:r>
+              <a:rPr lang="hu-HU" dirty="0" err="1" smtClean="0"/>
+              <a:t>Docker</a:t>
+            </a:r>
+            <a:endParaRPr lang="hu-HU" dirty="0"/>
+          </a:p>
+        </p:txBody>
+      </p:sp>
+      <p:sp>
+        <p:nvSpPr>
+          <p:cNvPr id="3" name="Tartalom helye 2"/>
+          <p:cNvSpPr>
+            <a:spLocks noGrp="1"/>
+          </p:cNvSpPr>
+          <p:nvPr>
+            <p:ph idx="1"/>
+          </p:nvPr>
+        </p:nvSpPr>
+        <p:spPr/>
+        <p:txBody>
+          <a:bodyPr/>
+          <a:lstStyle/>
+          <a:p>
+            <a:endParaRPr lang="hu-HU"/>
+          </a:p>
+        </p:txBody>
+      </p:sp>
+    </p:spTree>
+  </p:cSld>
+  <p:clrMapOvr>
+    <a:masterClrMapping/>
+  </p:clrMapOvr>
+</p:sld>
+</file>
+
+<file path=ppt/slides/slide12.xml><?xml version="1.0" encoding="utf-8"?>
+<p:sld xmlns:a="http://schemas.openxmlformats.org/drawingml/2006/main" xmlns:r="http://schemas.openxmlformats.org/officeDocument/2006/relationships" xmlns:p="http://schemas.openxmlformats.org/presentationml/2006/main">
+  <p:cSld>
+    <p:spTree>
+      <p:nvGrpSpPr>
+        <p:cNvPr id="1" name=""/>
+        <p:cNvGrpSpPr/>
+        <p:nvPr/>
+      </p:nvGrpSpPr>
+      <p:grpSpPr>
+        <a:xfrm>
+          <a:off x="0" y="0"/>
+          <a:ext cx="0" cy="0"/>
+          <a:chOff x="0" y="0"/>
+          <a:chExt cx="0" cy="0"/>
+        </a:xfrm>
+      </p:grpSpPr>
+      <p:sp>
+        <p:nvSpPr>
+          <p:cNvPr id="2" name="Cím 1"/>
+          <p:cNvSpPr>
+            <a:spLocks noGrp="1"/>
+          </p:cNvSpPr>
+          <p:nvPr>
+            <p:ph type="title"/>
+          </p:nvPr>
+        </p:nvSpPr>
+        <p:spPr/>
+        <p:txBody>
+          <a:bodyPr/>
+          <a:lstStyle/>
+          <a:p>
+            <a:r>
               <a:rPr lang="hu-HU" dirty="0" smtClean="0"/>
               <a:t>Továbbfejlesztési javaslatok</a:t>
             </a:r>
@@ -3334,7 +3418,51 @@
           <a:bodyPr/>
           <a:lstStyle/>
           <a:p>
-            <a:endParaRPr lang="hu-HU"/>
+            <a:r>
+              <a:rPr lang="hu-HU" dirty="0" smtClean="0"/>
+              <a:t>Projektmenedzsment alkalmazás</a:t>
+            </a:r>
+          </a:p>
+          <a:p>
+            <a:pPr lvl="1"/>
+            <a:r>
+              <a:rPr lang="hu-HU" dirty="0" smtClean="0"/>
+              <a:t>Fapados JIRA klón</a:t>
+            </a:r>
+            <a:endParaRPr lang="hu-HU" dirty="0"/>
+          </a:p>
+          <a:p>
+            <a:r>
+              <a:rPr lang="hu-HU" dirty="0" smtClean="0"/>
+              <a:t>HTML5</a:t>
+            </a:r>
+          </a:p>
+          <a:p>
+            <a:r>
+              <a:rPr lang="hu-HU" dirty="0" smtClean="0"/>
+              <a:t>JVM alapú backend</a:t>
+            </a:r>
+          </a:p>
+          <a:p>
+            <a:r>
+              <a:rPr lang="hu-HU" dirty="0" err="1" smtClean="0"/>
+              <a:t>MongoDB</a:t>
+            </a:r>
+            <a:endParaRPr lang="hu-HU" dirty="0" smtClean="0"/>
+          </a:p>
+          <a:p>
+            <a:r>
+              <a:rPr lang="hu-HU" dirty="0" err="1" smtClean="0"/>
+              <a:t>Memcached</a:t>
+            </a:r>
+            <a:endParaRPr lang="hu-HU" dirty="0" smtClean="0"/>
+          </a:p>
+          <a:p>
+            <a:r>
+              <a:rPr lang="hu-HU" dirty="0" err="1" smtClean="0"/>
+              <a:t>Docker</a:t>
+            </a:r>
+            <a:endParaRPr lang="hu-HU" dirty="0"/>
           </a:p>
         </p:txBody>
       </p:sp>
@@ -3382,25 +3510,6 @@
               <a:rPr lang="hu-HU" dirty="0" smtClean="0"/>
               <a:t>Architektúra</a:t>
             </a:r>
-            <a:endParaRPr lang="hu-HU" dirty="0"/>
-          </a:p>
-        </p:txBody>
-      </p:sp>
-      <p:sp>
-        <p:nvSpPr>
-          <p:cNvPr id="3" name="Tartalom helye 2"/>
-          <p:cNvSpPr>
-            <a:spLocks noGrp="1"/>
-          </p:cNvSpPr>
-          <p:nvPr>
-            <p:ph idx="1"/>
-          </p:nvPr>
-        </p:nvSpPr>
-        <p:spPr/>
-        <p:txBody>
-          <a:bodyPr/>
-          <a:lstStyle/>
-          <a:p>
             <a:endParaRPr lang="hu-HU" dirty="0"/>
           </a:p>
         </p:txBody>
@@ -3473,7 +3582,7 @@
           <a:p>
             <a:r>
               <a:rPr lang="hu-HU" dirty="0" smtClean="0"/>
-              <a:t>Architektúra</a:t>
+              <a:t>Backend</a:t>
             </a:r>
             <a:endParaRPr lang="hu-HU" dirty="0"/>
           </a:p>
@@ -3494,34 +3603,173 @@
           <a:bodyPr/>
           <a:lstStyle/>
           <a:p>
+            <a:r>
+              <a:rPr lang="hu-HU" dirty="0" err="1" smtClean="0"/>
+              <a:t>Groovy</a:t>
+            </a:r>
+            <a:r>
+              <a:rPr lang="hu-HU" dirty="0" smtClean="0"/>
+              <a:t> nyelv</a:t>
+            </a:r>
+          </a:p>
+          <a:p>
+            <a:r>
+              <a:rPr lang="hu-HU" dirty="0" smtClean="0"/>
+              <a:t>Spring </a:t>
+            </a:r>
+            <a:r>
+              <a:rPr lang="hu-HU" dirty="0" err="1" smtClean="0"/>
+              <a:t>framework</a:t>
+            </a:r>
+            <a:endParaRPr lang="hu-HU" dirty="0" smtClean="0"/>
+          </a:p>
+          <a:p>
+            <a:r>
+              <a:rPr lang="hu-HU" dirty="0" smtClean="0"/>
+              <a:t>Spring Boot</a:t>
+            </a:r>
+          </a:p>
+          <a:p>
+            <a:pPr lvl="1"/>
+            <a:r>
+              <a:rPr lang="hu-HU" dirty="0" smtClean="0"/>
+              <a:t>Konfigurációkezelés</a:t>
+            </a:r>
+          </a:p>
+          <a:p>
+            <a:pPr lvl="1"/>
+            <a:r>
+              <a:rPr lang="hu-HU" dirty="0" err="1" smtClean="0"/>
+              <a:t>Embedded</a:t>
+            </a:r>
+            <a:r>
+              <a:rPr lang="hu-HU" dirty="0" smtClean="0"/>
+              <a:t> </a:t>
+            </a:r>
+            <a:r>
+              <a:rPr lang="hu-HU" dirty="0" err="1" smtClean="0"/>
+              <a:t>Tomcat</a:t>
+            </a:r>
+            <a:endParaRPr lang="hu-HU" dirty="0" smtClean="0"/>
+          </a:p>
+          <a:p>
+            <a:r>
+              <a:rPr lang="hu-HU" dirty="0" err="1" smtClean="0"/>
+              <a:t>Gradle</a:t>
+            </a:r>
+            <a:r>
+              <a:rPr lang="hu-HU" dirty="0" smtClean="0"/>
+              <a:t> </a:t>
+            </a:r>
+            <a:r>
+              <a:rPr lang="hu-HU" dirty="0" err="1" smtClean="0"/>
+              <a:t>build</a:t>
+            </a:r>
+            <a:r>
+              <a:rPr lang="hu-HU" dirty="0" smtClean="0"/>
+              <a:t> környezet</a:t>
+            </a:r>
+          </a:p>
+          <a:p>
+            <a:pPr lvl="1"/>
             <a:endParaRPr lang="hu-HU" dirty="0"/>
           </a:p>
         </p:txBody>
       </p:sp>
       <p:pic>
         <p:nvPicPr>
-          <p:cNvPr id="22530" name="Picture 2" descr="https://lh3.googleusercontent.com/UcZ63pztw7x_Jut1cQb0GQsxGD6J616FwhvWrSU99AEcjR02xYUxW9mmHX1093cwyLB1Fol4BRBXIOlBqIZ_K3uw0v0S7WT9mcobRNBk-Sm8wq-e1AvUkgIL4pSivm1AofHXuhQX"/>
+          <p:cNvPr id="4" name="Picture 3"/>
           <p:cNvPicPr>
-            <a:picLocks noChangeAspect="1" noChangeArrowheads="1"/>
+            <a:picLocks noChangeAspect="1"/>
           </p:cNvPicPr>
           <p:nvPr/>
         </p:nvPicPr>
         <p:blipFill>
           <a:blip r:embed="rId2"/>
-          <a:srcRect/>
           <a:stretch>
             <a:fillRect/>
           </a:stretch>
         </p:blipFill>
-        <p:spPr bwMode="auto">
+        <p:spPr>
           <a:xfrm>
-            <a:off x="2214546" y="2428868"/>
-            <a:ext cx="3943350" cy="2895601"/>
+            <a:off x="4427984" y="1700808"/>
+            <a:ext cx="1791136" cy="894078"/>
           </a:xfrm>
           <a:prstGeom prst="rect">
             <a:avLst/>
           </a:prstGeom>
-          <a:noFill/>
+        </p:spPr>
+      </p:pic>
+      <p:pic>
+        <p:nvPicPr>
+          <p:cNvPr id="5" name="Picture 4"/>
+          <p:cNvPicPr>
+            <a:picLocks noChangeAspect="1"/>
+          </p:cNvPicPr>
+          <p:nvPr/>
+        </p:nvPicPr>
+        <p:blipFill>
+          <a:blip r:embed="rId3"/>
+          <a:stretch>
+            <a:fillRect/>
+          </a:stretch>
+        </p:blipFill>
+        <p:spPr>
+          <a:xfrm>
+            <a:off x="5995008" y="2594885"/>
+            <a:ext cx="2880320" cy="908283"/>
+          </a:xfrm>
+          <a:prstGeom prst="rect">
+            <a:avLst/>
+          </a:prstGeom>
+        </p:spPr>
+      </p:pic>
+      <p:pic>
+        <p:nvPicPr>
+          <p:cNvPr id="6" name="Picture 5"/>
+          <p:cNvPicPr>
+            <a:picLocks noChangeAspect="1"/>
+          </p:cNvPicPr>
+          <p:nvPr/>
+        </p:nvPicPr>
+        <p:blipFill>
+          <a:blip r:embed="rId4"/>
+          <a:stretch>
+            <a:fillRect/>
+          </a:stretch>
+        </p:blipFill>
+        <p:spPr>
+          <a:xfrm>
+            <a:off x="4549552" y="3049027"/>
+            <a:ext cx="1256928" cy="1256928"/>
+          </a:xfrm>
+          <a:prstGeom prst="rect">
+            <a:avLst/>
+          </a:prstGeom>
+        </p:spPr>
+      </p:pic>
+      <p:pic>
+        <p:nvPicPr>
+          <p:cNvPr id="7" name="Picture 6"/>
+          <p:cNvPicPr>
+            <a:picLocks noChangeAspect="1"/>
+          </p:cNvPicPr>
+          <p:nvPr/>
+        </p:nvPicPr>
+        <p:blipFill>
+          <a:blip r:embed="rId5"/>
+          <a:stretch>
+            <a:fillRect/>
+          </a:stretch>
+        </p:blipFill>
+        <p:spPr>
+          <a:xfrm>
+            <a:off x="6047670" y="3863181"/>
+            <a:ext cx="2445792" cy="1122187"/>
+          </a:xfrm>
+          <a:prstGeom prst="rect">
+            <a:avLst/>
+          </a:prstGeom>
         </p:spPr>
       </p:pic>
     </p:spTree>
@@ -3565,32 +3813,112 @@
           <a:lstStyle/>
           <a:p>
             <a:r>
+              <a:rPr lang="hu-HU" dirty="0" err="1" smtClean="0"/>
+              <a:t>MongoDB</a:t>
+            </a:r>
+            <a:endParaRPr lang="hu-HU" dirty="0"/>
+          </a:p>
+        </p:txBody>
+      </p:sp>
+      <p:sp>
+        <p:nvSpPr>
+          <p:cNvPr id="3" name="Tartalom helye 2"/>
+          <p:cNvSpPr>
+            <a:spLocks noGrp="1"/>
+          </p:cNvSpPr>
+          <p:nvPr>
+            <p:ph idx="1"/>
+          </p:nvPr>
+        </p:nvSpPr>
+        <p:spPr/>
+        <p:txBody>
+          <a:bodyPr/>
+          <a:lstStyle/>
+          <a:p>
+            <a:r>
               <a:rPr lang="hu-HU" dirty="0" smtClean="0"/>
-              <a:t>Java Spring</a:t>
+              <a:t>Dokumentum orientált adatbázis</a:t>
+            </a:r>
+          </a:p>
+          <a:p>
+            <a:r>
+              <a:rPr lang="hu-HU" dirty="0" smtClean="0"/>
+              <a:t>N</a:t>
+            </a:r>
+            <a:r>
+              <a:rPr lang="en-US" dirty="0" smtClean="0"/>
+              <a:t>a</a:t>
+            </a:r>
+            <a:r>
+              <a:rPr lang="hu-HU" dirty="0" err="1" smtClean="0"/>
+              <a:t>gy</a:t>
+            </a:r>
+            <a:r>
+              <a:rPr lang="hu-HU" dirty="0" smtClean="0"/>
+              <a:t> sebesség</a:t>
+            </a:r>
+          </a:p>
+          <a:p>
+            <a:r>
+              <a:rPr lang="hu-HU" dirty="0" smtClean="0"/>
+              <a:t>Kellemes skálázhatóság</a:t>
+            </a:r>
+          </a:p>
+          <a:p>
+            <a:pPr lvl="1"/>
+            <a:r>
+              <a:rPr lang="hu-HU" dirty="0" smtClean="0"/>
+              <a:t>Replikáció</a:t>
+            </a:r>
+          </a:p>
+          <a:p>
+            <a:pPr lvl="1"/>
+            <a:r>
+              <a:rPr lang="hu-HU" dirty="0" smtClean="0"/>
+              <a:t>Automatikus vezérválasztás</a:t>
+            </a:r>
+          </a:p>
+          <a:p>
+            <a:r>
+              <a:rPr lang="hu-HU" dirty="0" smtClean="0"/>
+              <a:t>Elérés Spring Data </a:t>
+            </a:r>
+            <a:r>
+              <a:rPr lang="hu-HU" dirty="0" err="1" smtClean="0"/>
+              <a:t>MongoDB</a:t>
+            </a:r>
+            <a:r>
+              <a:rPr lang="hu-HU" dirty="0" smtClean="0"/>
+              <a:t>-n keresztül</a:t>
             </a:r>
             <a:endParaRPr lang="hu-HU" dirty="0"/>
           </a:p>
         </p:txBody>
       </p:sp>
-      <p:sp>
-        <p:nvSpPr>
-          <p:cNvPr id="3" name="Tartalom helye 2"/>
-          <p:cNvSpPr>
-            <a:spLocks noGrp="1"/>
-          </p:cNvSpPr>
-          <p:nvPr>
-            <p:ph idx="1"/>
-          </p:nvPr>
-        </p:nvSpPr>
-        <p:spPr/>
-        <p:txBody>
-          <a:bodyPr/>
-          <a:lstStyle/>
-          <a:p>
-            <a:endParaRPr lang="hu-HU"/>
-          </a:p>
-        </p:txBody>
-      </p:sp>
+      <p:pic>
+        <p:nvPicPr>
+          <p:cNvPr id="4" name="Picture 3"/>
+          <p:cNvPicPr>
+            <a:picLocks noChangeAspect="1"/>
+          </p:cNvPicPr>
+          <p:nvPr/>
+        </p:nvPicPr>
+        <p:blipFill>
+          <a:blip r:embed="rId2"/>
+          <a:stretch>
+            <a:fillRect/>
+          </a:stretch>
+        </p:blipFill>
+        <p:spPr>
+          <a:xfrm>
+            <a:off x="5436096" y="2636912"/>
+            <a:ext cx="2963110" cy="986160"/>
+          </a:xfrm>
+          <a:prstGeom prst="rect">
+            <a:avLst/>
+          </a:prstGeom>
+        </p:spPr>
+      </p:pic>
     </p:spTree>
   </p:cSld>
   <p:clrMapOvr>
@@ -3618,6 +3946,187 @@
       </p:grpSpPr>
       <p:sp>
         <p:nvSpPr>
+          <p:cNvPr id="2" name="Title 1"/>
+          <p:cNvSpPr>
+            <a:spLocks noGrp="1"/>
+          </p:cNvSpPr>
+          <p:nvPr>
+            <p:ph type="title"/>
+          </p:nvPr>
+        </p:nvSpPr>
+        <p:spPr/>
+        <p:txBody>
+          <a:bodyPr/>
+          <a:lstStyle/>
+          <a:p>
+            <a:r>
+              <a:rPr lang="en-US" dirty="0" err="1" smtClean="0"/>
+              <a:t>Memcached</a:t>
+            </a:r>
+            <a:endParaRPr lang="en-US" dirty="0"/>
+          </a:p>
+        </p:txBody>
+      </p:sp>
+      <p:sp>
+        <p:nvSpPr>
+          <p:cNvPr id="3" name="Content Placeholder 2"/>
+          <p:cNvSpPr>
+            <a:spLocks noGrp="1"/>
+          </p:cNvSpPr>
+          <p:nvPr>
+            <p:ph idx="1"/>
+          </p:nvPr>
+        </p:nvSpPr>
+        <p:spPr>
+          <a:xfrm>
+            <a:off x="474948" y="1628800"/>
+            <a:ext cx="8229600" cy="4525963"/>
+          </a:xfrm>
+        </p:spPr>
+        <p:txBody>
+          <a:bodyPr/>
+          <a:lstStyle/>
+          <a:p>
+            <a:r>
+              <a:rPr lang="en-US" dirty="0" smtClean="0"/>
+              <a:t>Key-value in-memory cache</a:t>
+            </a:r>
+          </a:p>
+          <a:p>
+            <a:r>
+              <a:rPr lang="en-US" dirty="0" err="1" smtClean="0"/>
+              <a:t>Könnyen</a:t>
+            </a:r>
+            <a:r>
+              <a:rPr lang="en-US" dirty="0" smtClean="0"/>
+              <a:t> </a:t>
+            </a:r>
+            <a:r>
+              <a:rPr lang="en-US" dirty="0" err="1" smtClean="0"/>
+              <a:t>fürtözhető</a:t>
+            </a:r>
+            <a:endParaRPr lang="en-US" dirty="0"/>
+          </a:p>
+          <a:p>
+            <a:r>
+              <a:rPr lang="en-US" dirty="0" err="1" smtClean="0"/>
+              <a:t>Gyk</a:t>
+            </a:r>
+            <a:r>
+              <a:rPr lang="en-US" dirty="0" smtClean="0"/>
+              <a:t>: </a:t>
+            </a:r>
+            <a:r>
+              <a:rPr lang="en-US" dirty="0" err="1" smtClean="0"/>
+              <a:t>Egy</a:t>
+            </a:r>
+            <a:r>
+              <a:rPr lang="en-US" dirty="0" smtClean="0"/>
+              <a:t> </a:t>
+            </a:r>
+            <a:r>
+              <a:rPr lang="en-US" dirty="0" err="1" smtClean="0"/>
+              <a:t>nagy</a:t>
+            </a:r>
+            <a:r>
+              <a:rPr lang="en-US" dirty="0" smtClean="0"/>
+              <a:t> </a:t>
+            </a:r>
+            <a:r>
+              <a:rPr lang="en-US" dirty="0" err="1" smtClean="0"/>
+              <a:t>elosztott</a:t>
+            </a:r>
+            <a:r>
+              <a:rPr lang="en-US" dirty="0" smtClean="0"/>
+              <a:t> hash </a:t>
+            </a:r>
+            <a:r>
+              <a:rPr lang="en-US" dirty="0" err="1" smtClean="0"/>
+              <a:t>tábla</a:t>
+            </a:r>
+            <a:endParaRPr lang="en-US" dirty="0" smtClean="0"/>
+          </a:p>
+          <a:p>
+            <a:r>
+              <a:rPr lang="en-US" dirty="0" err="1" smtClean="0"/>
+              <a:t>Elérés</a:t>
+            </a:r>
+            <a:r>
+              <a:rPr lang="en-US" dirty="0" smtClean="0"/>
+              <a:t> a Spring cache </a:t>
+            </a:r>
+            <a:r>
+              <a:rPr lang="en-US" dirty="0" err="1" smtClean="0"/>
+              <a:t>absztrakcióján</a:t>
+            </a:r>
+            <a:r>
+              <a:rPr lang="en-US" dirty="0" smtClean="0"/>
+              <a:t> </a:t>
+            </a:r>
+            <a:r>
+              <a:rPr lang="en-US" dirty="0" err="1" smtClean="0"/>
+              <a:t>keresztül</a:t>
+            </a:r>
+            <a:endParaRPr lang="en-US" dirty="0" smtClean="0"/>
+          </a:p>
+        </p:txBody>
+      </p:sp>
+      <p:pic>
+        <p:nvPicPr>
+          <p:cNvPr id="5" name="Picture 4"/>
+          <p:cNvPicPr>
+            <a:picLocks noChangeAspect="1"/>
+          </p:cNvPicPr>
+          <p:nvPr/>
+        </p:nvPicPr>
+        <p:blipFill>
+          <a:blip r:embed="rId2"/>
+          <a:stretch>
+            <a:fillRect/>
+          </a:stretch>
+        </p:blipFill>
+        <p:spPr>
+          <a:xfrm>
+            <a:off x="179512" y="5013176"/>
+            <a:ext cx="8820472" cy="1629259"/>
+          </a:xfrm>
+          <a:prstGeom prst="rect">
+            <a:avLst/>
+          </a:prstGeom>
+        </p:spPr>
+      </p:pic>
+    </p:spTree>
+    <p:extLst>
+      <p:ext uri="{BB962C8B-B14F-4D97-AF65-F5344CB8AC3E}">
+        <p14:creationId xmlns:p14="http://schemas.microsoft.com/office/powerpoint/2010/main" val="133220387"/>
+      </p:ext>
+    </p:extLst>
+  </p:cSld>
+  <p:clrMapOvr>
+    <a:masterClrMapping/>
+  </p:clrMapOvr>
+</p:sld>
+</file>
+
+<file path=ppt/slides/slide7.xml><?xml version="1.0" encoding="utf-8"?>
+<p:sld xmlns:a="http://schemas.openxmlformats.org/drawingml/2006/main" xmlns:r="http://schemas.openxmlformats.org/officeDocument/2006/relationships" xmlns:p="http://schemas.openxmlformats.org/presentationml/2006/main">
+  <p:cSld>
+    <p:spTree>
+      <p:nvGrpSpPr>
+        <p:cNvPr id="1" name=""/>
+        <p:cNvGrpSpPr/>
+        <p:nvPr/>
+      </p:nvGrpSpPr>
+      <p:grpSpPr>
+        <a:xfrm>
+          <a:off x="0" y="0"/>
+          <a:ext cx="0" cy="0"/>
+          <a:chOff x="0" y="0"/>
+          <a:chExt cx="0" cy="0"/>
+        </a:xfrm>
+      </p:grpSpPr>
+      <p:sp>
+        <p:nvSpPr>
           <p:cNvPr id="2" name="Cím 1"/>
           <p:cNvSpPr>
             <a:spLocks noGrp="1"/>
@@ -3674,7 +4183,7 @@
 </p:sld>
 </file>
 
-<file path=ppt/slides/slide7.xml><?xml version="1.0" encoding="utf-8"?>
+<file path=ppt/slides/slide8.xml><?xml version="1.0" encoding="utf-8"?>
 <p:sld xmlns:a="http://schemas.openxmlformats.org/drawingml/2006/main" xmlns:r="http://schemas.openxmlformats.org/officeDocument/2006/relationships" xmlns:p="http://schemas.openxmlformats.org/presentationml/2006/main">
   <p:cSld>
     <p:spTree>
@@ -3801,73 +4310,6 @@
 </p:sld>
 </file>
 
-<file path=ppt/slides/slide8.xml><?xml version="1.0" encoding="utf-8"?>
-<p:sld xmlns:a="http://schemas.openxmlformats.org/drawingml/2006/main" xmlns:r="http://schemas.openxmlformats.org/officeDocument/2006/relationships" xmlns:p="http://schemas.openxmlformats.org/presentationml/2006/main">
-  <p:cSld>
-    <p:spTree>
-      <p:nvGrpSpPr>
-        <p:cNvPr id="1" name=""/>
-        <p:cNvGrpSpPr/>
-        <p:nvPr/>
-      </p:nvGrpSpPr>
-      <p:grpSpPr>
-        <a:xfrm>
-          <a:off x="0" y="0"/>
-          <a:ext cx="0" cy="0"/>
-          <a:chOff x="0" y="0"/>
-          <a:chExt cx="0" cy="0"/>
-        </a:xfrm>
-      </p:grpSpPr>
-      <p:sp>
-        <p:nvSpPr>
-          <p:cNvPr id="2" name="Cím 1"/>
-          <p:cNvSpPr>
-            <a:spLocks noGrp="1"/>
-          </p:cNvSpPr>
-          <p:nvPr>
-            <p:ph type="title"/>
-          </p:nvPr>
-        </p:nvSpPr>
-        <p:spPr/>
-        <p:txBody>
-          <a:bodyPr/>
-          <a:lstStyle/>
-          <a:p>
-            <a:r>
-              <a:rPr lang="hu-HU" dirty="0" smtClean="0"/>
-              <a:t>Kommunikáció</a:t>
-            </a:r>
-            <a:endParaRPr lang="hu-HU" dirty="0"/>
-          </a:p>
-        </p:txBody>
-      </p:sp>
-      <p:sp>
-        <p:nvSpPr>
-          <p:cNvPr id="3" name="Tartalom helye 2"/>
-          <p:cNvSpPr>
-            <a:spLocks noGrp="1"/>
-          </p:cNvSpPr>
-          <p:nvPr>
-            <p:ph idx="1"/>
-          </p:nvPr>
-        </p:nvSpPr>
-        <p:spPr/>
-        <p:txBody>
-          <a:bodyPr/>
-          <a:lstStyle/>
-          <a:p>
-            <a:endParaRPr lang="hu-HU"/>
-          </a:p>
-        </p:txBody>
-      </p:sp>
-    </p:spTree>
-  </p:cSld>
-  <p:clrMapOvr>
-    <a:masterClrMapping/>
-  </p:clrMapOvr>
-</p:sld>
-</file>
-
 <file path=ppt/slides/slide9.xml><?xml version="1.0" encoding="utf-8"?>
 <p:sld xmlns:a="http://schemas.openxmlformats.org/drawingml/2006/main" xmlns:r="http://schemas.openxmlformats.org/officeDocument/2006/relationships" xmlns:p="http://schemas.openxmlformats.org/presentationml/2006/main">
   <p:cSld>
@@ -3902,7 +4344,7 @@
           <a:p>
             <a:r>
               <a:rPr lang="hu-HU" dirty="0" smtClean="0"/>
-              <a:t>Skálázódás</a:t>
+              <a:t>Kommunikáció</a:t>
             </a:r>
             <a:endParaRPr lang="hu-HU" dirty="0"/>
           </a:p>

--- a/Szarch-prezi.pptx
+++ b/Szarch-prezi.pptx
@@ -1,31 +1,127 @@
 
 <file path=ppt/presentation.xml><?xml version="1.0" encoding="utf-8"?>
-<p:presentation xmlns:a="http://schemas.openxmlformats.org/drawingml/2006/main" xmlns:p="http://schemas.openxmlformats.org/presentationml/2006/main" xmlns:r="http://schemas.openxmlformats.org/officeDocument/2006/relationships">
+<p:presentation xmlns:a="http://schemas.openxmlformats.org/drawingml/2006/main" xmlns:r="http://schemas.openxmlformats.org/officeDocument/2006/relationships" xmlns:p="http://schemas.openxmlformats.org/presentationml/2006/main">
   <p:sldMasterIdLst>
-    <p:sldMasterId id="2147483648" r:id="rId2"/>
-    <p:sldMasterId id="2147483661" r:id="rId3"/>
+    <p:sldMasterId id="2147483648" r:id="rId1"/>
+    <p:sldMasterId id="2147483661" r:id="rId2"/>
   </p:sldMasterIdLst>
   <p:sldIdLst>
-    <p:sldId id="256" r:id="rId4"/>
-    <p:sldId id="257" r:id="rId5"/>
-    <p:sldId id="258" r:id="rId6"/>
-    <p:sldId id="259" r:id="rId7"/>
-    <p:sldId id="260" r:id="rId8"/>
-    <p:sldId id="261" r:id="rId9"/>
-    <p:sldId id="262" r:id="rId10"/>
-    <p:sldId id="263" r:id="rId11"/>
-    <p:sldId id="264" r:id="rId12"/>
+    <p:sldId id="256" r:id="rId3"/>
+    <p:sldId id="257" r:id="rId4"/>
+    <p:sldId id="258" r:id="rId5"/>
+    <p:sldId id="259" r:id="rId6"/>
+    <p:sldId id="260" r:id="rId7"/>
+    <p:sldId id="261" r:id="rId8"/>
+    <p:sldId id="262" r:id="rId9"/>
+    <p:sldId id="263" r:id="rId10"/>
+    <p:sldId id="264" r:id="rId11"/>
+    <p:sldId id="268" r:id="rId12"/>
     <p:sldId id="265" r:id="rId13"/>
     <p:sldId id="266" r:id="rId14"/>
     <p:sldId id="267" r:id="rId15"/>
   </p:sldIdLst>
-  <p:sldSz cx="9144000" cy="6858000"/>
-  <p:notesSz cx="7559675" cy="10691812"/>
+  <p:sldSz cx="9144000" cy="6858000" type="screen4x3"/>
+  <p:notesSz cx="7559675" cy="10691813"/>
+  <p:defaultTextStyle>
+    <a:defPPr>
+      <a:defRPr lang="hu-HU"/>
+    </a:defPPr>
+    <a:lvl1pPr marL="0" algn="l" defTabSz="914400" rtl="0" eaLnBrk="1" latinLnBrk="0" hangingPunct="1">
+      <a:defRPr sz="1800" kern="1200">
+        <a:solidFill>
+          <a:schemeClr val="tx1"/>
+        </a:solidFill>
+        <a:latin typeface="+mn-lt"/>
+        <a:ea typeface="+mn-ea"/>
+        <a:cs typeface="+mn-cs"/>
+      </a:defRPr>
+    </a:lvl1pPr>
+    <a:lvl2pPr marL="457200" algn="l" defTabSz="914400" rtl="0" eaLnBrk="1" latinLnBrk="0" hangingPunct="1">
+      <a:defRPr sz="1800" kern="1200">
+        <a:solidFill>
+          <a:schemeClr val="tx1"/>
+        </a:solidFill>
+        <a:latin typeface="+mn-lt"/>
+        <a:ea typeface="+mn-ea"/>
+        <a:cs typeface="+mn-cs"/>
+      </a:defRPr>
+    </a:lvl2pPr>
+    <a:lvl3pPr marL="914400" algn="l" defTabSz="914400" rtl="0" eaLnBrk="1" latinLnBrk="0" hangingPunct="1">
+      <a:defRPr sz="1800" kern="1200">
+        <a:solidFill>
+          <a:schemeClr val="tx1"/>
+        </a:solidFill>
+        <a:latin typeface="+mn-lt"/>
+        <a:ea typeface="+mn-ea"/>
+        <a:cs typeface="+mn-cs"/>
+      </a:defRPr>
+    </a:lvl3pPr>
+    <a:lvl4pPr marL="1371600" algn="l" defTabSz="914400" rtl="0" eaLnBrk="1" latinLnBrk="0" hangingPunct="1">
+      <a:defRPr sz="1800" kern="1200">
+        <a:solidFill>
+          <a:schemeClr val="tx1"/>
+        </a:solidFill>
+        <a:latin typeface="+mn-lt"/>
+        <a:ea typeface="+mn-ea"/>
+        <a:cs typeface="+mn-cs"/>
+      </a:defRPr>
+    </a:lvl4pPr>
+    <a:lvl5pPr marL="1828800" algn="l" defTabSz="914400" rtl="0" eaLnBrk="1" latinLnBrk="0" hangingPunct="1">
+      <a:defRPr sz="1800" kern="1200">
+        <a:solidFill>
+          <a:schemeClr val="tx1"/>
+        </a:solidFill>
+        <a:latin typeface="+mn-lt"/>
+        <a:ea typeface="+mn-ea"/>
+        <a:cs typeface="+mn-cs"/>
+      </a:defRPr>
+    </a:lvl5pPr>
+    <a:lvl6pPr marL="2286000" algn="l" defTabSz="914400" rtl="0" eaLnBrk="1" latinLnBrk="0" hangingPunct="1">
+      <a:defRPr sz="1800" kern="1200">
+        <a:solidFill>
+          <a:schemeClr val="tx1"/>
+        </a:solidFill>
+        <a:latin typeface="+mn-lt"/>
+        <a:ea typeface="+mn-ea"/>
+        <a:cs typeface="+mn-cs"/>
+      </a:defRPr>
+    </a:lvl6pPr>
+    <a:lvl7pPr marL="2743200" algn="l" defTabSz="914400" rtl="0" eaLnBrk="1" latinLnBrk="0" hangingPunct="1">
+      <a:defRPr sz="1800" kern="1200">
+        <a:solidFill>
+          <a:schemeClr val="tx1"/>
+        </a:solidFill>
+        <a:latin typeface="+mn-lt"/>
+        <a:ea typeface="+mn-ea"/>
+        <a:cs typeface="+mn-cs"/>
+      </a:defRPr>
+    </a:lvl7pPr>
+    <a:lvl8pPr marL="3200400" algn="l" defTabSz="914400" rtl="0" eaLnBrk="1" latinLnBrk="0" hangingPunct="1">
+      <a:defRPr sz="1800" kern="1200">
+        <a:solidFill>
+          <a:schemeClr val="tx1"/>
+        </a:solidFill>
+        <a:latin typeface="+mn-lt"/>
+        <a:ea typeface="+mn-ea"/>
+        <a:cs typeface="+mn-cs"/>
+      </a:defRPr>
+    </a:lvl8pPr>
+    <a:lvl9pPr marL="3657600" algn="l" defTabSz="914400" rtl="0" eaLnBrk="1" latinLnBrk="0" hangingPunct="1">
+      <a:defRPr sz="1800" kern="1200">
+        <a:solidFill>
+          <a:schemeClr val="tx1"/>
+        </a:solidFill>
+        <a:latin typeface="+mn-lt"/>
+        <a:ea typeface="+mn-ea"/>
+        <a:cs typeface="+mn-cs"/>
+      </a:defRPr>
+    </a:lvl9pPr>
+  </p:defaultTextStyle>
 </p:presentation>
 </file>
 
 <file path=ppt/slideLayouts/slideLayout1.xml><?xml version="1.0" encoding="utf-8"?>
-<p:sldLayout xmlns:a="http://schemas.openxmlformats.org/drawingml/2006/main" xmlns:p="http://schemas.openxmlformats.org/presentationml/2006/main" xmlns:r="http://schemas.openxmlformats.org/officeDocument/2006/relationships" type="blank" preserve="1">
+<p:sldLayout xmlns:a="http://schemas.openxmlformats.org/drawingml/2006/main" xmlns:r="http://schemas.openxmlformats.org/officeDocument/2006/relationships" xmlns:p="http://schemas.openxmlformats.org/presentationml/2006/main" type="blank" preserve="1">
   <p:cSld name="Blank Slide">
     <p:spTree>
       <p:nvGrpSpPr>
@@ -43,11 +139,14 @@
       </p:grpSpPr>
     </p:spTree>
   </p:cSld>
+  <p:clrMapOvr>
+    <a:masterClrMapping/>
+  </p:clrMapOvr>
 </p:sldLayout>
 </file>
 
 <file path=ppt/slideLayouts/slideLayout10.xml><?xml version="1.0" encoding="utf-8"?>
-<p:sldLayout xmlns:a="http://schemas.openxmlformats.org/drawingml/2006/main" xmlns:p="http://schemas.openxmlformats.org/presentationml/2006/main" xmlns:r="http://schemas.openxmlformats.org/officeDocument/2006/relationships" type="objOverTx" preserve="1">
+<p:sldLayout xmlns:a="http://schemas.openxmlformats.org/drawingml/2006/main" xmlns:r="http://schemas.openxmlformats.org/officeDocument/2006/relationships" xmlns:p="http://schemas.openxmlformats.org/presentationml/2006/main" type="objOverTx" preserve="1">
   <p:cSld name="Title, Content over Content">
     <p:spTree>
       <p:nvGrpSpPr>
@@ -83,7 +182,8 @@
           </a:prstGeom>
         </p:spPr>
         <p:txBody>
-          <a:bodyPr lIns="0" rIns="0" tIns="0" bIns="0" anchor="ctr"/>
+          <a:bodyPr lIns="0" tIns="0" rIns="0" bIns="0" anchor="ctr"/>
+          <a:lstStyle/>
           <a:p>
             <a:endParaRPr/>
           </a:p>
@@ -109,7 +209,8 @@
           </a:prstGeom>
         </p:spPr>
         <p:txBody>
-          <a:bodyPr lIns="0" rIns="0" tIns="0" bIns="0"/>
+          <a:bodyPr lIns="0" tIns="0" rIns="0" bIns="0"/>
+          <a:lstStyle/>
           <a:p>
             <a:endParaRPr/>
           </a:p>
@@ -135,7 +236,8 @@
           </a:prstGeom>
         </p:spPr>
         <p:txBody>
-          <a:bodyPr lIns="0" rIns="0" tIns="0" bIns="0"/>
+          <a:bodyPr lIns="0" tIns="0" rIns="0" bIns="0"/>
+          <a:lstStyle/>
           <a:p>
             <a:endParaRPr/>
           </a:p>
@@ -143,11 +245,14 @@
       </p:sp>
     </p:spTree>
   </p:cSld>
+  <p:clrMapOvr>
+    <a:masterClrMapping/>
+  </p:clrMapOvr>
 </p:sldLayout>
 </file>
 
 <file path=ppt/slideLayouts/slideLayout11.xml><?xml version="1.0" encoding="utf-8"?>
-<p:sldLayout xmlns:a="http://schemas.openxmlformats.org/drawingml/2006/main" xmlns:p="http://schemas.openxmlformats.org/presentationml/2006/main" xmlns:r="http://schemas.openxmlformats.org/officeDocument/2006/relationships" type="fourObj" preserve="1">
+<p:sldLayout xmlns:a="http://schemas.openxmlformats.org/drawingml/2006/main" xmlns:r="http://schemas.openxmlformats.org/officeDocument/2006/relationships" xmlns:p="http://schemas.openxmlformats.org/presentationml/2006/main" type="fourObj" preserve="1">
   <p:cSld name="Title, 4 Content">
     <p:spTree>
       <p:nvGrpSpPr>
@@ -183,7 +288,8 @@
           </a:prstGeom>
         </p:spPr>
         <p:txBody>
-          <a:bodyPr lIns="0" rIns="0" tIns="0" bIns="0" anchor="ctr"/>
+          <a:bodyPr lIns="0" tIns="0" rIns="0" bIns="0" anchor="ctr"/>
+          <a:lstStyle/>
           <a:p>
             <a:endParaRPr/>
           </a:p>
@@ -209,7 +315,8 @@
           </a:prstGeom>
         </p:spPr>
         <p:txBody>
-          <a:bodyPr lIns="0" rIns="0" tIns="0" bIns="0"/>
+          <a:bodyPr lIns="0" tIns="0" rIns="0" bIns="0"/>
+          <a:lstStyle/>
           <a:p>
             <a:endParaRPr/>
           </a:p>
@@ -235,7 +342,8 @@
           </a:prstGeom>
         </p:spPr>
         <p:txBody>
-          <a:bodyPr lIns="0" rIns="0" tIns="0" bIns="0"/>
+          <a:bodyPr lIns="0" tIns="0" rIns="0" bIns="0"/>
+          <a:lstStyle/>
           <a:p>
             <a:endParaRPr/>
           </a:p>
@@ -261,7 +369,8 @@
           </a:prstGeom>
         </p:spPr>
         <p:txBody>
-          <a:bodyPr lIns="0" rIns="0" tIns="0" bIns="0"/>
+          <a:bodyPr lIns="0" tIns="0" rIns="0" bIns="0"/>
+          <a:lstStyle/>
           <a:p>
             <a:endParaRPr/>
           </a:p>
@@ -287,7 +396,8 @@
           </a:prstGeom>
         </p:spPr>
         <p:txBody>
-          <a:bodyPr lIns="0" rIns="0" tIns="0" bIns="0"/>
+          <a:bodyPr lIns="0" tIns="0" rIns="0" bIns="0"/>
+          <a:lstStyle/>
           <a:p>
             <a:endParaRPr/>
           </a:p>
@@ -295,11 +405,14 @@
       </p:sp>
     </p:spTree>
   </p:cSld>
+  <p:clrMapOvr>
+    <a:masterClrMapping/>
+  </p:clrMapOvr>
 </p:sldLayout>
 </file>
 
 <file path=ppt/slideLayouts/slideLayout12.xml><?xml version="1.0" encoding="utf-8"?>
-<p:sldLayout xmlns:a="http://schemas.openxmlformats.org/drawingml/2006/main" xmlns:p="http://schemas.openxmlformats.org/presentationml/2006/main" xmlns:r="http://schemas.openxmlformats.org/officeDocument/2006/relationships" type="blank" preserve="1">
+<p:sldLayout xmlns:a="http://schemas.openxmlformats.org/drawingml/2006/main" xmlns:r="http://schemas.openxmlformats.org/officeDocument/2006/relationships" xmlns:p="http://schemas.openxmlformats.org/presentationml/2006/main" type="blank" preserve="1">
   <p:cSld name="Title, 6 Content">
     <p:spTree>
       <p:nvGrpSpPr>
@@ -335,7 +448,8 @@
           </a:prstGeom>
         </p:spPr>
         <p:txBody>
-          <a:bodyPr lIns="0" rIns="0" tIns="0" bIns="0" anchor="ctr"/>
+          <a:bodyPr lIns="0" tIns="0" rIns="0" bIns="0" anchor="ctr"/>
+          <a:lstStyle/>
           <a:p>
             <a:endParaRPr/>
           </a:p>
@@ -361,7 +475,8 @@
           </a:prstGeom>
         </p:spPr>
         <p:txBody>
-          <a:bodyPr lIns="0" rIns="0" tIns="0" bIns="0"/>
+          <a:bodyPr lIns="0" tIns="0" rIns="0" bIns="0"/>
+          <a:lstStyle/>
           <a:p>
             <a:endParaRPr/>
           </a:p>
@@ -387,7 +502,8 @@
           </a:prstGeom>
         </p:spPr>
         <p:txBody>
-          <a:bodyPr lIns="0" rIns="0" tIns="0" bIns="0"/>
+          <a:bodyPr lIns="0" tIns="0" rIns="0" bIns="0"/>
+          <a:lstStyle/>
           <a:p>
             <a:endParaRPr/>
           </a:p>
@@ -395,7 +511,7 @@
       </p:sp>
       <p:pic>
         <p:nvPicPr>
-          <p:cNvPr id="37" name="" descr=""/>
+          <p:cNvPr id="37" name="Kép 36"/>
           <p:cNvPicPr/>
           <p:nvPr/>
         </p:nvPicPr>
@@ -420,12 +536,12 @@
       </p:pic>
       <p:pic>
         <p:nvPicPr>
-          <p:cNvPr id="38" name="" descr=""/>
+          <p:cNvPr id="38" name="Kép 37"/>
           <p:cNvPicPr/>
           <p:nvPr/>
         </p:nvPicPr>
         <p:blipFill>
-          <a:blip r:embed="rId3"/>
+          <a:blip r:embed="rId2"/>
           <a:stretch>
             <a:fillRect/>
           </a:stretch>
@@ -445,11 +561,14 @@
       </p:pic>
     </p:spTree>
   </p:cSld>
+  <p:clrMapOvr>
+    <a:masterClrMapping/>
+  </p:clrMapOvr>
 </p:sldLayout>
 </file>
 
 <file path=ppt/slideLayouts/slideLayout13.xml><?xml version="1.0" encoding="utf-8"?>
-<p:sldLayout xmlns:a="http://schemas.openxmlformats.org/drawingml/2006/main" xmlns:p="http://schemas.openxmlformats.org/presentationml/2006/main" xmlns:r="http://schemas.openxmlformats.org/officeDocument/2006/relationships" type="blank" preserve="1">
+<p:sldLayout xmlns:a="http://schemas.openxmlformats.org/drawingml/2006/main" xmlns:r="http://schemas.openxmlformats.org/officeDocument/2006/relationships" xmlns:p="http://schemas.openxmlformats.org/presentationml/2006/main" type="blank" preserve="1">
   <p:cSld name="Blank Slide">
     <p:spTree>
       <p:nvGrpSpPr>
@@ -467,11 +586,14 @@
       </p:grpSpPr>
     </p:spTree>
   </p:cSld>
+  <p:clrMapOvr>
+    <a:masterClrMapping/>
+  </p:clrMapOvr>
 </p:sldLayout>
 </file>
 
 <file path=ppt/slideLayouts/slideLayout14.xml><?xml version="1.0" encoding="utf-8"?>
-<p:sldLayout xmlns:a="http://schemas.openxmlformats.org/drawingml/2006/main" xmlns:p="http://schemas.openxmlformats.org/presentationml/2006/main" xmlns:r="http://schemas.openxmlformats.org/officeDocument/2006/relationships" type="tx" preserve="1">
+<p:sldLayout xmlns:a="http://schemas.openxmlformats.org/drawingml/2006/main" xmlns:r="http://schemas.openxmlformats.org/officeDocument/2006/relationships" xmlns:p="http://schemas.openxmlformats.org/presentationml/2006/main" type="tx" preserve="1">
   <p:cSld name="Title Slide">
     <p:spTree>
       <p:nvGrpSpPr>
@@ -507,7 +629,8 @@
           </a:prstGeom>
         </p:spPr>
         <p:txBody>
-          <a:bodyPr lIns="0" rIns="0" tIns="0" bIns="0" anchor="ctr"/>
+          <a:bodyPr lIns="0" tIns="0" rIns="0" bIns="0" anchor="ctr"/>
+          <a:lstStyle/>
           <a:p>
             <a:endParaRPr/>
           </a:p>
@@ -533,7 +656,8 @@
           </a:prstGeom>
         </p:spPr>
         <p:txBody>
-          <a:bodyPr lIns="0" rIns="0" tIns="0" bIns="0" anchor="ctr"/>
+          <a:bodyPr lIns="0" tIns="0" rIns="0" bIns="0" anchor="ctr"/>
+          <a:lstStyle/>
           <a:p>
             <a:pPr algn="ctr"/>
             <a:endParaRPr/>
@@ -542,11 +666,14 @@
       </p:sp>
     </p:spTree>
   </p:cSld>
+  <p:clrMapOvr>
+    <a:masterClrMapping/>
+  </p:clrMapOvr>
 </p:sldLayout>
 </file>
 
 <file path=ppt/slideLayouts/slideLayout15.xml><?xml version="1.0" encoding="utf-8"?>
-<p:sldLayout xmlns:a="http://schemas.openxmlformats.org/drawingml/2006/main" xmlns:p="http://schemas.openxmlformats.org/presentationml/2006/main" xmlns:r="http://schemas.openxmlformats.org/officeDocument/2006/relationships" type="obj" preserve="1">
+<p:sldLayout xmlns:a="http://schemas.openxmlformats.org/drawingml/2006/main" xmlns:r="http://schemas.openxmlformats.org/officeDocument/2006/relationships" xmlns:p="http://schemas.openxmlformats.org/presentationml/2006/main" type="obj" preserve="1">
   <p:cSld name="Title, Content">
     <p:spTree>
       <p:nvGrpSpPr>
@@ -582,7 +709,8 @@
           </a:prstGeom>
         </p:spPr>
         <p:txBody>
-          <a:bodyPr lIns="0" rIns="0" tIns="0" bIns="0" anchor="ctr"/>
+          <a:bodyPr lIns="0" tIns="0" rIns="0" bIns="0" anchor="ctr"/>
+          <a:lstStyle/>
           <a:p>
             <a:endParaRPr/>
           </a:p>
@@ -608,7 +736,8 @@
           </a:prstGeom>
         </p:spPr>
         <p:txBody>
-          <a:bodyPr lIns="0" rIns="0" tIns="0" bIns="0"/>
+          <a:bodyPr lIns="0" tIns="0" rIns="0" bIns="0"/>
+          <a:lstStyle/>
           <a:p>
             <a:endParaRPr/>
           </a:p>
@@ -616,11 +745,14 @@
       </p:sp>
     </p:spTree>
   </p:cSld>
+  <p:clrMapOvr>
+    <a:masterClrMapping/>
+  </p:clrMapOvr>
 </p:sldLayout>
 </file>
 
 <file path=ppt/slideLayouts/slideLayout16.xml><?xml version="1.0" encoding="utf-8"?>
-<p:sldLayout xmlns:a="http://schemas.openxmlformats.org/drawingml/2006/main" xmlns:p="http://schemas.openxmlformats.org/presentationml/2006/main" xmlns:r="http://schemas.openxmlformats.org/officeDocument/2006/relationships" type="twoObj" preserve="1">
+<p:sldLayout xmlns:a="http://schemas.openxmlformats.org/drawingml/2006/main" xmlns:r="http://schemas.openxmlformats.org/officeDocument/2006/relationships" xmlns:p="http://schemas.openxmlformats.org/presentationml/2006/main" type="twoObj" preserve="1">
   <p:cSld name="Title, 2 Content">
     <p:spTree>
       <p:nvGrpSpPr>
@@ -656,7 +788,8 @@
           </a:prstGeom>
         </p:spPr>
         <p:txBody>
-          <a:bodyPr lIns="0" rIns="0" tIns="0" bIns="0" anchor="ctr"/>
+          <a:bodyPr lIns="0" tIns="0" rIns="0" bIns="0" anchor="ctr"/>
+          <a:lstStyle/>
           <a:p>
             <a:endParaRPr/>
           </a:p>
@@ -682,7 +815,8 @@
           </a:prstGeom>
         </p:spPr>
         <p:txBody>
-          <a:bodyPr lIns="0" rIns="0" tIns="0" bIns="0"/>
+          <a:bodyPr lIns="0" tIns="0" rIns="0" bIns="0"/>
+          <a:lstStyle/>
           <a:p>
             <a:endParaRPr/>
           </a:p>
@@ -708,7 +842,8 @@
           </a:prstGeom>
         </p:spPr>
         <p:txBody>
-          <a:bodyPr lIns="0" rIns="0" tIns="0" bIns="0"/>
+          <a:bodyPr lIns="0" tIns="0" rIns="0" bIns="0"/>
+          <a:lstStyle/>
           <a:p>
             <a:endParaRPr/>
           </a:p>
@@ -716,11 +851,14 @@
       </p:sp>
     </p:spTree>
   </p:cSld>
+  <p:clrMapOvr>
+    <a:masterClrMapping/>
+  </p:clrMapOvr>
 </p:sldLayout>
 </file>
 
 <file path=ppt/slideLayouts/slideLayout17.xml><?xml version="1.0" encoding="utf-8"?>
-<p:sldLayout xmlns:a="http://schemas.openxmlformats.org/drawingml/2006/main" xmlns:p="http://schemas.openxmlformats.org/presentationml/2006/main" xmlns:r="http://schemas.openxmlformats.org/officeDocument/2006/relationships" type="titleOnly" preserve="1">
+<p:sldLayout xmlns:a="http://schemas.openxmlformats.org/drawingml/2006/main" xmlns:r="http://schemas.openxmlformats.org/officeDocument/2006/relationships" xmlns:p="http://schemas.openxmlformats.org/presentationml/2006/main" type="titleOnly" preserve="1">
   <p:cSld name="Title Only">
     <p:spTree>
       <p:nvGrpSpPr>
@@ -756,7 +894,8 @@
           </a:prstGeom>
         </p:spPr>
         <p:txBody>
-          <a:bodyPr lIns="0" rIns="0" tIns="0" bIns="0" anchor="ctr"/>
+          <a:bodyPr lIns="0" tIns="0" rIns="0" bIns="0" anchor="ctr"/>
+          <a:lstStyle/>
           <a:p>
             <a:endParaRPr/>
           </a:p>
@@ -764,11 +903,14 @@
       </p:sp>
     </p:spTree>
   </p:cSld>
+  <p:clrMapOvr>
+    <a:masterClrMapping/>
+  </p:clrMapOvr>
 </p:sldLayout>
 </file>
 
 <file path=ppt/slideLayouts/slideLayout18.xml><?xml version="1.0" encoding="utf-8"?>
-<p:sldLayout xmlns:a="http://schemas.openxmlformats.org/drawingml/2006/main" xmlns:p="http://schemas.openxmlformats.org/presentationml/2006/main" xmlns:r="http://schemas.openxmlformats.org/officeDocument/2006/relationships" type="objOnly" preserve="1">
+<p:sldLayout xmlns:a="http://schemas.openxmlformats.org/drawingml/2006/main" xmlns:r="http://schemas.openxmlformats.org/officeDocument/2006/relationships" xmlns:p="http://schemas.openxmlformats.org/presentationml/2006/main" type="objOnly" preserve="1">
   <p:cSld name="Centered Text">
     <p:spTree>
       <p:nvGrpSpPr>
@@ -804,7 +946,8 @@
           </a:prstGeom>
         </p:spPr>
         <p:txBody>
-          <a:bodyPr lIns="0" rIns="0" tIns="0" bIns="0" anchor="ctr"/>
+          <a:bodyPr lIns="0" tIns="0" rIns="0" bIns="0" anchor="ctr"/>
+          <a:lstStyle/>
           <a:p>
             <a:pPr algn="ctr"/>
             <a:endParaRPr/>
@@ -813,11 +956,14 @@
       </p:sp>
     </p:spTree>
   </p:cSld>
+  <p:clrMapOvr>
+    <a:masterClrMapping/>
+  </p:clrMapOvr>
 </p:sldLayout>
 </file>
 
 <file path=ppt/slideLayouts/slideLayout19.xml><?xml version="1.0" encoding="utf-8"?>
-<p:sldLayout xmlns:a="http://schemas.openxmlformats.org/drawingml/2006/main" xmlns:p="http://schemas.openxmlformats.org/presentationml/2006/main" xmlns:r="http://schemas.openxmlformats.org/officeDocument/2006/relationships" type="twoObjAndObj" preserve="1">
+<p:sldLayout xmlns:a="http://schemas.openxmlformats.org/drawingml/2006/main" xmlns:r="http://schemas.openxmlformats.org/officeDocument/2006/relationships" xmlns:p="http://schemas.openxmlformats.org/presentationml/2006/main" type="twoObjAndObj" preserve="1">
   <p:cSld name="Title, 2 Content and Content">
     <p:spTree>
       <p:nvGrpSpPr>
@@ -853,7 +999,8 @@
           </a:prstGeom>
         </p:spPr>
         <p:txBody>
-          <a:bodyPr lIns="0" rIns="0" tIns="0" bIns="0" anchor="ctr"/>
+          <a:bodyPr lIns="0" tIns="0" rIns="0" bIns="0" anchor="ctr"/>
+          <a:lstStyle/>
           <a:p>
             <a:endParaRPr/>
           </a:p>
@@ -879,7 +1026,8 @@
           </a:prstGeom>
         </p:spPr>
         <p:txBody>
-          <a:bodyPr lIns="0" rIns="0" tIns="0" bIns="0"/>
+          <a:bodyPr lIns="0" tIns="0" rIns="0" bIns="0"/>
+          <a:lstStyle/>
           <a:p>
             <a:endParaRPr/>
           </a:p>
@@ -905,7 +1053,8 @@
           </a:prstGeom>
         </p:spPr>
         <p:txBody>
-          <a:bodyPr lIns="0" rIns="0" tIns="0" bIns="0"/>
+          <a:bodyPr lIns="0" tIns="0" rIns="0" bIns="0"/>
+          <a:lstStyle/>
           <a:p>
             <a:endParaRPr/>
           </a:p>
@@ -931,7 +1080,8 @@
           </a:prstGeom>
         </p:spPr>
         <p:txBody>
-          <a:bodyPr lIns="0" rIns="0" tIns="0" bIns="0"/>
+          <a:bodyPr lIns="0" tIns="0" rIns="0" bIns="0"/>
+          <a:lstStyle/>
           <a:p>
             <a:endParaRPr/>
           </a:p>
@@ -939,11 +1089,14 @@
       </p:sp>
     </p:spTree>
   </p:cSld>
+  <p:clrMapOvr>
+    <a:masterClrMapping/>
+  </p:clrMapOvr>
 </p:sldLayout>
 </file>
 
 <file path=ppt/slideLayouts/slideLayout2.xml><?xml version="1.0" encoding="utf-8"?>
-<p:sldLayout xmlns:a="http://schemas.openxmlformats.org/drawingml/2006/main" xmlns:p="http://schemas.openxmlformats.org/presentationml/2006/main" xmlns:r="http://schemas.openxmlformats.org/officeDocument/2006/relationships" type="tx" preserve="1">
+<p:sldLayout xmlns:a="http://schemas.openxmlformats.org/drawingml/2006/main" xmlns:r="http://schemas.openxmlformats.org/officeDocument/2006/relationships" xmlns:p="http://schemas.openxmlformats.org/presentationml/2006/main" type="tx" preserve="1">
   <p:cSld name="Title Slide">
     <p:spTree>
       <p:nvGrpSpPr>
@@ -979,7 +1132,8 @@
           </a:prstGeom>
         </p:spPr>
         <p:txBody>
-          <a:bodyPr lIns="0" rIns="0" tIns="0" bIns="0" anchor="ctr"/>
+          <a:bodyPr lIns="0" tIns="0" rIns="0" bIns="0" anchor="ctr"/>
+          <a:lstStyle/>
           <a:p>
             <a:endParaRPr/>
           </a:p>
@@ -1005,7 +1159,8 @@
           </a:prstGeom>
         </p:spPr>
         <p:txBody>
-          <a:bodyPr lIns="0" rIns="0" tIns="0" bIns="0" anchor="ctr"/>
+          <a:bodyPr lIns="0" tIns="0" rIns="0" bIns="0" anchor="ctr"/>
+          <a:lstStyle/>
           <a:p>
             <a:pPr algn="ctr"/>
             <a:endParaRPr/>
@@ -1014,11 +1169,14 @@
       </p:sp>
     </p:spTree>
   </p:cSld>
+  <p:clrMapOvr>
+    <a:masterClrMapping/>
+  </p:clrMapOvr>
 </p:sldLayout>
 </file>
 
 <file path=ppt/slideLayouts/slideLayout20.xml><?xml version="1.0" encoding="utf-8"?>
-<p:sldLayout xmlns:a="http://schemas.openxmlformats.org/drawingml/2006/main" xmlns:p="http://schemas.openxmlformats.org/presentationml/2006/main" xmlns:r="http://schemas.openxmlformats.org/officeDocument/2006/relationships" type="objAndTwoObj" preserve="1">
+<p:sldLayout xmlns:a="http://schemas.openxmlformats.org/drawingml/2006/main" xmlns:r="http://schemas.openxmlformats.org/officeDocument/2006/relationships" xmlns:p="http://schemas.openxmlformats.org/presentationml/2006/main" type="objAndTwoObj" preserve="1">
   <p:cSld name="Title Content and 2 Content">
     <p:spTree>
       <p:nvGrpSpPr>
@@ -1054,7 +1212,8 @@
           </a:prstGeom>
         </p:spPr>
         <p:txBody>
-          <a:bodyPr lIns="0" rIns="0" tIns="0" bIns="0" anchor="ctr"/>
+          <a:bodyPr lIns="0" tIns="0" rIns="0" bIns="0" anchor="ctr"/>
+          <a:lstStyle/>
           <a:p>
             <a:endParaRPr/>
           </a:p>
@@ -1080,7 +1239,8 @@
           </a:prstGeom>
         </p:spPr>
         <p:txBody>
-          <a:bodyPr lIns="0" rIns="0" tIns="0" bIns="0"/>
+          <a:bodyPr lIns="0" tIns="0" rIns="0" bIns="0"/>
+          <a:lstStyle/>
           <a:p>
             <a:endParaRPr/>
           </a:p>
@@ -1106,7 +1266,8 @@
           </a:prstGeom>
         </p:spPr>
         <p:txBody>
-          <a:bodyPr lIns="0" rIns="0" tIns="0" bIns="0"/>
+          <a:bodyPr lIns="0" tIns="0" rIns="0" bIns="0"/>
+          <a:lstStyle/>
           <a:p>
             <a:endParaRPr/>
           </a:p>
@@ -1132,7 +1293,8 @@
           </a:prstGeom>
         </p:spPr>
         <p:txBody>
-          <a:bodyPr lIns="0" rIns="0" tIns="0" bIns="0"/>
+          <a:bodyPr lIns="0" tIns="0" rIns="0" bIns="0"/>
+          <a:lstStyle/>
           <a:p>
             <a:endParaRPr/>
           </a:p>
@@ -1140,11 +1302,14 @@
       </p:sp>
     </p:spTree>
   </p:cSld>
+  <p:clrMapOvr>
+    <a:masterClrMapping/>
+  </p:clrMapOvr>
 </p:sldLayout>
 </file>
 
 <file path=ppt/slideLayouts/slideLayout21.xml><?xml version="1.0" encoding="utf-8"?>
-<p:sldLayout xmlns:a="http://schemas.openxmlformats.org/drawingml/2006/main" xmlns:p="http://schemas.openxmlformats.org/presentationml/2006/main" xmlns:r="http://schemas.openxmlformats.org/officeDocument/2006/relationships" type="twoObjOverTx" preserve="1">
+<p:sldLayout xmlns:a="http://schemas.openxmlformats.org/drawingml/2006/main" xmlns:r="http://schemas.openxmlformats.org/officeDocument/2006/relationships" xmlns:p="http://schemas.openxmlformats.org/presentationml/2006/main" type="twoObjOverTx" preserve="1">
   <p:cSld name="Title, 2 Content over Content">
     <p:spTree>
       <p:nvGrpSpPr>
@@ -1180,7 +1345,8 @@
           </a:prstGeom>
         </p:spPr>
         <p:txBody>
-          <a:bodyPr lIns="0" rIns="0" tIns="0" bIns="0" anchor="ctr"/>
+          <a:bodyPr lIns="0" tIns="0" rIns="0" bIns="0" anchor="ctr"/>
+          <a:lstStyle/>
           <a:p>
             <a:endParaRPr/>
           </a:p>
@@ -1206,7 +1372,8 @@
           </a:prstGeom>
         </p:spPr>
         <p:txBody>
-          <a:bodyPr lIns="0" rIns="0" tIns="0" bIns="0"/>
+          <a:bodyPr lIns="0" tIns="0" rIns="0" bIns="0"/>
+          <a:lstStyle/>
           <a:p>
             <a:endParaRPr/>
           </a:p>
@@ -1232,7 +1399,8 @@
           </a:prstGeom>
         </p:spPr>
         <p:txBody>
-          <a:bodyPr lIns="0" rIns="0" tIns="0" bIns="0"/>
+          <a:bodyPr lIns="0" tIns="0" rIns="0" bIns="0"/>
+          <a:lstStyle/>
           <a:p>
             <a:endParaRPr/>
           </a:p>
@@ -1258,7 +1426,8 @@
           </a:prstGeom>
         </p:spPr>
         <p:txBody>
-          <a:bodyPr lIns="0" rIns="0" tIns="0" bIns="0"/>
+          <a:bodyPr lIns="0" tIns="0" rIns="0" bIns="0"/>
+          <a:lstStyle/>
           <a:p>
             <a:endParaRPr/>
           </a:p>
@@ -1266,11 +1435,14 @@
       </p:sp>
     </p:spTree>
   </p:cSld>
+  <p:clrMapOvr>
+    <a:masterClrMapping/>
+  </p:clrMapOvr>
 </p:sldLayout>
 </file>
 
 <file path=ppt/slideLayouts/slideLayout22.xml><?xml version="1.0" encoding="utf-8"?>
-<p:sldLayout xmlns:a="http://schemas.openxmlformats.org/drawingml/2006/main" xmlns:p="http://schemas.openxmlformats.org/presentationml/2006/main" xmlns:r="http://schemas.openxmlformats.org/officeDocument/2006/relationships" type="objOverTx" preserve="1">
+<p:sldLayout xmlns:a="http://schemas.openxmlformats.org/drawingml/2006/main" xmlns:r="http://schemas.openxmlformats.org/officeDocument/2006/relationships" xmlns:p="http://schemas.openxmlformats.org/presentationml/2006/main" type="objOverTx" preserve="1">
   <p:cSld name="Title, Content over Content">
     <p:spTree>
       <p:nvGrpSpPr>
@@ -1306,7 +1478,8 @@
           </a:prstGeom>
         </p:spPr>
         <p:txBody>
-          <a:bodyPr lIns="0" rIns="0" tIns="0" bIns="0" anchor="ctr"/>
+          <a:bodyPr lIns="0" tIns="0" rIns="0" bIns="0" anchor="ctr"/>
+          <a:lstStyle/>
           <a:p>
             <a:endParaRPr/>
           </a:p>
@@ -1332,7 +1505,8 @@
           </a:prstGeom>
         </p:spPr>
         <p:txBody>
-          <a:bodyPr lIns="0" rIns="0" tIns="0" bIns="0"/>
+          <a:bodyPr lIns="0" tIns="0" rIns="0" bIns="0"/>
+          <a:lstStyle/>
           <a:p>
             <a:endParaRPr/>
           </a:p>
@@ -1358,7 +1532,8 @@
           </a:prstGeom>
         </p:spPr>
         <p:txBody>
-          <a:bodyPr lIns="0" rIns="0" tIns="0" bIns="0"/>
+          <a:bodyPr lIns="0" tIns="0" rIns="0" bIns="0"/>
+          <a:lstStyle/>
           <a:p>
             <a:endParaRPr/>
           </a:p>
@@ -1366,11 +1541,14 @@
       </p:sp>
     </p:spTree>
   </p:cSld>
+  <p:clrMapOvr>
+    <a:masterClrMapping/>
+  </p:clrMapOvr>
 </p:sldLayout>
 </file>
 
 <file path=ppt/slideLayouts/slideLayout23.xml><?xml version="1.0" encoding="utf-8"?>
-<p:sldLayout xmlns:a="http://schemas.openxmlformats.org/drawingml/2006/main" xmlns:p="http://schemas.openxmlformats.org/presentationml/2006/main" xmlns:r="http://schemas.openxmlformats.org/officeDocument/2006/relationships" type="fourObj" preserve="1">
+<p:sldLayout xmlns:a="http://schemas.openxmlformats.org/drawingml/2006/main" xmlns:r="http://schemas.openxmlformats.org/officeDocument/2006/relationships" xmlns:p="http://schemas.openxmlformats.org/presentationml/2006/main" type="fourObj" preserve="1">
   <p:cSld name="Title, 4 Content">
     <p:spTree>
       <p:nvGrpSpPr>
@@ -1406,7 +1584,8 @@
           </a:prstGeom>
         </p:spPr>
         <p:txBody>
-          <a:bodyPr lIns="0" rIns="0" tIns="0" bIns="0" anchor="ctr"/>
+          <a:bodyPr lIns="0" tIns="0" rIns="0" bIns="0" anchor="ctr"/>
+          <a:lstStyle/>
           <a:p>
             <a:endParaRPr/>
           </a:p>
@@ -1432,7 +1611,8 @@
           </a:prstGeom>
         </p:spPr>
         <p:txBody>
-          <a:bodyPr lIns="0" rIns="0" tIns="0" bIns="0"/>
+          <a:bodyPr lIns="0" tIns="0" rIns="0" bIns="0"/>
+          <a:lstStyle/>
           <a:p>
             <a:endParaRPr/>
           </a:p>
@@ -1458,7 +1638,8 @@
           </a:prstGeom>
         </p:spPr>
         <p:txBody>
-          <a:bodyPr lIns="0" rIns="0" tIns="0" bIns="0"/>
+          <a:bodyPr lIns="0" tIns="0" rIns="0" bIns="0"/>
+          <a:lstStyle/>
           <a:p>
             <a:endParaRPr/>
           </a:p>
@@ -1484,7 +1665,8 @@
           </a:prstGeom>
         </p:spPr>
         <p:txBody>
-          <a:bodyPr lIns="0" rIns="0" tIns="0" bIns="0"/>
+          <a:bodyPr lIns="0" tIns="0" rIns="0" bIns="0"/>
+          <a:lstStyle/>
           <a:p>
             <a:endParaRPr/>
           </a:p>
@@ -1510,7 +1692,8 @@
           </a:prstGeom>
         </p:spPr>
         <p:txBody>
-          <a:bodyPr lIns="0" rIns="0" tIns="0" bIns="0"/>
+          <a:bodyPr lIns="0" tIns="0" rIns="0" bIns="0"/>
+          <a:lstStyle/>
           <a:p>
             <a:endParaRPr/>
           </a:p>
@@ -1518,11 +1701,14 @@
       </p:sp>
     </p:spTree>
   </p:cSld>
+  <p:clrMapOvr>
+    <a:masterClrMapping/>
+  </p:clrMapOvr>
 </p:sldLayout>
 </file>
 
 <file path=ppt/slideLayouts/slideLayout24.xml><?xml version="1.0" encoding="utf-8"?>
-<p:sldLayout xmlns:a="http://schemas.openxmlformats.org/drawingml/2006/main" xmlns:p="http://schemas.openxmlformats.org/presentationml/2006/main" xmlns:r="http://schemas.openxmlformats.org/officeDocument/2006/relationships" type="blank" preserve="1">
+<p:sldLayout xmlns:a="http://schemas.openxmlformats.org/drawingml/2006/main" xmlns:r="http://schemas.openxmlformats.org/officeDocument/2006/relationships" xmlns:p="http://schemas.openxmlformats.org/presentationml/2006/main" type="blank" preserve="1">
   <p:cSld name="Title, 6 Content">
     <p:spTree>
       <p:nvGrpSpPr>
@@ -1558,7 +1744,8 @@
           </a:prstGeom>
         </p:spPr>
         <p:txBody>
-          <a:bodyPr lIns="0" rIns="0" tIns="0" bIns="0" anchor="ctr"/>
+          <a:bodyPr lIns="0" tIns="0" rIns="0" bIns="0" anchor="ctr"/>
+          <a:lstStyle/>
           <a:p>
             <a:endParaRPr/>
           </a:p>
@@ -1584,7 +1771,8 @@
           </a:prstGeom>
         </p:spPr>
         <p:txBody>
-          <a:bodyPr lIns="0" rIns="0" tIns="0" bIns="0"/>
+          <a:bodyPr lIns="0" tIns="0" rIns="0" bIns="0"/>
+          <a:lstStyle/>
           <a:p>
             <a:endParaRPr/>
           </a:p>
@@ -1610,7 +1798,8 @@
           </a:prstGeom>
         </p:spPr>
         <p:txBody>
-          <a:bodyPr lIns="0" rIns="0" tIns="0" bIns="0"/>
+          <a:bodyPr lIns="0" tIns="0" rIns="0" bIns="0"/>
+          <a:lstStyle/>
           <a:p>
             <a:endParaRPr/>
           </a:p>
@@ -1618,7 +1807,7 @@
       </p:sp>
       <p:pic>
         <p:nvPicPr>
-          <p:cNvPr id="76" name="" descr=""/>
+          <p:cNvPr id="76" name="Kép 75"/>
           <p:cNvPicPr/>
           <p:nvPr/>
         </p:nvPicPr>
@@ -1643,12 +1832,12 @@
       </p:pic>
       <p:pic>
         <p:nvPicPr>
-          <p:cNvPr id="77" name="" descr=""/>
+          <p:cNvPr id="77" name="Kép 76"/>
           <p:cNvPicPr/>
           <p:nvPr/>
         </p:nvPicPr>
         <p:blipFill>
-          <a:blip r:embed="rId3"/>
+          <a:blip r:embed="rId2"/>
           <a:stretch>
             <a:fillRect/>
           </a:stretch>
@@ -1668,11 +1857,14 @@
       </p:pic>
     </p:spTree>
   </p:cSld>
+  <p:clrMapOvr>
+    <a:masterClrMapping/>
+  </p:clrMapOvr>
 </p:sldLayout>
 </file>
 
 <file path=ppt/slideLayouts/slideLayout3.xml><?xml version="1.0" encoding="utf-8"?>
-<p:sldLayout xmlns:a="http://schemas.openxmlformats.org/drawingml/2006/main" xmlns:p="http://schemas.openxmlformats.org/presentationml/2006/main" xmlns:r="http://schemas.openxmlformats.org/officeDocument/2006/relationships" type="obj" preserve="1">
+<p:sldLayout xmlns:a="http://schemas.openxmlformats.org/drawingml/2006/main" xmlns:r="http://schemas.openxmlformats.org/officeDocument/2006/relationships" xmlns:p="http://schemas.openxmlformats.org/presentationml/2006/main" type="obj" preserve="1">
   <p:cSld name="Title, Content">
     <p:spTree>
       <p:nvGrpSpPr>
@@ -1708,7 +1900,8 @@
           </a:prstGeom>
         </p:spPr>
         <p:txBody>
-          <a:bodyPr lIns="0" rIns="0" tIns="0" bIns="0" anchor="ctr"/>
+          <a:bodyPr lIns="0" tIns="0" rIns="0" bIns="0" anchor="ctr"/>
+          <a:lstStyle/>
           <a:p>
             <a:endParaRPr/>
           </a:p>
@@ -1734,7 +1927,8 @@
           </a:prstGeom>
         </p:spPr>
         <p:txBody>
-          <a:bodyPr lIns="0" rIns="0" tIns="0" bIns="0"/>
+          <a:bodyPr lIns="0" tIns="0" rIns="0" bIns="0"/>
+          <a:lstStyle/>
           <a:p>
             <a:endParaRPr/>
           </a:p>
@@ -1742,11 +1936,14 @@
       </p:sp>
     </p:spTree>
   </p:cSld>
+  <p:clrMapOvr>
+    <a:masterClrMapping/>
+  </p:clrMapOvr>
 </p:sldLayout>
 </file>
 
 <file path=ppt/slideLayouts/slideLayout4.xml><?xml version="1.0" encoding="utf-8"?>
-<p:sldLayout xmlns:a="http://schemas.openxmlformats.org/drawingml/2006/main" xmlns:p="http://schemas.openxmlformats.org/presentationml/2006/main" xmlns:r="http://schemas.openxmlformats.org/officeDocument/2006/relationships" type="twoObj" preserve="1">
+<p:sldLayout xmlns:a="http://schemas.openxmlformats.org/drawingml/2006/main" xmlns:r="http://schemas.openxmlformats.org/officeDocument/2006/relationships" xmlns:p="http://schemas.openxmlformats.org/presentationml/2006/main" type="twoObj" preserve="1">
   <p:cSld name="Title, 2 Content">
     <p:spTree>
       <p:nvGrpSpPr>
@@ -1782,7 +1979,8 @@
           </a:prstGeom>
         </p:spPr>
         <p:txBody>
-          <a:bodyPr lIns="0" rIns="0" tIns="0" bIns="0" anchor="ctr"/>
+          <a:bodyPr lIns="0" tIns="0" rIns="0" bIns="0" anchor="ctr"/>
+          <a:lstStyle/>
           <a:p>
             <a:endParaRPr/>
           </a:p>
@@ -1808,7 +2006,8 @@
           </a:prstGeom>
         </p:spPr>
         <p:txBody>
-          <a:bodyPr lIns="0" rIns="0" tIns="0" bIns="0"/>
+          <a:bodyPr lIns="0" tIns="0" rIns="0" bIns="0"/>
+          <a:lstStyle/>
           <a:p>
             <a:endParaRPr/>
           </a:p>
@@ -1834,7 +2033,8 @@
           </a:prstGeom>
         </p:spPr>
         <p:txBody>
-          <a:bodyPr lIns="0" rIns="0" tIns="0" bIns="0"/>
+          <a:bodyPr lIns="0" tIns="0" rIns="0" bIns="0"/>
+          <a:lstStyle/>
           <a:p>
             <a:endParaRPr/>
           </a:p>
@@ -1842,11 +2042,14 @@
       </p:sp>
     </p:spTree>
   </p:cSld>
+  <p:clrMapOvr>
+    <a:masterClrMapping/>
+  </p:clrMapOvr>
 </p:sldLayout>
 </file>
 
 <file path=ppt/slideLayouts/slideLayout5.xml><?xml version="1.0" encoding="utf-8"?>
-<p:sldLayout xmlns:a="http://schemas.openxmlformats.org/drawingml/2006/main" xmlns:p="http://schemas.openxmlformats.org/presentationml/2006/main" xmlns:r="http://schemas.openxmlformats.org/officeDocument/2006/relationships" type="titleOnly" preserve="1">
+<p:sldLayout xmlns:a="http://schemas.openxmlformats.org/drawingml/2006/main" xmlns:r="http://schemas.openxmlformats.org/officeDocument/2006/relationships" xmlns:p="http://schemas.openxmlformats.org/presentationml/2006/main" type="titleOnly" preserve="1">
   <p:cSld name="Title Only">
     <p:spTree>
       <p:nvGrpSpPr>
@@ -1882,7 +2085,8 @@
           </a:prstGeom>
         </p:spPr>
         <p:txBody>
-          <a:bodyPr lIns="0" rIns="0" tIns="0" bIns="0" anchor="ctr"/>
+          <a:bodyPr lIns="0" tIns="0" rIns="0" bIns="0" anchor="ctr"/>
+          <a:lstStyle/>
           <a:p>
             <a:endParaRPr/>
           </a:p>
@@ -1890,11 +2094,14 @@
       </p:sp>
     </p:spTree>
   </p:cSld>
+  <p:clrMapOvr>
+    <a:masterClrMapping/>
+  </p:clrMapOvr>
 </p:sldLayout>
 </file>
 
 <file path=ppt/slideLayouts/slideLayout6.xml><?xml version="1.0" encoding="utf-8"?>
-<p:sldLayout xmlns:a="http://schemas.openxmlformats.org/drawingml/2006/main" xmlns:p="http://schemas.openxmlformats.org/presentationml/2006/main" xmlns:r="http://schemas.openxmlformats.org/officeDocument/2006/relationships" type="objOnly" preserve="1">
+<p:sldLayout xmlns:a="http://schemas.openxmlformats.org/drawingml/2006/main" xmlns:r="http://schemas.openxmlformats.org/officeDocument/2006/relationships" xmlns:p="http://schemas.openxmlformats.org/presentationml/2006/main" type="objOnly" preserve="1">
   <p:cSld name="Centered Text">
     <p:spTree>
       <p:nvGrpSpPr>
@@ -1930,7 +2137,8 @@
           </a:prstGeom>
         </p:spPr>
         <p:txBody>
-          <a:bodyPr lIns="0" rIns="0" tIns="0" bIns="0" anchor="ctr"/>
+          <a:bodyPr lIns="0" tIns="0" rIns="0" bIns="0" anchor="ctr"/>
+          <a:lstStyle/>
           <a:p>
             <a:pPr algn="ctr"/>
             <a:endParaRPr/>
@@ -1939,11 +2147,14 @@
       </p:sp>
     </p:spTree>
   </p:cSld>
+  <p:clrMapOvr>
+    <a:masterClrMapping/>
+  </p:clrMapOvr>
 </p:sldLayout>
 </file>
 
 <file path=ppt/slideLayouts/slideLayout7.xml><?xml version="1.0" encoding="utf-8"?>
-<p:sldLayout xmlns:a="http://schemas.openxmlformats.org/drawingml/2006/main" xmlns:p="http://schemas.openxmlformats.org/presentationml/2006/main" xmlns:r="http://schemas.openxmlformats.org/officeDocument/2006/relationships" type="twoObjAndObj" preserve="1">
+<p:sldLayout xmlns:a="http://schemas.openxmlformats.org/drawingml/2006/main" xmlns:r="http://schemas.openxmlformats.org/officeDocument/2006/relationships" xmlns:p="http://schemas.openxmlformats.org/presentationml/2006/main" type="twoObjAndObj" preserve="1">
   <p:cSld name="Title, 2 Content and Content">
     <p:spTree>
       <p:nvGrpSpPr>
@@ -1979,7 +2190,8 @@
           </a:prstGeom>
         </p:spPr>
         <p:txBody>
-          <a:bodyPr lIns="0" rIns="0" tIns="0" bIns="0" anchor="ctr"/>
+          <a:bodyPr lIns="0" tIns="0" rIns="0" bIns="0" anchor="ctr"/>
+          <a:lstStyle/>
           <a:p>
             <a:endParaRPr/>
           </a:p>
@@ -2005,7 +2217,8 @@
           </a:prstGeom>
         </p:spPr>
         <p:txBody>
-          <a:bodyPr lIns="0" rIns="0" tIns="0" bIns="0"/>
+          <a:bodyPr lIns="0" tIns="0" rIns="0" bIns="0"/>
+          <a:lstStyle/>
           <a:p>
             <a:endParaRPr/>
           </a:p>
@@ -2031,7 +2244,8 @@
           </a:prstGeom>
         </p:spPr>
         <p:txBody>
-          <a:bodyPr lIns="0" rIns="0" tIns="0" bIns="0"/>
+          <a:bodyPr lIns="0" tIns="0" rIns="0" bIns="0"/>
+          <a:lstStyle/>
           <a:p>
             <a:endParaRPr/>
           </a:p>
@@ -2057,7 +2271,8 @@
           </a:prstGeom>
         </p:spPr>
         <p:txBody>
-          <a:bodyPr lIns="0" rIns="0" tIns="0" bIns="0"/>
+          <a:bodyPr lIns="0" tIns="0" rIns="0" bIns="0"/>
+          <a:lstStyle/>
           <a:p>
             <a:endParaRPr/>
           </a:p>
@@ -2065,11 +2280,14 @@
       </p:sp>
     </p:spTree>
   </p:cSld>
+  <p:clrMapOvr>
+    <a:masterClrMapping/>
+  </p:clrMapOvr>
 </p:sldLayout>
 </file>
 
 <file path=ppt/slideLayouts/slideLayout8.xml><?xml version="1.0" encoding="utf-8"?>
-<p:sldLayout xmlns:a="http://schemas.openxmlformats.org/drawingml/2006/main" xmlns:p="http://schemas.openxmlformats.org/presentationml/2006/main" xmlns:r="http://schemas.openxmlformats.org/officeDocument/2006/relationships" type="objAndTwoObj" preserve="1">
+<p:sldLayout xmlns:a="http://schemas.openxmlformats.org/drawingml/2006/main" xmlns:r="http://schemas.openxmlformats.org/officeDocument/2006/relationships" xmlns:p="http://schemas.openxmlformats.org/presentationml/2006/main" type="objAndTwoObj" preserve="1">
   <p:cSld name="Title Content and 2 Content">
     <p:spTree>
       <p:nvGrpSpPr>
@@ -2105,7 +2323,8 @@
           </a:prstGeom>
         </p:spPr>
         <p:txBody>
-          <a:bodyPr lIns="0" rIns="0" tIns="0" bIns="0" anchor="ctr"/>
+          <a:bodyPr lIns="0" tIns="0" rIns="0" bIns="0" anchor="ctr"/>
+          <a:lstStyle/>
           <a:p>
             <a:endParaRPr/>
           </a:p>
@@ -2131,7 +2350,8 @@
           </a:prstGeom>
         </p:spPr>
         <p:txBody>
-          <a:bodyPr lIns="0" rIns="0" tIns="0" bIns="0"/>
+          <a:bodyPr lIns="0" tIns="0" rIns="0" bIns="0"/>
+          <a:lstStyle/>
           <a:p>
             <a:endParaRPr/>
           </a:p>
@@ -2157,7 +2377,8 @@
           </a:prstGeom>
         </p:spPr>
         <p:txBody>
-          <a:bodyPr lIns="0" rIns="0" tIns="0" bIns="0"/>
+          <a:bodyPr lIns="0" tIns="0" rIns="0" bIns="0"/>
+          <a:lstStyle/>
           <a:p>
             <a:endParaRPr/>
           </a:p>
@@ -2183,7 +2404,8 @@
           </a:prstGeom>
         </p:spPr>
         <p:txBody>
-          <a:bodyPr lIns="0" rIns="0" tIns="0" bIns="0"/>
+          <a:bodyPr lIns="0" tIns="0" rIns="0" bIns="0"/>
+          <a:lstStyle/>
           <a:p>
             <a:endParaRPr/>
           </a:p>
@@ -2191,11 +2413,14 @@
       </p:sp>
     </p:spTree>
   </p:cSld>
+  <p:clrMapOvr>
+    <a:masterClrMapping/>
+  </p:clrMapOvr>
 </p:sldLayout>
 </file>
 
 <file path=ppt/slideLayouts/slideLayout9.xml><?xml version="1.0" encoding="utf-8"?>
-<p:sldLayout xmlns:a="http://schemas.openxmlformats.org/drawingml/2006/main" xmlns:p="http://schemas.openxmlformats.org/presentationml/2006/main" xmlns:r="http://schemas.openxmlformats.org/officeDocument/2006/relationships" type="twoObjOverTx" preserve="1">
+<p:sldLayout xmlns:a="http://schemas.openxmlformats.org/drawingml/2006/main" xmlns:r="http://schemas.openxmlformats.org/officeDocument/2006/relationships" xmlns:p="http://schemas.openxmlformats.org/presentationml/2006/main" type="twoObjOverTx" preserve="1">
   <p:cSld name="Title, 2 Content over Content">
     <p:spTree>
       <p:nvGrpSpPr>
@@ -2231,7 +2456,8 @@
           </a:prstGeom>
         </p:spPr>
         <p:txBody>
-          <a:bodyPr lIns="0" rIns="0" tIns="0" bIns="0" anchor="ctr"/>
+          <a:bodyPr lIns="0" tIns="0" rIns="0" bIns="0" anchor="ctr"/>
+          <a:lstStyle/>
           <a:p>
             <a:endParaRPr/>
           </a:p>
@@ -2257,7 +2483,8 @@
           </a:prstGeom>
         </p:spPr>
         <p:txBody>
-          <a:bodyPr lIns="0" rIns="0" tIns="0" bIns="0"/>
+          <a:bodyPr lIns="0" tIns="0" rIns="0" bIns="0"/>
+          <a:lstStyle/>
           <a:p>
             <a:endParaRPr/>
           </a:p>
@@ -2283,7 +2510,8 @@
           </a:prstGeom>
         </p:spPr>
         <p:txBody>
-          <a:bodyPr lIns="0" rIns="0" tIns="0" bIns="0"/>
+          <a:bodyPr lIns="0" tIns="0" rIns="0" bIns="0"/>
+          <a:lstStyle/>
           <a:p>
             <a:endParaRPr/>
           </a:p>
@@ -2309,7 +2537,8 @@
           </a:prstGeom>
         </p:spPr>
         <p:txBody>
-          <a:bodyPr lIns="0" rIns="0" tIns="0" bIns="0"/>
+          <a:bodyPr lIns="0" tIns="0" rIns="0" bIns="0"/>
+          <a:lstStyle/>
           <a:p>
             <a:endParaRPr/>
           </a:p>
@@ -2317,17 +2546,21 @@
       </p:sp>
     </p:spTree>
   </p:cSld>
+  <p:clrMapOvr>
+    <a:masterClrMapping/>
+  </p:clrMapOvr>
 </p:sldLayout>
 </file>
 
 <file path=ppt/slideMasters/slideMaster1.xml><?xml version="1.0" encoding="utf-8"?>
-<p:sldMaster xmlns:a="http://schemas.openxmlformats.org/drawingml/2006/main" xmlns:p="http://schemas.openxmlformats.org/presentationml/2006/main" xmlns:r="http://schemas.openxmlformats.org/officeDocument/2006/relationships">
+<p:sldMaster xmlns:a="http://schemas.openxmlformats.org/drawingml/2006/main" xmlns:r="http://schemas.openxmlformats.org/officeDocument/2006/relationships" xmlns:p="http://schemas.openxmlformats.org/presentationml/2006/main">
   <p:cSld>
     <p:bg>
       <p:bgPr>
         <a:solidFill>
-          <a:srgbClr val="ffffff"/>
+          <a:srgbClr val="FFFFFF"/>
         </a:solidFill>
+        <a:effectLst/>
       </p:bgPr>
     </p:bg>
     <p:spTree>
@@ -2346,7 +2579,7 @@
       </p:grpSpPr>
       <p:sp>
         <p:nvSpPr>
-          <p:cNvPr id="0" name="PlaceHolder 1"/>
+          <p:cNvPr id="5" name="PlaceHolder 1"/>
           <p:cNvSpPr>
             <a:spLocks noGrp="1"/>
           </p:cNvSpPr>
@@ -2365,6 +2598,7 @@
         </p:spPr>
         <p:txBody>
           <a:bodyPr anchor="ctr"/>
+          <a:lstStyle/>
           <a:p>
             <a:pPr algn="ctr">
               <a:lnSpc>
@@ -2386,7 +2620,7 @@
       </p:sp>
       <p:sp>
         <p:nvSpPr>
-          <p:cNvPr id="1" name="PlaceHolder 2"/>
+          <p:cNvPr id="6" name="PlaceHolder 2"/>
           <p:cNvSpPr>
             <a:spLocks noGrp="1"/>
           </p:cNvSpPr>
@@ -2405,6 +2639,7 @@
         </p:spPr>
         <p:txBody>
           <a:bodyPr anchor="ctr"/>
+          <a:lstStyle/>
           <a:p>
             <a:pPr>
               <a:lnSpc>
@@ -2414,7 +2649,7 @@
             <a:r>
               <a:rPr lang="en-US" sz="1200">
                 <a:solidFill>
-                  <a:srgbClr val="8b8b8b"/>
+                  <a:srgbClr val="8B8B8B"/>
                 </a:solidFill>
                 <a:latin typeface="Calibri"/>
               </a:rPr>
@@ -2445,6 +2680,7 @@
         </p:spPr>
         <p:txBody>
           <a:bodyPr anchor="ctr"/>
+          <a:lstStyle/>
           <a:p>
             <a:endParaRPr/>
           </a:p>
@@ -2471,6 +2707,7 @@
         </p:spPr>
         <p:txBody>
           <a:bodyPr anchor="ctr"/>
+          <a:lstStyle/>
           <a:p>
             <a:pPr algn="r">
               <a:lnSpc>
@@ -2480,11 +2717,16 @@
             <a:fld id="{FF4C4090-84B2-4508-9634-5A2CD75B01DA}" type="slidenum">
               <a:rPr lang="en-US" sz="1200">
                 <a:solidFill>
-                  <a:srgbClr val="8b8b8b"/>
+                  <a:srgbClr val="8B8B8B"/>
                 </a:solidFill>
                 <a:latin typeface="Calibri"/>
               </a:rPr>
-              <a:t>&lt;number&gt;</a:t>
+              <a:pPr algn="r">
+                <a:lnSpc>
+                  <a:spcPct val="100000"/>
+                </a:lnSpc>
+              </a:pPr>
+              <a:t>‹#›</a:t>
             </a:fld>
             <a:endParaRPr/>
           </a:p>
@@ -2510,7 +2752,8 @@
           </a:prstGeom>
         </p:spPr>
         <p:txBody>
-          <a:bodyPr lIns="0" rIns="0" tIns="0" bIns="0"/>
+          <a:bodyPr lIns="0" tIns="0" rIns="0" bIns="0"/>
+          <a:lstStyle/>
           <a:p>
             <a:pPr>
               <a:buSzPct val="45000"/>
@@ -2613,32 +2856,38 @@
       </p:sp>
     </p:spTree>
   </p:cSld>
-  <p:clrMap bg1="lt1" bg2="lt2" tx1="dk1" tx2="dk2" accent1="accent1" accent2="accent2" accent3="accent3" accent4="accent4" accent5="accent5" accent6="accent6" hlink="hlink" folHlink="folHlink"/>
+  <p:clrMap bg1="lt1" tx1="dk1" bg2="lt2" tx2="dk2" accent1="accent1" accent2="accent2" accent3="accent3" accent4="accent4" accent5="accent5" accent6="accent6" hlink="hlink" folHlink="folHlink"/>
   <p:sldLayoutIdLst>
-    <p:sldLayoutId id="2147483649" r:id="rId2"/>
-    <p:sldLayoutId id="2147483650" r:id="rId3"/>
-    <p:sldLayoutId id="2147483651" r:id="rId4"/>
-    <p:sldLayoutId id="2147483652" r:id="rId5"/>
-    <p:sldLayoutId id="2147483653" r:id="rId6"/>
-    <p:sldLayoutId id="2147483654" r:id="rId7"/>
-    <p:sldLayoutId id="2147483655" r:id="rId8"/>
-    <p:sldLayoutId id="2147483656" r:id="rId9"/>
-    <p:sldLayoutId id="2147483657" r:id="rId10"/>
-    <p:sldLayoutId id="2147483658" r:id="rId11"/>
-    <p:sldLayoutId id="2147483659" r:id="rId12"/>
-    <p:sldLayoutId id="2147483660" r:id="rId13"/>
+    <p:sldLayoutId id="2147483649" r:id="rId1"/>
+    <p:sldLayoutId id="2147483650" r:id="rId2"/>
+    <p:sldLayoutId id="2147483651" r:id="rId3"/>
+    <p:sldLayoutId id="2147483652" r:id="rId4"/>
+    <p:sldLayoutId id="2147483653" r:id="rId5"/>
+    <p:sldLayoutId id="2147483654" r:id="rId6"/>
+    <p:sldLayoutId id="2147483655" r:id="rId7"/>
+    <p:sldLayoutId id="2147483656" r:id="rId8"/>
+    <p:sldLayoutId id="2147483657" r:id="rId9"/>
+    <p:sldLayoutId id="2147483658" r:id="rId10"/>
+    <p:sldLayoutId id="2147483659" r:id="rId11"/>
+    <p:sldLayoutId id="2147483660" r:id="rId12"/>
   </p:sldLayoutIdLst>
+  <p:txStyles>
+    <p:titleStyle/>
+    <p:bodyStyle/>
+    <p:otherStyle/>
+  </p:txStyles>
 </p:sldMaster>
 </file>
 
 <file path=ppt/slideMasters/slideMaster2.xml><?xml version="1.0" encoding="utf-8"?>
-<p:sldMaster xmlns:a="http://schemas.openxmlformats.org/drawingml/2006/main" xmlns:p="http://schemas.openxmlformats.org/presentationml/2006/main" xmlns:r="http://schemas.openxmlformats.org/officeDocument/2006/relationships">
+<p:sldMaster xmlns:a="http://schemas.openxmlformats.org/drawingml/2006/main" xmlns:r="http://schemas.openxmlformats.org/officeDocument/2006/relationships" xmlns:p="http://schemas.openxmlformats.org/presentationml/2006/main">
   <p:cSld>
     <p:bg>
       <p:bgPr>
         <a:solidFill>
-          <a:srgbClr val="ffffff"/>
+          <a:srgbClr val="FFFFFF"/>
         </a:solidFill>
+        <a:effectLst/>
       </p:bgPr>
     </p:bg>
     <p:spTree>
@@ -2676,6 +2925,7 @@
         </p:spPr>
         <p:txBody>
           <a:bodyPr anchor="ctr"/>
+          <a:lstStyle/>
           <a:p>
             <a:pPr algn="ctr">
               <a:lnSpc>
@@ -2716,6 +2966,7 @@
         </p:spPr>
         <p:txBody>
           <a:bodyPr/>
+          <a:lstStyle/>
           <a:p>
             <a:pPr>
               <a:buSzPct val="45000"/>
@@ -2936,6 +3187,7 @@
         </p:spPr>
         <p:txBody>
           <a:bodyPr anchor="ctr"/>
+          <a:lstStyle/>
           <a:p>
             <a:pPr>
               <a:lnSpc>
@@ -2945,7 +3197,7 @@
             <a:r>
               <a:rPr lang="en-US" sz="1200">
                 <a:solidFill>
-                  <a:srgbClr val="8b8b8b"/>
+                  <a:srgbClr val="8B8B8B"/>
                 </a:solidFill>
                 <a:latin typeface="Calibri"/>
               </a:rPr>
@@ -2976,6 +3228,7 @@
         </p:spPr>
         <p:txBody>
           <a:bodyPr anchor="ctr"/>
+          <a:lstStyle/>
           <a:p>
             <a:endParaRPr/>
           </a:p>
@@ -3002,6 +3255,7 @@
         </p:spPr>
         <p:txBody>
           <a:bodyPr anchor="ctr"/>
+          <a:lstStyle/>
           <a:p>
             <a:pPr algn="r">
               <a:lnSpc>
@@ -3011,11 +3265,16 @@
             <a:fld id="{D4A84A45-06C0-48FD-A8D3-07200E667CAE}" type="slidenum">
               <a:rPr lang="en-US" sz="1200">
                 <a:solidFill>
-                  <a:srgbClr val="8b8b8b"/>
+                  <a:srgbClr val="8B8B8B"/>
                 </a:solidFill>
                 <a:latin typeface="Calibri"/>
               </a:rPr>
-              <a:t>&lt;number&gt;</a:t>
+              <a:pPr algn="r">
+                <a:lnSpc>
+                  <a:spcPct val="100000"/>
+                </a:lnSpc>
+              </a:pPr>
+              <a:t>‹#›</a:t>
             </a:fld>
             <a:endParaRPr/>
           </a:p>
@@ -3023,26 +3282,31 @@
       </p:sp>
     </p:spTree>
   </p:cSld>
-  <p:clrMap bg1="lt1" bg2="lt2" tx1="dk1" tx2="dk2" accent1="accent1" accent2="accent2" accent3="accent3" accent4="accent4" accent5="accent5" accent6="accent6" hlink="hlink" folHlink="folHlink"/>
+  <p:clrMap bg1="lt1" tx1="dk1" bg2="lt2" tx2="dk2" accent1="accent1" accent2="accent2" accent3="accent3" accent4="accent4" accent5="accent5" accent6="accent6" hlink="hlink" folHlink="folHlink"/>
   <p:sldLayoutIdLst>
-    <p:sldLayoutId id="2147483662" r:id="rId2"/>
-    <p:sldLayoutId id="2147483663" r:id="rId3"/>
-    <p:sldLayoutId id="2147483664" r:id="rId4"/>
-    <p:sldLayoutId id="2147483665" r:id="rId5"/>
-    <p:sldLayoutId id="2147483666" r:id="rId6"/>
-    <p:sldLayoutId id="2147483667" r:id="rId7"/>
-    <p:sldLayoutId id="2147483668" r:id="rId8"/>
-    <p:sldLayoutId id="2147483669" r:id="rId9"/>
-    <p:sldLayoutId id="2147483670" r:id="rId10"/>
-    <p:sldLayoutId id="2147483671" r:id="rId11"/>
-    <p:sldLayoutId id="2147483672" r:id="rId12"/>
-    <p:sldLayoutId id="2147483673" r:id="rId13"/>
+    <p:sldLayoutId id="2147483662" r:id="rId1"/>
+    <p:sldLayoutId id="2147483663" r:id="rId2"/>
+    <p:sldLayoutId id="2147483664" r:id="rId3"/>
+    <p:sldLayoutId id="2147483665" r:id="rId4"/>
+    <p:sldLayoutId id="2147483666" r:id="rId5"/>
+    <p:sldLayoutId id="2147483667" r:id="rId6"/>
+    <p:sldLayoutId id="2147483668" r:id="rId7"/>
+    <p:sldLayoutId id="2147483669" r:id="rId8"/>
+    <p:sldLayoutId id="2147483670" r:id="rId9"/>
+    <p:sldLayoutId id="2147483671" r:id="rId10"/>
+    <p:sldLayoutId id="2147483672" r:id="rId11"/>
+    <p:sldLayoutId id="2147483673" r:id="rId12"/>
   </p:sldLayoutIdLst>
+  <p:txStyles>
+    <p:titleStyle/>
+    <p:bodyStyle/>
+    <p:otherStyle/>
+  </p:txStyles>
 </p:sldMaster>
 </file>
 
 <file path=ppt/slides/slide1.xml><?xml version="1.0" encoding="utf-8"?>
-<p:sld xmlns:a="http://schemas.openxmlformats.org/drawingml/2006/main" xmlns:p="http://schemas.openxmlformats.org/presentationml/2006/main" xmlns:r="http://schemas.openxmlformats.org/officeDocument/2006/relationships">
+<p:sld xmlns:a="http://schemas.openxmlformats.org/drawingml/2006/main" xmlns:r="http://schemas.openxmlformats.org/officeDocument/2006/relationships" xmlns:p="http://schemas.openxmlformats.org/presentationml/2006/main">
   <p:cSld>
     <p:spTree>
       <p:nvGrpSpPr>
@@ -3075,6 +3339,7 @@
         </p:spPr>
         <p:txBody>
           <a:bodyPr anchor="ctr"/>
+          <a:lstStyle/>
           <a:p>
             <a:pPr algn="ctr">
               <a:lnSpc>
@@ -3088,26 +3353,8 @@
                 </a:solidFill>
                 <a:latin typeface="Calibri"/>
               </a:rPr>
-              <a:t>Project menedzsment alkalmazás</a:t>
-            </a:r>
-            <a:r>
-              <a:rPr lang="hu-HU" sz="4400">
-                <a:solidFill>
-                  <a:srgbClr val="000000"/>
-                </a:solidFill>
-                <a:latin typeface="Calibri"/>
-              </a:rPr>
-              <a:t>
-</a:t>
-            </a:r>
-            <a:r>
-              <a:rPr lang="hu-HU" sz="4400">
-                <a:solidFill>
-                  <a:srgbClr val="000000"/>
-                </a:solidFill>
-                <a:latin typeface="Calibri"/>
-              </a:rPr>
-              <a:t>Stump</a:t>
+              <a:t>Project menedzsment alkalmazás
+Stump</a:t>
             </a:r>
             <a:endParaRPr/>
           </a:p>
@@ -3130,6 +3377,7 @@
         </p:spPr>
         <p:txBody>
           <a:bodyPr/>
+          <a:lstStyle/>
           <a:p>
             <a:pPr algn="ctr">
               <a:lnSpc>
@@ -3137,13 +3385,49 @@
               </a:lnSpc>
             </a:pPr>
             <a:r>
-              <a:rPr lang="en-US" sz="3200">
+              <a:rPr lang="en-US" sz="3200" dirty="0" err="1">
                 <a:solidFill>
-                  <a:srgbClr val="8b8b8b"/>
+                  <a:srgbClr val="8B8B8B"/>
                 </a:solidFill>
                 <a:latin typeface="Calibri"/>
               </a:rPr>
-              <a:t>Konzulens: Dudás Ákos</a:t>
+              <a:t>Konzulens</a:t>
+            </a:r>
+            <a:r>
+              <a:rPr lang="en-US" sz="3200" dirty="0">
+                <a:solidFill>
+                  <a:srgbClr val="8B8B8B"/>
+                </a:solidFill>
+                <a:latin typeface="Calibri"/>
+              </a:rPr>
+              <a:t>: </a:t>
+            </a:r>
+            <a:r>
+              <a:rPr lang="en-US" sz="3200" dirty="0" err="1">
+                <a:solidFill>
+                  <a:srgbClr val="8B8B8B"/>
+                </a:solidFill>
+                <a:latin typeface="Calibri"/>
+              </a:rPr>
+              <a:t>Dudás</a:t>
+            </a:r>
+            <a:r>
+              <a:rPr lang="en-US" sz="3200" dirty="0">
+                <a:solidFill>
+                  <a:srgbClr val="8B8B8B"/>
+                </a:solidFill>
+                <a:latin typeface="Calibri"/>
+              </a:rPr>
+              <a:t> </a:t>
+            </a:r>
+            <a:r>
+              <a:rPr lang="en-US" sz="3200" dirty="0" err="1">
+                <a:solidFill>
+                  <a:srgbClr val="8B8B8B"/>
+                </a:solidFill>
+                <a:latin typeface="Calibri"/>
+              </a:rPr>
+              <a:t>Ákos</a:t>
             </a:r>
             <a:endParaRPr/>
           </a:p>
@@ -3154,13 +3438,31 @@
               </a:lnSpc>
             </a:pPr>
             <a:r>
-              <a:rPr lang="en-US" sz="3200">
+              <a:rPr lang="en-US" sz="3200" dirty="0" err="1">
                 <a:solidFill>
-                  <a:srgbClr val="8b8b8b"/>
+                  <a:srgbClr val="8B8B8B"/>
                 </a:solidFill>
                 <a:latin typeface="Calibri"/>
               </a:rPr>
-              <a:t>Tóth Márton</a:t>
+              <a:t>Tóth</a:t>
+            </a:r>
+            <a:r>
+              <a:rPr lang="en-US" sz="3200" dirty="0">
+                <a:solidFill>
+                  <a:srgbClr val="8B8B8B"/>
+                </a:solidFill>
+                <a:latin typeface="Calibri"/>
+              </a:rPr>
+              <a:t> </a:t>
+            </a:r>
+            <a:r>
+              <a:rPr lang="en-US" sz="3200" dirty="0" err="1">
+                <a:solidFill>
+                  <a:srgbClr val="8B8B8B"/>
+                </a:solidFill>
+                <a:latin typeface="Calibri"/>
+              </a:rPr>
+              <a:t>Márton</a:t>
             </a:r>
             <a:endParaRPr/>
           </a:p>
@@ -3171,13 +3473,31 @@
               </a:lnSpc>
             </a:pPr>
             <a:r>
-              <a:rPr lang="en-US" sz="3200">
+              <a:rPr lang="en-US" sz="3200" dirty="0" err="1">
                 <a:solidFill>
-                  <a:srgbClr val="8b8b8b"/>
+                  <a:srgbClr val="8B8B8B"/>
                 </a:solidFill>
                 <a:latin typeface="Calibri"/>
               </a:rPr>
-              <a:t>Borlay Dániel</a:t>
+              <a:t>Borlay</a:t>
+            </a:r>
+            <a:r>
+              <a:rPr lang="en-US" sz="3200" dirty="0">
+                <a:solidFill>
+                  <a:srgbClr val="8B8B8B"/>
+                </a:solidFill>
+                <a:latin typeface="Calibri"/>
+              </a:rPr>
+              <a:t> </a:t>
+            </a:r>
+            <a:r>
+              <a:rPr lang="en-US" sz="3200" dirty="0" err="1">
+                <a:solidFill>
+                  <a:srgbClr val="8B8B8B"/>
+                </a:solidFill>
+                <a:latin typeface="Calibri"/>
+              </a:rPr>
+              <a:t>Dániel</a:t>
             </a:r>
             <a:endParaRPr/>
           </a:p>
@@ -3185,6 +3505,9 @@
       </p:sp>
     </p:spTree>
   </p:cSld>
+  <p:clrMapOvr>
+    <a:masterClrMapping/>
+  </p:clrMapOvr>
   <p:timing>
     <p:tnLst>
       <p:par>
@@ -3193,14 +3516,14 @@
             <p:seq>
               <p:cTn id="2" nodeType="mainSeq"/>
               <p:prevCondLst>
-                <p:cond delay="0" evt="onPrev">
+                <p:cond evt="onPrev" delay="0">
                   <p:tgtEl>
                     <p:sldTgt/>
                   </p:tgtEl>
                 </p:cond>
               </p:prevCondLst>
               <p:nextCondLst>
-                <p:cond delay="0" evt="onNext">
+                <p:cond evt="onNext" delay="0">
                   <p:tgtEl>
                     <p:sldTgt/>
                   </p:tgtEl>
@@ -3216,7 +3539,7 @@
 </file>
 
 <file path=ppt/slides/slide10.xml><?xml version="1.0" encoding="utf-8"?>
-<p:sld xmlns:a="http://schemas.openxmlformats.org/drawingml/2006/main" xmlns:p="http://schemas.openxmlformats.org/presentationml/2006/main" xmlns:r="http://schemas.openxmlformats.org/officeDocument/2006/relationships">
+<p:sld xmlns:a="http://schemas.openxmlformats.org/drawingml/2006/main" xmlns:r="http://schemas.openxmlformats.org/officeDocument/2006/relationships" xmlns:p="http://schemas.openxmlformats.org/presentationml/2006/main">
   <p:cSld>
     <p:spTree>
       <p:nvGrpSpPr>
@@ -3234,7 +3557,7 @@
       </p:grpSpPr>
       <p:sp>
         <p:nvSpPr>
-          <p:cNvPr id="104" name="TextShape 1"/>
+          <p:cNvPr id="101" name="TextShape 1"/>
           <p:cNvSpPr txBox="1"/>
           <p:nvPr/>
         </p:nvSpPr>
@@ -3249,6 +3572,7 @@
         </p:spPr>
         <p:txBody>
           <a:bodyPr anchor="ctr"/>
+          <a:lstStyle/>
           <a:p>
             <a:pPr algn="ctr">
               <a:lnSpc>
@@ -3262,15 +3586,15 @@
                 </a:solidFill>
                 <a:latin typeface="Calibri"/>
               </a:rPr>
-              <a:t>Docker</a:t>
-            </a:r>
-            <a:endParaRPr/>
-          </a:p>
-        </p:txBody>
-      </p:sp>
-      <p:sp>
-        <p:nvSpPr>
-          <p:cNvPr id="105" name="TextShape 2"/>
+              <a:t>Frontend</a:t>
+            </a:r>
+            <a:endParaRPr/>
+          </a:p>
+        </p:txBody>
+      </p:sp>
+      <p:sp>
+        <p:nvSpPr>
+          <p:cNvPr id="102" name="TextShape 2"/>
           <p:cNvSpPr txBox="1"/>
           <p:nvPr/>
         </p:nvSpPr>
@@ -3285,118 +3609,66 @@
         </p:spPr>
         <p:txBody>
           <a:bodyPr/>
-          <a:p>
-            <a:pPr>
-              <a:buSzPct val="45000"/>
-              <a:buFont typeface="StarSymbol"/>
-              <a:buChar char=""/>
-            </a:pPr>
-            <a:r>
-              <a:rPr lang="hu-HU" sz="3200">
-                <a:latin typeface="Calibri"/>
-              </a:rPr>
-              <a:t>Konténer virtualizációs technika</a:t>
-            </a:r>
-            <a:endParaRPr/>
-          </a:p>
-          <a:p>
-            <a:pPr>
-              <a:buSzPct val="45000"/>
-              <a:buFont typeface="StarSymbol"/>
-              <a:buChar char=""/>
-            </a:pPr>
-            <a:r>
-              <a:rPr lang="hu-HU" sz="3200">
-                <a:latin typeface="Calibri"/>
-              </a:rPr>
-              <a:t>Gyors deploy</a:t>
-            </a:r>
-            <a:endParaRPr/>
-          </a:p>
-          <a:p>
-            <a:pPr>
-              <a:buSzPct val="45000"/>
-              <a:buFont typeface="StarSymbol"/>
-              <a:buChar char=""/>
-            </a:pPr>
-            <a:r>
-              <a:rPr lang="hu-HU" sz="3200">
-                <a:latin typeface="Calibri"/>
-              </a:rPr>
-              <a:t>Host rendszer kernel-e felett hoz létre egy virtuális környezetet</a:t>
-            </a:r>
+          <a:lstStyle/>
+          <a:p>
             <a:endParaRPr/>
           </a:p>
         </p:txBody>
       </p:sp>
       <p:pic>
         <p:nvPicPr>
-          <p:cNvPr id="106" name="" descr=""/>
-          <p:cNvPicPr/>
+          <p:cNvPr id="1026" name="Picture 2"/>
+          <p:cNvPicPr>
+            <a:picLocks noChangeAspect="1" noChangeArrowheads="1"/>
+          </p:cNvPicPr>
           <p:nvPr/>
         </p:nvPicPr>
         <p:blipFill>
-          <a:blip r:embed="rId1"/>
+          <a:blip r:embed="rId2"/>
+          <a:srcRect/>
           <a:stretch>
             <a:fillRect/>
           </a:stretch>
         </p:blipFill>
-        <p:spPr>
-          <a:xfrm>
-            <a:off x="304560" y="4424400"/>
-            <a:ext cx="4450320" cy="1976400"/>
-          </a:xfrm>
-          <a:prstGeom prst="rect">
-            <a:avLst/>
-          </a:prstGeom>
-          <a:ln>
+        <p:spPr bwMode="auto">
+          <a:xfrm>
+            <a:off x="214282" y="2000240"/>
+            <a:ext cx="8607519" cy="3465441"/>
+          </a:xfrm>
+          <a:prstGeom prst="rect">
+            <a:avLst/>
+          </a:prstGeom>
+          <a:noFill/>
+          <a:ln w="9525">
             <a:noFill/>
+            <a:miter lim="800000"/>
+            <a:headEnd/>
+            <a:tailEnd/>
           </a:ln>
-        </p:spPr>
-      </p:pic>
-      <p:pic>
-        <p:nvPicPr>
-          <p:cNvPr id="107" name="" descr=""/>
-          <p:cNvPicPr/>
-          <p:nvPr/>
-        </p:nvPicPr>
-        <p:blipFill>
-          <a:blip r:embed="rId2"/>
-          <a:stretch>
-            <a:fillRect/>
-          </a:stretch>
-        </p:blipFill>
-        <p:spPr>
-          <a:xfrm>
-            <a:off x="5780160" y="4381920"/>
-            <a:ext cx="2266560" cy="2018880"/>
-          </a:xfrm>
-          <a:prstGeom prst="rect">
-            <a:avLst/>
-          </a:prstGeom>
-          <a:ln>
-            <a:noFill/>
-          </a:ln>
+          <a:effectLst/>
         </p:spPr>
       </p:pic>
     </p:spTree>
   </p:cSld>
+  <p:clrMapOvr>
+    <a:masterClrMapping/>
+  </p:clrMapOvr>
   <p:timing>
     <p:tnLst>
       <p:par>
-        <p:cTn id="19" dur="indefinite" restart="never" nodeType="tmRoot">
+        <p:cTn id="1" dur="indefinite" restart="never" nodeType="tmRoot">
           <p:childTnLst>
             <p:seq>
-              <p:cTn id="20" nodeType="mainSeq"/>
+              <p:cTn id="2" nodeType="mainSeq"/>
               <p:prevCondLst>
-                <p:cond delay="0" evt="onPrev">
+                <p:cond evt="onPrev" delay="0">
                   <p:tgtEl>
                     <p:sldTgt/>
                   </p:tgtEl>
                 </p:cond>
               </p:prevCondLst>
               <p:nextCondLst>
-                <p:cond delay="0" evt="onNext">
+                <p:cond evt="onNext" delay="0">
                   <p:tgtEl>
                     <p:sldTgt/>
                   </p:tgtEl>
@@ -3412,7 +3684,7 @@
 </file>
 
 <file path=ppt/slides/slide11.xml><?xml version="1.0" encoding="utf-8"?>
-<p:sld xmlns:a="http://schemas.openxmlformats.org/drawingml/2006/main" xmlns:p="http://schemas.openxmlformats.org/presentationml/2006/main" xmlns:r="http://schemas.openxmlformats.org/officeDocument/2006/relationships">
+<p:sld xmlns:a="http://schemas.openxmlformats.org/drawingml/2006/main" xmlns:r="http://schemas.openxmlformats.org/officeDocument/2006/relationships" xmlns:p="http://schemas.openxmlformats.org/presentationml/2006/main">
   <p:cSld>
     <p:spTree>
       <p:nvGrpSpPr>
@@ -3430,7 +3702,7 @@
       </p:grpSpPr>
       <p:sp>
         <p:nvSpPr>
-          <p:cNvPr id="108" name="TextShape 1"/>
+          <p:cNvPr id="104" name="TextShape 1"/>
           <p:cNvSpPr txBox="1"/>
           <p:nvPr/>
         </p:nvSpPr>
@@ -3445,6 +3717,7 @@
         </p:spPr>
         <p:txBody>
           <a:bodyPr anchor="ctr"/>
+          <a:lstStyle/>
           <a:p>
             <a:pPr algn="ctr">
               <a:lnSpc>
@@ -3458,15 +3731,15 @@
                 </a:solidFill>
                 <a:latin typeface="Calibri"/>
               </a:rPr>
-              <a:t>Skálázódás</a:t>
-            </a:r>
-            <a:endParaRPr/>
-          </a:p>
-        </p:txBody>
-      </p:sp>
-      <p:sp>
-        <p:nvSpPr>
-          <p:cNvPr id="109" name="TextShape 2"/>
+              <a:t>Docker</a:t>
+            </a:r>
+            <a:endParaRPr/>
+          </a:p>
+        </p:txBody>
+      </p:sp>
+      <p:sp>
+        <p:nvSpPr>
+          <p:cNvPr id="105" name="TextShape 2"/>
           <p:cNvSpPr txBox="1"/>
           <p:nvPr/>
         </p:nvSpPr>
@@ -3481,6 +3754,7 @@
         </p:spPr>
         <p:txBody>
           <a:bodyPr/>
+          <a:lstStyle/>
           <a:p>
             <a:pPr>
               <a:buSzPct val="45000"/>
@@ -3491,21 +3765,7 @@
               <a:rPr lang="hu-HU" sz="3200">
                 <a:latin typeface="Calibri"/>
               </a:rPr>
-              <a:t>Könnyen kiterjeszthető</a:t>
-            </a:r>
-            <a:endParaRPr/>
-          </a:p>
-          <a:p>
-            <a:pPr lvl="1">
-              <a:buSzPct val="75000"/>
-              <a:buFont typeface="StarSymbol"/>
-              <a:buChar char=""/>
-            </a:pPr>
-            <a:r>
-              <a:rPr lang="hu-HU" sz="2400">
-                <a:latin typeface="Calibri"/>
-              </a:rPr>
-              <a:t>A struktúra mellé a docker konténereknek hála gyorsan allokálhatunk új erőforrást</a:t>
+              <a:t>Konténer virtualizációs technika</a:t>
             </a:r>
             <a:endParaRPr/>
           </a:p>
@@ -3519,21 +3779,7 @@
               <a:rPr lang="hu-HU" sz="3200">
                 <a:latin typeface="Calibri"/>
               </a:rPr>
-              <a:t>Könnyen és gyorsan installálható</a:t>
-            </a:r>
-            <a:endParaRPr/>
-          </a:p>
-          <a:p>
-            <a:pPr lvl="1">
-              <a:buSzPct val="75000"/>
-              <a:buFont typeface="StarSymbol"/>
-              <a:buChar char=""/>
-            </a:pPr>
-            <a:r>
-              <a:rPr lang="hu-HU" sz="2400">
-                <a:latin typeface="Calibri"/>
-              </a:rPr>
-              <a:t>Az build-elt docker konténerek szinte azonnal elindulnak</a:t>
+              <a:t>Gyors deploy</a:t>
             </a:r>
             <a:endParaRPr/>
           </a:p>
@@ -3547,58 +3793,83 @@
               <a:rPr lang="hu-HU" sz="3200">
                 <a:latin typeface="Calibri"/>
               </a:rPr>
-              <a:t>Fürtözhető</a:t>
-            </a:r>
-            <a:endParaRPr/>
-          </a:p>
-          <a:p>
-            <a:pPr lvl="1">
-              <a:buSzPct val="75000"/>
-              <a:buFont typeface="StarSymbol"/>
-              <a:buChar char=""/>
-            </a:pPr>
-            <a:r>
-              <a:rPr lang="hu-HU" sz="2400">
-                <a:latin typeface="Calibri"/>
-              </a:rPr>
-              <a:t>Nginx load balance</a:t>
-            </a:r>
-            <a:endParaRPr/>
-          </a:p>
-          <a:p>
-            <a:pPr>
-              <a:buSzPct val="45000"/>
-              <a:buFont typeface="StarSymbol"/>
-              <a:buChar char=""/>
-            </a:pPr>
-            <a:r>
-              <a:rPr lang="hu-HU" sz="3200">
-                <a:latin typeface="Calibri"/>
-              </a:rPr>
-              <a:t>Felhőre kész</a:t>
-            </a:r>
-            <a:endParaRPr/>
-          </a:p>
-        </p:txBody>
-      </p:sp>
+              <a:t>Host rendszer kernel-e felett hoz létre egy virtuális környezetet</a:t>
+            </a:r>
+            <a:endParaRPr/>
+          </a:p>
+        </p:txBody>
+      </p:sp>
+      <p:pic>
+        <p:nvPicPr>
+          <p:cNvPr id="106" name="Kép 105"/>
+          <p:cNvPicPr/>
+          <p:nvPr/>
+        </p:nvPicPr>
+        <p:blipFill>
+          <a:blip r:embed="rId2"/>
+          <a:stretch>
+            <a:fillRect/>
+          </a:stretch>
+        </p:blipFill>
+        <p:spPr>
+          <a:xfrm>
+            <a:off x="304560" y="4424400"/>
+            <a:ext cx="4450320" cy="1976400"/>
+          </a:xfrm>
+          <a:prstGeom prst="rect">
+            <a:avLst/>
+          </a:prstGeom>
+          <a:ln>
+            <a:noFill/>
+          </a:ln>
+        </p:spPr>
+      </p:pic>
+      <p:pic>
+        <p:nvPicPr>
+          <p:cNvPr id="107" name="Kép 106"/>
+          <p:cNvPicPr/>
+          <p:nvPr/>
+        </p:nvPicPr>
+        <p:blipFill>
+          <a:blip r:embed="rId3"/>
+          <a:stretch>
+            <a:fillRect/>
+          </a:stretch>
+        </p:blipFill>
+        <p:spPr>
+          <a:xfrm>
+            <a:off x="5780160" y="4381920"/>
+            <a:ext cx="2266560" cy="2018880"/>
+          </a:xfrm>
+          <a:prstGeom prst="rect">
+            <a:avLst/>
+          </a:prstGeom>
+          <a:ln>
+            <a:noFill/>
+          </a:ln>
+        </p:spPr>
+      </p:pic>
     </p:spTree>
   </p:cSld>
+  <p:clrMapOvr>
+    <a:masterClrMapping/>
+  </p:clrMapOvr>
   <p:timing>
     <p:tnLst>
       <p:par>
-        <p:cTn id="21" dur="indefinite" restart="never" nodeType="tmRoot">
+        <p:cTn id="1" dur="indefinite" restart="never" nodeType="tmRoot">
           <p:childTnLst>
             <p:seq>
-              <p:cTn id="22" nodeType="mainSeq"/>
+              <p:cTn id="2" nodeType="mainSeq"/>
               <p:prevCondLst>
-                <p:cond delay="0" evt="onPrev">
+                <p:cond evt="onPrev" delay="0">
                   <p:tgtEl>
                     <p:sldTgt/>
                   </p:tgtEl>
                 </p:cond>
               </p:prevCondLst>
               <p:nextCondLst>
-                <p:cond delay="0" evt="onNext">
+                <p:cond evt="onNext" delay="0">
                   <p:tgtEl>
                     <p:sldTgt/>
                   </p:tgtEl>
@@ -3614,7 +3885,7 @@
 </file>
 
 <file path=ppt/slides/slide12.xml><?xml version="1.0" encoding="utf-8"?>
-<p:sld xmlns:a="http://schemas.openxmlformats.org/drawingml/2006/main" xmlns:p="http://schemas.openxmlformats.org/presentationml/2006/main" xmlns:r="http://schemas.openxmlformats.org/officeDocument/2006/relationships">
+<p:sld xmlns:a="http://schemas.openxmlformats.org/drawingml/2006/main" xmlns:r="http://schemas.openxmlformats.org/officeDocument/2006/relationships" xmlns:p="http://schemas.openxmlformats.org/presentationml/2006/main">
   <p:cSld>
     <p:spTree>
       <p:nvGrpSpPr>
@@ -3632,7 +3903,7 @@
       </p:grpSpPr>
       <p:sp>
         <p:nvSpPr>
-          <p:cNvPr id="110" name="TextShape 1"/>
+          <p:cNvPr id="108" name="TextShape 1"/>
           <p:cNvSpPr txBox="1"/>
           <p:nvPr/>
         </p:nvSpPr>
@@ -3647,6 +3918,7 @@
         </p:spPr>
         <p:txBody>
           <a:bodyPr anchor="ctr"/>
+          <a:lstStyle/>
           <a:p>
             <a:pPr algn="ctr">
               <a:lnSpc>
@@ -3660,15 +3932,15 @@
                 </a:solidFill>
                 <a:latin typeface="Calibri"/>
               </a:rPr>
-              <a:t>Továbbfejlesztési javaslatok</a:t>
-            </a:r>
-            <a:endParaRPr/>
-          </a:p>
-        </p:txBody>
-      </p:sp>
-      <p:sp>
-        <p:nvSpPr>
-          <p:cNvPr id="111" name="TextShape 2"/>
+              <a:t>Skálázódás</a:t>
+            </a:r>
+            <a:endParaRPr/>
+          </a:p>
+        </p:txBody>
+      </p:sp>
+      <p:sp>
+        <p:nvSpPr>
+          <p:cNvPr id="109" name="TextShape 2"/>
           <p:cNvSpPr txBox="1"/>
           <p:nvPr/>
         </p:nvSpPr>
@@ -3683,6 +3955,7 @@
         </p:spPr>
         <p:txBody>
           <a:bodyPr/>
+          <a:lstStyle/>
           <a:p>
             <a:pPr>
               <a:buSzPct val="45000"/>
@@ -3693,7 +3966,21 @@
               <a:rPr lang="hu-HU" sz="3200">
                 <a:latin typeface="Calibri"/>
               </a:rPr>
-              <a:t>Új felhasználói role-ok</a:t>
+              <a:t>Könnyen kiterjeszthető</a:t>
+            </a:r>
+            <a:endParaRPr/>
+          </a:p>
+          <a:p>
+            <a:pPr lvl="1">
+              <a:buSzPct val="75000"/>
+              <a:buFont typeface="StarSymbol"/>
+              <a:buChar char=""/>
+            </a:pPr>
+            <a:r>
+              <a:rPr lang="hu-HU" sz="2400">
+                <a:latin typeface="Calibri"/>
+              </a:rPr>
+              <a:t>A struktúra mellé a docker konténereknek hála gyorsan allokálhatunk új erőforrást</a:t>
             </a:r>
             <a:endParaRPr/>
           </a:p>
@@ -3707,7 +3994,21 @@
               <a:rPr lang="hu-HU" sz="3200">
                 <a:latin typeface="Calibri"/>
               </a:rPr>
-              <a:t>Scrum és kanban board (mint Jirában)</a:t>
+              <a:t>Könnyen és gyorsan installálható</a:t>
+            </a:r>
+            <a:endParaRPr/>
+          </a:p>
+          <a:p>
+            <a:pPr lvl="1">
+              <a:buSzPct val="75000"/>
+              <a:buFont typeface="StarSymbol"/>
+              <a:buChar char=""/>
+            </a:pPr>
+            <a:r>
+              <a:rPr lang="hu-HU" sz="2400">
+                <a:latin typeface="Calibri"/>
+              </a:rPr>
+              <a:t>Az build-elt docker konténerek szinte azonnal elindulnak</a:t>
             </a:r>
             <a:endParaRPr/>
           </a:p>
@@ -3721,7 +4022,35 @@
               <a:rPr lang="hu-HU" sz="3200">
                 <a:latin typeface="Calibri"/>
               </a:rPr>
-              <a:t>Jogosultság kezelés konfigurálhatóvá tétele</a:t>
+              <a:t>Fürtözhető</a:t>
+            </a:r>
+            <a:endParaRPr/>
+          </a:p>
+          <a:p>
+            <a:pPr lvl="1">
+              <a:buSzPct val="75000"/>
+              <a:buFont typeface="StarSymbol"/>
+              <a:buChar char=""/>
+            </a:pPr>
+            <a:r>
+              <a:rPr lang="hu-HU" sz="2400">
+                <a:latin typeface="Calibri"/>
+              </a:rPr>
+              <a:t>Nginx load balance</a:t>
+            </a:r>
+            <a:endParaRPr/>
+          </a:p>
+          <a:p>
+            <a:pPr>
+              <a:buSzPct val="45000"/>
+              <a:buFont typeface="StarSymbol"/>
+              <a:buChar char=""/>
+            </a:pPr>
+            <a:r>
+              <a:rPr lang="hu-HU" sz="3200">
+                <a:latin typeface="Calibri"/>
+              </a:rPr>
+              <a:t>Felhőre kész</a:t>
             </a:r>
             <a:endParaRPr/>
           </a:p>
@@ -3729,22 +4058,176 @@
       </p:sp>
     </p:spTree>
   </p:cSld>
+  <p:clrMapOvr>
+    <a:masterClrMapping/>
+  </p:clrMapOvr>
   <p:timing>
     <p:tnLst>
       <p:par>
-        <p:cTn id="23" dur="indefinite" restart="never" nodeType="tmRoot">
+        <p:cTn id="1" dur="indefinite" restart="never" nodeType="tmRoot">
           <p:childTnLst>
             <p:seq>
-              <p:cTn id="24" nodeType="mainSeq"/>
+              <p:cTn id="2" nodeType="mainSeq"/>
               <p:prevCondLst>
-                <p:cond delay="0" evt="onPrev">
+                <p:cond evt="onPrev" delay="0">
                   <p:tgtEl>
                     <p:sldTgt/>
                   </p:tgtEl>
                 </p:cond>
               </p:prevCondLst>
               <p:nextCondLst>
-                <p:cond delay="0" evt="onNext">
+                <p:cond evt="onNext" delay="0">
+                  <p:tgtEl>
+                    <p:sldTgt/>
+                  </p:tgtEl>
+                </p:cond>
+              </p:nextCondLst>
+            </p:seq>
+          </p:childTnLst>
+        </p:cTn>
+      </p:par>
+    </p:tnLst>
+  </p:timing>
+</p:sld>
+</file>
+
+<file path=ppt/slides/slide13.xml><?xml version="1.0" encoding="utf-8"?>
+<p:sld xmlns:a="http://schemas.openxmlformats.org/drawingml/2006/main" xmlns:r="http://schemas.openxmlformats.org/officeDocument/2006/relationships" xmlns:p="http://schemas.openxmlformats.org/presentationml/2006/main">
+  <p:cSld>
+    <p:spTree>
+      <p:nvGrpSpPr>
+        <p:cNvPr id="1" name=""/>
+        <p:cNvGrpSpPr/>
+        <p:nvPr/>
+      </p:nvGrpSpPr>
+      <p:grpSpPr>
+        <a:xfrm>
+          <a:off x="0" y="0"/>
+          <a:ext cx="0" cy="0"/>
+          <a:chOff x="0" y="0"/>
+          <a:chExt cx="0" cy="0"/>
+        </a:xfrm>
+      </p:grpSpPr>
+      <p:sp>
+        <p:nvSpPr>
+          <p:cNvPr id="110" name="TextShape 1"/>
+          <p:cNvSpPr txBox="1"/>
+          <p:nvPr/>
+        </p:nvSpPr>
+        <p:spPr>
+          <a:xfrm>
+            <a:off x="457200" y="274680"/>
+            <a:ext cx="8229240" cy="1142640"/>
+          </a:xfrm>
+          <a:prstGeom prst="rect">
+            <a:avLst/>
+          </a:prstGeom>
+        </p:spPr>
+        <p:txBody>
+          <a:bodyPr anchor="ctr"/>
+          <a:lstStyle/>
+          <a:p>
+            <a:pPr algn="ctr">
+              <a:lnSpc>
+                <a:spcPct val="100000"/>
+              </a:lnSpc>
+            </a:pPr>
+            <a:r>
+              <a:rPr lang="hu-HU" sz="4400">
+                <a:solidFill>
+                  <a:srgbClr val="000000"/>
+                </a:solidFill>
+                <a:latin typeface="Calibri"/>
+              </a:rPr>
+              <a:t>Továbbfejlesztési javaslatok</a:t>
+            </a:r>
+            <a:endParaRPr/>
+          </a:p>
+        </p:txBody>
+      </p:sp>
+      <p:sp>
+        <p:nvSpPr>
+          <p:cNvPr id="111" name="TextShape 2"/>
+          <p:cNvSpPr txBox="1"/>
+          <p:nvPr/>
+        </p:nvSpPr>
+        <p:spPr>
+          <a:xfrm>
+            <a:off x="457200" y="1600200"/>
+            <a:ext cx="8229240" cy="4525560"/>
+          </a:xfrm>
+          <a:prstGeom prst="rect">
+            <a:avLst/>
+          </a:prstGeom>
+        </p:spPr>
+        <p:txBody>
+          <a:bodyPr/>
+          <a:lstStyle/>
+          <a:p>
+            <a:pPr>
+              <a:buSzPct val="45000"/>
+              <a:buFont typeface="StarSymbol"/>
+              <a:buChar char=""/>
+            </a:pPr>
+            <a:r>
+              <a:rPr lang="hu-HU" sz="3200">
+                <a:latin typeface="Calibri"/>
+              </a:rPr>
+              <a:t>Új felhasználói role-ok</a:t>
+            </a:r>
+            <a:endParaRPr/>
+          </a:p>
+          <a:p>
+            <a:pPr>
+              <a:buSzPct val="45000"/>
+              <a:buFont typeface="StarSymbol"/>
+              <a:buChar char=""/>
+            </a:pPr>
+            <a:r>
+              <a:rPr lang="hu-HU" sz="3200">
+                <a:latin typeface="Calibri"/>
+              </a:rPr>
+              <a:t>Scrum és kanban board (mint Jirában)</a:t>
+            </a:r>
+            <a:endParaRPr/>
+          </a:p>
+          <a:p>
+            <a:pPr>
+              <a:buSzPct val="45000"/>
+              <a:buFont typeface="StarSymbol"/>
+              <a:buChar char=""/>
+            </a:pPr>
+            <a:r>
+              <a:rPr lang="hu-HU" sz="3200">
+                <a:latin typeface="Calibri"/>
+              </a:rPr>
+              <a:t>Jogosultság kezelés konfigurálhatóvá tétele</a:t>
+            </a:r>
+            <a:endParaRPr/>
+          </a:p>
+        </p:txBody>
+      </p:sp>
+    </p:spTree>
+  </p:cSld>
+  <p:clrMapOvr>
+    <a:masterClrMapping/>
+  </p:clrMapOvr>
+  <p:timing>
+    <p:tnLst>
+      <p:par>
+        <p:cTn id="1" dur="indefinite" restart="never" nodeType="tmRoot">
+          <p:childTnLst>
+            <p:seq>
+              <p:cTn id="2" nodeType="mainSeq"/>
+              <p:prevCondLst>
+                <p:cond evt="onPrev" delay="0">
+                  <p:tgtEl>
+                    <p:sldTgt/>
+                  </p:tgtEl>
+                </p:cond>
+              </p:prevCondLst>
+              <p:nextCondLst>
+                <p:cond evt="onNext" delay="0">
                   <p:tgtEl>
                     <p:sldTgt/>
                   </p:tgtEl>
@@ -3760,7 +4243,7 @@
 </file>
 
 <file path=ppt/slides/slide2.xml><?xml version="1.0" encoding="utf-8"?>
-<p:sld xmlns:a="http://schemas.openxmlformats.org/drawingml/2006/main" xmlns:p="http://schemas.openxmlformats.org/presentationml/2006/main" xmlns:r="http://schemas.openxmlformats.org/officeDocument/2006/relationships">
+<p:sld xmlns:a="http://schemas.openxmlformats.org/drawingml/2006/main" xmlns:r="http://schemas.openxmlformats.org/officeDocument/2006/relationships" xmlns:p="http://schemas.openxmlformats.org/presentationml/2006/main">
   <p:cSld>
     <p:spTree>
       <p:nvGrpSpPr>
@@ -3793,6 +4276,7 @@
         </p:spPr>
         <p:txBody>
           <a:bodyPr anchor="ctr"/>
+          <a:lstStyle/>
           <a:p>
             <a:pPr algn="ctr">
               <a:lnSpc>
@@ -3829,6 +4313,7 @@
         </p:spPr>
         <p:txBody>
           <a:bodyPr/>
+          <a:lstStyle/>
           <a:p>
             <a:pPr>
               <a:lnSpc>
@@ -3966,22 +4451,25 @@
       </p:sp>
     </p:spTree>
   </p:cSld>
+  <p:clrMapOvr>
+    <a:masterClrMapping/>
+  </p:clrMapOvr>
   <p:timing>
     <p:tnLst>
       <p:par>
-        <p:cTn id="3" dur="indefinite" restart="never" nodeType="tmRoot">
+        <p:cTn id="1" dur="indefinite" restart="never" nodeType="tmRoot">
           <p:childTnLst>
             <p:seq>
-              <p:cTn id="4" nodeType="mainSeq"/>
+              <p:cTn id="2" nodeType="mainSeq"/>
               <p:prevCondLst>
-                <p:cond delay="0" evt="onPrev">
+                <p:cond evt="onPrev" delay="0">
                   <p:tgtEl>
                     <p:sldTgt/>
                   </p:tgtEl>
                 </p:cond>
               </p:prevCondLst>
               <p:nextCondLst>
-                <p:cond delay="0" evt="onNext">
+                <p:cond evt="onNext" delay="0">
                   <p:tgtEl>
                     <p:sldTgt/>
                   </p:tgtEl>
@@ -3997,7 +4485,7 @@
 </file>
 
 <file path=ppt/slides/slide3.xml><?xml version="1.0" encoding="utf-8"?>
-<p:sld xmlns:a="http://schemas.openxmlformats.org/drawingml/2006/main" xmlns:p="http://schemas.openxmlformats.org/presentationml/2006/main" xmlns:r="http://schemas.openxmlformats.org/officeDocument/2006/relationships">
+<p:sld xmlns:a="http://schemas.openxmlformats.org/drawingml/2006/main" xmlns:r="http://schemas.openxmlformats.org/officeDocument/2006/relationships" xmlns:p="http://schemas.openxmlformats.org/presentationml/2006/main">
   <p:cSld>
     <p:spTree>
       <p:nvGrpSpPr>
@@ -4030,6 +4518,7 @@
         </p:spPr>
         <p:txBody>
           <a:bodyPr anchor="ctr"/>
+          <a:lstStyle/>
           <a:p>
             <a:pPr algn="ctr">
               <a:lnSpc>
@@ -4051,12 +4540,12 @@
       </p:sp>
       <p:pic>
         <p:nvPicPr>
-          <p:cNvPr id="83" name="Picture 2" descr=""/>
+          <p:cNvPr id="83" name="Picture 2"/>
           <p:cNvPicPr/>
           <p:nvPr/>
         </p:nvPicPr>
         <p:blipFill>
-          <a:blip r:embed="rId1"/>
+          <a:blip r:embed="rId2"/>
           <a:stretch>
             <a:fillRect/>
           </a:stretch>
@@ -4076,22 +4565,25 @@
       </p:pic>
     </p:spTree>
   </p:cSld>
+  <p:clrMapOvr>
+    <a:masterClrMapping/>
+  </p:clrMapOvr>
   <p:timing>
     <p:tnLst>
       <p:par>
-        <p:cTn id="5" dur="indefinite" restart="never" nodeType="tmRoot">
+        <p:cTn id="1" dur="indefinite" restart="never" nodeType="tmRoot">
           <p:childTnLst>
             <p:seq>
-              <p:cTn id="6" nodeType="mainSeq"/>
+              <p:cTn id="2" nodeType="mainSeq"/>
               <p:prevCondLst>
-                <p:cond delay="0" evt="onPrev">
+                <p:cond evt="onPrev" delay="0">
                   <p:tgtEl>
                     <p:sldTgt/>
                   </p:tgtEl>
                 </p:cond>
               </p:prevCondLst>
               <p:nextCondLst>
-                <p:cond delay="0" evt="onNext">
+                <p:cond evt="onNext" delay="0">
                   <p:tgtEl>
                     <p:sldTgt/>
                   </p:tgtEl>
@@ -4107,7 +4599,7 @@
 </file>
 
 <file path=ppt/slides/slide4.xml><?xml version="1.0" encoding="utf-8"?>
-<p:sld xmlns:a="http://schemas.openxmlformats.org/drawingml/2006/main" xmlns:p="http://schemas.openxmlformats.org/presentationml/2006/main" xmlns:r="http://schemas.openxmlformats.org/officeDocument/2006/relationships">
+<p:sld xmlns:a="http://schemas.openxmlformats.org/drawingml/2006/main" xmlns:r="http://schemas.openxmlformats.org/officeDocument/2006/relationships" xmlns:p="http://schemas.openxmlformats.org/presentationml/2006/main">
   <p:cSld>
     <p:spTree>
       <p:nvGrpSpPr>
@@ -4140,6 +4632,7 @@
         </p:spPr>
         <p:txBody>
           <a:bodyPr anchor="ctr"/>
+          <a:lstStyle/>
           <a:p>
             <a:pPr algn="ctr">
               <a:lnSpc>
@@ -4176,6 +4669,7 @@
         </p:spPr>
         <p:txBody>
           <a:bodyPr/>
+          <a:lstStyle/>
           <a:p>
             <a:pPr>
               <a:lnSpc>
@@ -4297,12 +4791,12 @@
       </p:sp>
       <p:pic>
         <p:nvPicPr>
-          <p:cNvPr id="86" name="Picture 3" descr=""/>
+          <p:cNvPr id="86" name="Picture 3"/>
           <p:cNvPicPr/>
           <p:nvPr/>
         </p:nvPicPr>
         <p:blipFill>
-          <a:blip r:embed="rId1"/>
+          <a:blip r:embed="rId2" cstate="print"/>
           <a:stretch>
             <a:fillRect/>
           </a:stretch>
@@ -4322,32 +4816,7 @@
       </p:pic>
       <p:pic>
         <p:nvPicPr>
-          <p:cNvPr id="87" name="Picture 4" descr=""/>
-          <p:cNvPicPr/>
-          <p:nvPr/>
-        </p:nvPicPr>
-        <p:blipFill>
-          <a:blip r:embed="rId2"/>
-          <a:stretch>
-            <a:fillRect/>
-          </a:stretch>
-        </p:blipFill>
-        <p:spPr>
-          <a:xfrm>
-            <a:off x="5995080" y="2594880"/>
-            <a:ext cx="2880000" cy="907920"/>
-          </a:xfrm>
-          <a:prstGeom prst="rect">
-            <a:avLst/>
-          </a:prstGeom>
-          <a:ln>
-            <a:noFill/>
-          </a:ln>
-        </p:spPr>
-      </p:pic>
-      <p:pic>
-        <p:nvPicPr>
-          <p:cNvPr id="88" name="Picture 5" descr=""/>
+          <p:cNvPr id="87" name="Picture 4"/>
           <p:cNvPicPr/>
           <p:nvPr/>
         </p:nvPicPr>
@@ -4359,8 +4828,8 @@
         </p:blipFill>
         <p:spPr>
           <a:xfrm>
-            <a:off x="4549680" y="3049200"/>
-            <a:ext cx="1256400" cy="1256400"/>
+            <a:off x="5995080" y="2594880"/>
+            <a:ext cx="2880000" cy="907920"/>
           </a:xfrm>
           <a:prstGeom prst="rect">
             <a:avLst/>
@@ -4372,7 +4841,7 @@
       </p:pic>
       <p:pic>
         <p:nvPicPr>
-          <p:cNvPr id="89" name="Picture 6" descr=""/>
+          <p:cNvPr id="88" name="Picture 5"/>
           <p:cNvPicPr/>
           <p:nvPr/>
         </p:nvPicPr>
@@ -4384,8 +4853,8 @@
         </p:blipFill>
         <p:spPr>
           <a:xfrm>
-            <a:off x="6047640" y="3863160"/>
-            <a:ext cx="2445480" cy="1121760"/>
+            <a:off x="4549680" y="3049200"/>
+            <a:ext cx="1256400" cy="1256400"/>
           </a:xfrm>
           <a:prstGeom prst="rect">
             <a:avLst/>
@@ -4395,24 +4864,52 @@
           </a:ln>
         </p:spPr>
       </p:pic>
+      <p:pic>
+        <p:nvPicPr>
+          <p:cNvPr id="89" name="Picture 6"/>
+          <p:cNvPicPr/>
+          <p:nvPr/>
+        </p:nvPicPr>
+        <p:blipFill>
+          <a:blip r:embed="rId5"/>
+          <a:stretch>
+            <a:fillRect/>
+          </a:stretch>
+        </p:blipFill>
+        <p:spPr>
+          <a:xfrm>
+            <a:off x="6047640" y="3863160"/>
+            <a:ext cx="2445480" cy="1121760"/>
+          </a:xfrm>
+          <a:prstGeom prst="rect">
+            <a:avLst/>
+          </a:prstGeom>
+          <a:ln>
+            <a:noFill/>
+          </a:ln>
+        </p:spPr>
+      </p:pic>
     </p:spTree>
   </p:cSld>
+  <p:clrMapOvr>
+    <a:masterClrMapping/>
+  </p:clrMapOvr>
   <p:timing>
     <p:tnLst>
       <p:par>
-        <p:cTn id="7" dur="indefinite" restart="never" nodeType="tmRoot">
+        <p:cTn id="1" dur="indefinite" restart="never" nodeType="tmRoot">
           <p:childTnLst>
             <p:seq>
-              <p:cTn id="8" nodeType="mainSeq"/>
+              <p:cTn id="2" nodeType="mainSeq"/>
               <p:prevCondLst>
-                <p:cond delay="0" evt="onPrev">
+                <p:cond evt="onPrev" delay="0">
                   <p:tgtEl>
                     <p:sldTgt/>
                   </p:tgtEl>
                 </p:cond>
               </p:prevCondLst>
               <p:nextCondLst>
-                <p:cond delay="0" evt="onNext">
+                <p:cond evt="onNext" delay="0">
                   <p:tgtEl>
                     <p:sldTgt/>
                   </p:tgtEl>
@@ -4428,7 +4925,7 @@
 </file>
 
 <file path=ppt/slides/slide5.xml><?xml version="1.0" encoding="utf-8"?>
-<p:sld xmlns:a="http://schemas.openxmlformats.org/drawingml/2006/main" xmlns:p="http://schemas.openxmlformats.org/presentationml/2006/main" xmlns:r="http://schemas.openxmlformats.org/officeDocument/2006/relationships">
+<p:sld xmlns:a="http://schemas.openxmlformats.org/drawingml/2006/main" xmlns:r="http://schemas.openxmlformats.org/officeDocument/2006/relationships" xmlns:p="http://schemas.openxmlformats.org/presentationml/2006/main">
   <p:cSld>
     <p:spTree>
       <p:nvGrpSpPr>
@@ -4461,6 +4958,7 @@
         </p:spPr>
         <p:txBody>
           <a:bodyPr anchor="ctr"/>
+          <a:lstStyle/>
           <a:p>
             <a:pPr algn="ctr">
               <a:lnSpc>
@@ -4497,6 +4995,7 @@
         </p:spPr>
         <p:txBody>
           <a:bodyPr/>
+          <a:lstStyle/>
           <a:p>
             <a:pPr>
               <a:lnSpc>
@@ -4615,12 +5114,12 @@
       </p:sp>
       <p:pic>
         <p:nvPicPr>
-          <p:cNvPr id="92" name="Picture 3" descr=""/>
+          <p:cNvPr id="92" name="Picture 3"/>
           <p:cNvPicPr/>
           <p:nvPr/>
         </p:nvPicPr>
         <p:blipFill>
-          <a:blip r:embed="rId1"/>
+          <a:blip r:embed="rId2"/>
           <a:stretch>
             <a:fillRect/>
           </a:stretch>
@@ -4640,22 +5139,25 @@
       </p:pic>
     </p:spTree>
   </p:cSld>
+  <p:clrMapOvr>
+    <a:masterClrMapping/>
+  </p:clrMapOvr>
   <p:timing>
     <p:tnLst>
       <p:par>
-        <p:cTn id="9" dur="indefinite" restart="never" nodeType="tmRoot">
+        <p:cTn id="1" dur="indefinite" restart="never" nodeType="tmRoot">
           <p:childTnLst>
             <p:seq>
-              <p:cTn id="10" nodeType="mainSeq"/>
+              <p:cTn id="2" nodeType="mainSeq"/>
               <p:prevCondLst>
-                <p:cond delay="0" evt="onPrev">
+                <p:cond evt="onPrev" delay="0">
                   <p:tgtEl>
                     <p:sldTgt/>
                   </p:tgtEl>
                 </p:cond>
               </p:prevCondLst>
               <p:nextCondLst>
-                <p:cond delay="0" evt="onNext">
+                <p:cond evt="onNext" delay="0">
                   <p:tgtEl>
                     <p:sldTgt/>
                   </p:tgtEl>
@@ -4671,7 +5173,7 @@
 </file>
 
 <file path=ppt/slides/slide6.xml><?xml version="1.0" encoding="utf-8"?>
-<p:sld xmlns:a="http://schemas.openxmlformats.org/drawingml/2006/main" xmlns:p="http://schemas.openxmlformats.org/presentationml/2006/main" xmlns:r="http://schemas.openxmlformats.org/officeDocument/2006/relationships">
+<p:sld xmlns:a="http://schemas.openxmlformats.org/drawingml/2006/main" xmlns:r="http://schemas.openxmlformats.org/officeDocument/2006/relationships" xmlns:p="http://schemas.openxmlformats.org/presentationml/2006/main">
   <p:cSld>
     <p:spTree>
       <p:nvGrpSpPr>
@@ -4704,6 +5206,7 @@
         </p:spPr>
         <p:txBody>
           <a:bodyPr anchor="ctr"/>
+          <a:lstStyle/>
           <a:p>
             <a:pPr algn="ctr">
               <a:lnSpc>
@@ -4740,6 +5243,7 @@
         </p:spPr>
         <p:txBody>
           <a:bodyPr/>
+          <a:lstStyle/>
           <a:p>
             <a:pPr>
               <a:lnSpc>
@@ -4820,12 +5324,12 @@
       </p:sp>
       <p:pic>
         <p:nvPicPr>
-          <p:cNvPr id="95" name="Picture 4" descr=""/>
+          <p:cNvPr id="95" name="Picture 4"/>
           <p:cNvPicPr/>
           <p:nvPr/>
         </p:nvPicPr>
         <p:blipFill>
-          <a:blip r:embed="rId1"/>
+          <a:blip r:embed="rId2"/>
           <a:stretch>
             <a:fillRect/>
           </a:stretch>
@@ -4845,22 +5349,25 @@
       </p:pic>
     </p:spTree>
   </p:cSld>
+  <p:clrMapOvr>
+    <a:masterClrMapping/>
+  </p:clrMapOvr>
   <p:timing>
     <p:tnLst>
       <p:par>
-        <p:cTn id="11" dur="indefinite" restart="never" nodeType="tmRoot">
+        <p:cTn id="1" dur="indefinite" restart="never" nodeType="tmRoot">
           <p:childTnLst>
             <p:seq>
-              <p:cTn id="12" nodeType="mainSeq"/>
+              <p:cTn id="2" nodeType="mainSeq"/>
               <p:prevCondLst>
-                <p:cond delay="0" evt="onPrev">
+                <p:cond evt="onPrev" delay="0">
                   <p:tgtEl>
                     <p:sldTgt/>
                   </p:tgtEl>
                 </p:cond>
               </p:prevCondLst>
               <p:nextCondLst>
-                <p:cond delay="0" evt="onNext">
+                <p:cond evt="onNext" delay="0">
                   <p:tgtEl>
                     <p:sldTgt/>
                   </p:tgtEl>
@@ -4876,7 +5383,7 @@
 </file>
 
 <file path=ppt/slides/slide7.xml><?xml version="1.0" encoding="utf-8"?>
-<p:sld xmlns:a="http://schemas.openxmlformats.org/drawingml/2006/main" xmlns:p="http://schemas.openxmlformats.org/presentationml/2006/main" xmlns:r="http://schemas.openxmlformats.org/officeDocument/2006/relationships">
+<p:sld xmlns:a="http://schemas.openxmlformats.org/drawingml/2006/main" xmlns:r="http://schemas.openxmlformats.org/officeDocument/2006/relationships" xmlns:p="http://schemas.openxmlformats.org/presentationml/2006/main">
   <p:cSld>
     <p:spTree>
       <p:nvGrpSpPr>
@@ -4909,6 +5416,7 @@
         </p:spPr>
         <p:txBody>
           <a:bodyPr anchor="ctr"/>
+          <a:lstStyle/>
           <a:p>
             <a:pPr algn="ctr">
               <a:lnSpc>
@@ -4945,6 +5453,7 @@
         </p:spPr>
         <p:txBody>
           <a:bodyPr/>
+          <a:lstStyle/>
           <a:p>
             <a:pPr>
               <a:buSzPct val="45000"/>
@@ -5033,22 +5542,25 @@
       </p:sp>
     </p:spTree>
   </p:cSld>
+  <p:clrMapOvr>
+    <a:masterClrMapping/>
+  </p:clrMapOvr>
   <p:timing>
     <p:tnLst>
       <p:par>
-        <p:cTn id="13" dur="indefinite" restart="never" nodeType="tmRoot">
+        <p:cTn id="1" dur="indefinite" restart="never" nodeType="tmRoot">
           <p:childTnLst>
             <p:seq>
-              <p:cTn id="14" nodeType="mainSeq"/>
+              <p:cTn id="2" nodeType="mainSeq"/>
               <p:prevCondLst>
-                <p:cond delay="0" evt="onPrev">
+                <p:cond evt="onPrev" delay="0">
                   <p:tgtEl>
                     <p:sldTgt/>
                   </p:tgtEl>
                 </p:cond>
               </p:prevCondLst>
               <p:nextCondLst>
-                <p:cond delay="0" evt="onNext">
+                <p:cond evt="onNext" delay="0">
                   <p:tgtEl>
                     <p:sldTgt/>
                   </p:tgtEl>
@@ -5064,7 +5576,7 @@
 </file>
 
 <file path=ppt/slides/slide8.xml><?xml version="1.0" encoding="utf-8"?>
-<p:sld xmlns:a="http://schemas.openxmlformats.org/drawingml/2006/main" xmlns:p="http://schemas.openxmlformats.org/presentationml/2006/main" xmlns:r="http://schemas.openxmlformats.org/officeDocument/2006/relationships">
+<p:sld xmlns:a="http://schemas.openxmlformats.org/drawingml/2006/main" xmlns:r="http://schemas.openxmlformats.org/officeDocument/2006/relationships" xmlns:p="http://schemas.openxmlformats.org/presentationml/2006/main">
   <p:cSld>
     <p:spTree>
       <p:nvGrpSpPr>
@@ -5097,6 +5609,7 @@
         </p:spPr>
         <p:txBody>
           <a:bodyPr anchor="ctr"/>
+          <a:lstStyle/>
           <a:p>
             <a:pPr algn="ctr">
               <a:lnSpc>
@@ -5133,6 +5646,7 @@
         </p:spPr>
         <p:txBody>
           <a:bodyPr/>
+          <a:lstStyle/>
           <a:p>
             <a:endParaRPr/>
           </a:p>
@@ -5140,12 +5654,12 @@
       </p:sp>
       <p:pic>
         <p:nvPicPr>
-          <p:cNvPr id="100" name="Picture 2" descr=""/>
+          <p:cNvPr id="100" name="Picture 2"/>
           <p:cNvPicPr/>
           <p:nvPr/>
         </p:nvPicPr>
         <p:blipFill>
-          <a:blip r:embed="rId1"/>
+          <a:blip r:embed="rId2"/>
           <a:stretch>
             <a:fillRect/>
           </a:stretch>
@@ -5165,22 +5679,25 @@
       </p:pic>
     </p:spTree>
   </p:cSld>
+  <p:clrMapOvr>
+    <a:masterClrMapping/>
+  </p:clrMapOvr>
   <p:timing>
     <p:tnLst>
       <p:par>
-        <p:cTn id="15" dur="indefinite" restart="never" nodeType="tmRoot">
+        <p:cTn id="1" dur="indefinite" restart="never" nodeType="tmRoot">
           <p:childTnLst>
             <p:seq>
-              <p:cTn id="16" nodeType="mainSeq"/>
+              <p:cTn id="2" nodeType="mainSeq"/>
               <p:prevCondLst>
-                <p:cond delay="0" evt="onPrev">
+                <p:cond evt="onPrev" delay="0">
                   <p:tgtEl>
                     <p:sldTgt/>
                   </p:tgtEl>
                 </p:cond>
               </p:prevCondLst>
               <p:nextCondLst>
-                <p:cond delay="0" evt="onNext">
+                <p:cond evt="onNext" delay="0">
                   <p:tgtEl>
                     <p:sldTgt/>
                   </p:tgtEl>
@@ -5196,7 +5713,7 @@
 </file>
 
 <file path=ppt/slides/slide9.xml><?xml version="1.0" encoding="utf-8"?>
-<p:sld xmlns:a="http://schemas.openxmlformats.org/drawingml/2006/main" xmlns:p="http://schemas.openxmlformats.org/presentationml/2006/main" xmlns:r="http://schemas.openxmlformats.org/officeDocument/2006/relationships">
+<p:sld xmlns:a="http://schemas.openxmlformats.org/drawingml/2006/main" xmlns:r="http://schemas.openxmlformats.org/officeDocument/2006/relationships" xmlns:p="http://schemas.openxmlformats.org/presentationml/2006/main">
   <p:cSld>
     <p:spTree>
       <p:nvGrpSpPr>
@@ -5229,6 +5746,7 @@
         </p:spPr>
         <p:txBody>
           <a:bodyPr anchor="ctr"/>
+          <a:lstStyle/>
           <a:p>
             <a:pPr algn="ctr">
               <a:lnSpc>
@@ -5265,6 +5783,7 @@
         </p:spPr>
         <p:txBody>
           <a:bodyPr/>
+          <a:lstStyle/>
           <a:p>
             <a:endParaRPr/>
           </a:p>
@@ -5272,12 +5791,12 @@
       </p:sp>
       <p:pic>
         <p:nvPicPr>
-          <p:cNvPr id="103" name="Picture 4" descr=""/>
+          <p:cNvPr id="103" name="Picture 4"/>
           <p:cNvPicPr/>
           <p:nvPr/>
         </p:nvPicPr>
         <p:blipFill>
-          <a:blip r:embed="rId1"/>
+          <a:blip r:embed="rId2"/>
           <a:stretch>
             <a:fillRect/>
           </a:stretch>
@@ -5297,22 +5816,25 @@
       </p:pic>
     </p:spTree>
   </p:cSld>
+  <p:clrMapOvr>
+    <a:masterClrMapping/>
+  </p:clrMapOvr>
   <p:timing>
     <p:tnLst>
       <p:par>
-        <p:cTn id="17" dur="indefinite" restart="never" nodeType="tmRoot">
+        <p:cTn id="1" dur="indefinite" restart="never" nodeType="tmRoot">
           <p:childTnLst>
             <p:seq>
-              <p:cTn id="18" nodeType="mainSeq"/>
+              <p:cTn id="2" nodeType="mainSeq"/>
               <p:prevCondLst>
-                <p:cond delay="0" evt="onPrev">
+                <p:cond evt="onPrev" delay="0">
                   <p:tgtEl>
                     <p:sldTgt/>
                   </p:tgtEl>
                 </p:cond>
               </p:prevCondLst>
               <p:nextCondLst>
-                <p:cond delay="0" evt="onNext">
+                <p:cond evt="onNext" delay="0">
                   <p:tgtEl>
                     <p:sldTgt/>
                   </p:tgtEl>
@@ -5547,6 +6069,8 @@
       </a:bgFillStyleLst>
     </a:fmtScheme>
   </a:themeElements>
+  <a:objectDefaults/>
+  <a:extraClrSchemeLst/>
 </a:theme>
 </file>
 
@@ -5770,5 +6294,7 @@
       </a:bgFillStyleLst>
     </a:fmtScheme>
   </a:themeElements>
+  <a:objectDefaults/>
+  <a:extraClrSchemeLst/>
 </a:theme>
 </file>
--- a/Szarch-prezi.pptx
+++ b/Szarch-prezi.pptx
@@ -3757,45 +3757,93 @@
           <a:lstStyle/>
           <a:p>
             <a:pPr>
-              <a:buSzPct val="45000"/>
-              <a:buFont typeface="StarSymbol"/>
-              <a:buChar char=""/>
-            </a:pPr>
-            <a:r>
-              <a:rPr lang="hu-HU" sz="3200">
-                <a:latin typeface="Calibri"/>
-              </a:rPr>
-              <a:t>Konténer virtualizációs technika</a:t>
-            </a:r>
-            <a:endParaRPr/>
+              <a:buSzPct val="120000"/>
+              <a:buFont typeface="Arial" pitchFamily="34" charset="0"/>
+              <a:buChar char="•"/>
+            </a:pPr>
+            <a:r>
+              <a:rPr lang="hu-HU" sz="3200" dirty="0">
+                <a:latin typeface="Calibri" pitchFamily="34" charset="0"/>
+              </a:rPr>
+              <a:t>Konténer </a:t>
+            </a:r>
+            <a:r>
+              <a:rPr lang="hu-HU" sz="3200" dirty="0" err="1">
+                <a:latin typeface="Calibri" pitchFamily="34" charset="0"/>
+              </a:rPr>
+              <a:t>virtualizációs</a:t>
+            </a:r>
+            <a:r>
+              <a:rPr lang="hu-HU" sz="3200" dirty="0">
+                <a:latin typeface="Calibri" pitchFamily="34" charset="0"/>
+              </a:rPr>
+              <a:t> technika</a:t>
+            </a:r>
+            <a:endParaRPr>
+              <a:latin typeface="Calibri" pitchFamily="34" charset="0"/>
+            </a:endParaRPr>
           </a:p>
           <a:p>
             <a:pPr>
-              <a:buSzPct val="45000"/>
-              <a:buFont typeface="StarSymbol"/>
-              <a:buChar char=""/>
-            </a:pPr>
-            <a:r>
-              <a:rPr lang="hu-HU" sz="3200">
-                <a:latin typeface="Calibri"/>
-              </a:rPr>
-              <a:t>Gyors deploy</a:t>
-            </a:r>
-            <a:endParaRPr/>
+              <a:buSzPct val="120000"/>
+              <a:buFont typeface="Arial" pitchFamily="34" charset="0"/>
+              <a:buChar char="•"/>
+            </a:pPr>
+            <a:r>
+              <a:rPr lang="hu-HU" sz="3200" dirty="0">
+                <a:latin typeface="Calibri" pitchFamily="34" charset="0"/>
+              </a:rPr>
+              <a:t>Gyors </a:t>
+            </a:r>
+            <a:r>
+              <a:rPr lang="hu-HU" sz="3200" dirty="0" err="1">
+                <a:latin typeface="Calibri" pitchFamily="34" charset="0"/>
+              </a:rPr>
+              <a:t>deploy</a:t>
+            </a:r>
+            <a:endParaRPr>
+              <a:latin typeface="Calibri" pitchFamily="34" charset="0"/>
+            </a:endParaRPr>
           </a:p>
           <a:p>
             <a:pPr>
-              <a:buSzPct val="45000"/>
-              <a:buFont typeface="StarSymbol"/>
-              <a:buChar char=""/>
-            </a:pPr>
-            <a:r>
-              <a:rPr lang="hu-HU" sz="3200">
-                <a:latin typeface="Calibri"/>
-              </a:rPr>
-              <a:t>Host rendszer kernel-e felett hoz létre egy virtuális környezetet</a:t>
-            </a:r>
-            <a:endParaRPr/>
+              <a:buSzPct val="120000"/>
+              <a:buFont typeface="Arial" pitchFamily="34" charset="0"/>
+              <a:buChar char="•"/>
+            </a:pPr>
+            <a:r>
+              <a:rPr lang="hu-HU" sz="3200" dirty="0" err="1">
+                <a:latin typeface="Calibri" pitchFamily="34" charset="0"/>
+              </a:rPr>
+              <a:t>Host</a:t>
+            </a:r>
+            <a:r>
+              <a:rPr lang="hu-HU" sz="3200" dirty="0">
+                <a:latin typeface="Calibri" pitchFamily="34" charset="0"/>
+              </a:rPr>
+              <a:t> rendszer </a:t>
+            </a:r>
+            <a:r>
+              <a:rPr lang="hu-HU" sz="3200" dirty="0" err="1" smtClean="0">
+                <a:latin typeface="Calibri" pitchFamily="34" charset="0"/>
+              </a:rPr>
+              <a:t>kernele</a:t>
+            </a:r>
+            <a:r>
+              <a:rPr lang="hu-HU" sz="3200" dirty="0" smtClean="0">
+                <a:latin typeface="Calibri" pitchFamily="34" charset="0"/>
+              </a:rPr>
+              <a:t> </a:t>
+            </a:r>
+            <a:r>
+              <a:rPr lang="hu-HU" sz="3200" dirty="0">
+                <a:latin typeface="Calibri" pitchFamily="34" charset="0"/>
+              </a:rPr>
+              <a:t>felett hoz létre egy virtuális környezetet</a:t>
+            </a:r>
+            <a:endParaRPr>
+              <a:latin typeface="Calibri" pitchFamily="34" charset="0"/>
+            </a:endParaRPr>
           </a:p>
         </p:txBody>
       </p:sp>
@@ -3958,101 +4006,175 @@
           <a:lstStyle/>
           <a:p>
             <a:pPr>
-              <a:buSzPct val="45000"/>
-              <a:buFont typeface="StarSymbol"/>
-              <a:buChar char=""/>
-            </a:pPr>
-            <a:r>
-              <a:rPr lang="hu-HU" sz="3200">
-                <a:latin typeface="Calibri"/>
+              <a:buSzPct val="120000"/>
+              <a:buFont typeface="Arial" pitchFamily="34" charset="0"/>
+              <a:buChar char="•"/>
+            </a:pPr>
+            <a:r>
+              <a:rPr lang="hu-HU" sz="3200" dirty="0">
+                <a:latin typeface="Calibri" pitchFamily="34" charset="0"/>
               </a:rPr>
               <a:t>Könnyen kiterjeszthető</a:t>
             </a:r>
-            <a:endParaRPr/>
+            <a:endParaRPr>
+              <a:latin typeface="Calibri" pitchFamily="34" charset="0"/>
+            </a:endParaRPr>
           </a:p>
           <a:p>
             <a:pPr lvl="1">
-              <a:buSzPct val="75000"/>
-              <a:buFont typeface="StarSymbol"/>
-              <a:buChar char=""/>
-            </a:pPr>
-            <a:r>
-              <a:rPr lang="hu-HU" sz="2400">
-                <a:latin typeface="Calibri"/>
-              </a:rPr>
-              <a:t>A struktúra mellé a docker konténereknek hála gyorsan allokálhatunk új erőforrást</a:t>
-            </a:r>
-            <a:endParaRPr/>
+              <a:buSzPct val="120000"/>
+              <a:buFont typeface="Arial" pitchFamily="34" charset="0"/>
+              <a:buChar char="•"/>
+            </a:pPr>
+            <a:r>
+              <a:rPr lang="hu-HU" sz="2400" dirty="0">
+                <a:latin typeface="Calibri" pitchFamily="34" charset="0"/>
+              </a:rPr>
+              <a:t>A struktúra mellé a </a:t>
+            </a:r>
+            <a:r>
+              <a:rPr lang="hu-HU" sz="2400" dirty="0" err="1">
+                <a:latin typeface="Calibri" pitchFamily="34" charset="0"/>
+              </a:rPr>
+              <a:t>docker</a:t>
+            </a:r>
+            <a:r>
+              <a:rPr lang="hu-HU" sz="2400" dirty="0">
+                <a:latin typeface="Calibri" pitchFamily="34" charset="0"/>
+              </a:rPr>
+              <a:t> konténereknek hála gyorsan allokálhatunk új erőforrást</a:t>
+            </a:r>
+            <a:endParaRPr>
+              <a:latin typeface="Calibri" pitchFamily="34" charset="0"/>
+            </a:endParaRPr>
           </a:p>
           <a:p>
             <a:pPr>
-              <a:buSzPct val="45000"/>
-              <a:buFont typeface="StarSymbol"/>
-              <a:buChar char=""/>
-            </a:pPr>
-            <a:r>
-              <a:rPr lang="hu-HU" sz="3200">
-                <a:latin typeface="Calibri"/>
+              <a:buSzPct val="120000"/>
+              <a:buFont typeface="Arial" pitchFamily="34" charset="0"/>
+              <a:buChar char="•"/>
+            </a:pPr>
+            <a:r>
+              <a:rPr lang="hu-HU" sz="3200" dirty="0">
+                <a:latin typeface="Calibri" pitchFamily="34" charset="0"/>
               </a:rPr>
               <a:t>Könnyen és gyorsan installálható</a:t>
             </a:r>
-            <a:endParaRPr/>
+            <a:endParaRPr>
+              <a:latin typeface="Calibri" pitchFamily="34" charset="0"/>
+            </a:endParaRPr>
           </a:p>
           <a:p>
             <a:pPr lvl="1">
-              <a:buSzPct val="75000"/>
-              <a:buFont typeface="StarSymbol"/>
-              <a:buChar char=""/>
-            </a:pPr>
-            <a:r>
-              <a:rPr lang="hu-HU" sz="2400">
-                <a:latin typeface="Calibri"/>
-              </a:rPr>
-              <a:t>Az build-elt docker konténerek szinte azonnal elindulnak</a:t>
-            </a:r>
-            <a:endParaRPr/>
+              <a:buSzPct val="120000"/>
+              <a:buFont typeface="Arial" pitchFamily="34" charset="0"/>
+              <a:buChar char="•"/>
+            </a:pPr>
+            <a:r>
+              <a:rPr lang="hu-HU" sz="2400" dirty="0">
+                <a:latin typeface="Calibri" pitchFamily="34" charset="0"/>
+              </a:rPr>
+              <a:t>Az </a:t>
+            </a:r>
+            <a:r>
+              <a:rPr lang="hu-HU" sz="2400" dirty="0" err="1">
+                <a:latin typeface="Calibri" pitchFamily="34" charset="0"/>
+              </a:rPr>
+              <a:t>build-elt</a:t>
+            </a:r>
+            <a:r>
+              <a:rPr lang="hu-HU" sz="2400" dirty="0">
+                <a:latin typeface="Calibri" pitchFamily="34" charset="0"/>
+              </a:rPr>
+              <a:t> </a:t>
+            </a:r>
+            <a:r>
+              <a:rPr lang="hu-HU" sz="2400" dirty="0" err="1">
+                <a:latin typeface="Calibri" pitchFamily="34" charset="0"/>
+              </a:rPr>
+              <a:t>docker</a:t>
+            </a:r>
+            <a:r>
+              <a:rPr lang="hu-HU" sz="2400" dirty="0">
+                <a:latin typeface="Calibri" pitchFamily="34" charset="0"/>
+              </a:rPr>
+              <a:t> konténerek szinte azonnal elindulnak</a:t>
+            </a:r>
+            <a:endParaRPr>
+              <a:latin typeface="Calibri" pitchFamily="34" charset="0"/>
+            </a:endParaRPr>
           </a:p>
           <a:p>
             <a:pPr>
-              <a:buSzPct val="45000"/>
-              <a:buFont typeface="StarSymbol"/>
-              <a:buChar char=""/>
-            </a:pPr>
-            <a:r>
-              <a:rPr lang="hu-HU" sz="3200">
-                <a:latin typeface="Calibri"/>
+              <a:buSzPct val="120000"/>
+              <a:buFont typeface="Arial" pitchFamily="34" charset="0"/>
+              <a:buChar char="•"/>
+            </a:pPr>
+            <a:r>
+              <a:rPr lang="hu-HU" sz="3200" dirty="0">
+                <a:latin typeface="Calibri" pitchFamily="34" charset="0"/>
               </a:rPr>
               <a:t>Fürtözhető</a:t>
             </a:r>
-            <a:endParaRPr/>
+            <a:endParaRPr>
+              <a:latin typeface="Calibri" pitchFamily="34" charset="0"/>
+            </a:endParaRPr>
           </a:p>
           <a:p>
             <a:pPr lvl="1">
-              <a:buSzPct val="75000"/>
-              <a:buFont typeface="StarSymbol"/>
-              <a:buChar char=""/>
-            </a:pPr>
-            <a:r>
-              <a:rPr lang="hu-HU" sz="2400">
-                <a:latin typeface="Calibri"/>
-              </a:rPr>
-              <a:t>Nginx load balance</a:t>
-            </a:r>
-            <a:endParaRPr/>
+              <a:buSzPct val="120000"/>
+              <a:buFont typeface="Arial" pitchFamily="34" charset="0"/>
+              <a:buChar char="•"/>
+            </a:pPr>
+            <a:r>
+              <a:rPr lang="hu-HU" sz="2400" dirty="0" err="1">
+                <a:latin typeface="Calibri" pitchFamily="34" charset="0"/>
+              </a:rPr>
+              <a:t>Nginx</a:t>
+            </a:r>
+            <a:r>
+              <a:rPr lang="hu-HU" sz="2400" dirty="0">
+                <a:latin typeface="Calibri" pitchFamily="34" charset="0"/>
+              </a:rPr>
+              <a:t> </a:t>
+            </a:r>
+            <a:r>
+              <a:rPr lang="hu-HU" sz="2400" dirty="0" err="1">
+                <a:latin typeface="Calibri" pitchFamily="34" charset="0"/>
+              </a:rPr>
+              <a:t>load</a:t>
+            </a:r>
+            <a:r>
+              <a:rPr lang="hu-HU" sz="2400" dirty="0">
+                <a:latin typeface="Calibri" pitchFamily="34" charset="0"/>
+              </a:rPr>
+              <a:t> </a:t>
+            </a:r>
+            <a:r>
+              <a:rPr lang="hu-HU" sz="2400" dirty="0" err="1">
+                <a:latin typeface="Calibri" pitchFamily="34" charset="0"/>
+              </a:rPr>
+              <a:t>balance</a:t>
+            </a:r>
+            <a:endParaRPr>
+              <a:latin typeface="Calibri" pitchFamily="34" charset="0"/>
+            </a:endParaRPr>
           </a:p>
           <a:p>
             <a:pPr>
-              <a:buSzPct val="45000"/>
-              <a:buFont typeface="StarSymbol"/>
-              <a:buChar char=""/>
-            </a:pPr>
-            <a:r>
-              <a:rPr lang="hu-HU" sz="3200">
-                <a:latin typeface="Calibri"/>
+              <a:buSzPct val="120000"/>
+              <a:buFont typeface="Arial" pitchFamily="34" charset="0"/>
+              <a:buChar char="•"/>
+            </a:pPr>
+            <a:r>
+              <a:rPr lang="hu-HU" sz="3200" dirty="0">
+                <a:latin typeface="Calibri" pitchFamily="34" charset="0"/>
               </a:rPr>
               <a:t>Felhőre kész</a:t>
             </a:r>
-            <a:endParaRPr/>
+            <a:endParaRPr>
+              <a:latin typeface="Calibri" pitchFamily="34" charset="0"/>
+            </a:endParaRPr>
           </a:p>
         </p:txBody>
       </p:sp>
@@ -4165,45 +4287,87 @@
           <a:lstStyle/>
           <a:p>
             <a:pPr>
-              <a:buSzPct val="45000"/>
-              <a:buFont typeface="StarSymbol"/>
-              <a:buChar char=""/>
-            </a:pPr>
-            <a:r>
-              <a:rPr lang="hu-HU" sz="3200">
-                <a:latin typeface="Calibri"/>
-              </a:rPr>
-              <a:t>Új felhasználói role-ok</a:t>
-            </a:r>
-            <a:endParaRPr/>
+              <a:buSzPct val="120000"/>
+              <a:buFont typeface="Arial" pitchFamily="34" charset="0"/>
+              <a:buChar char="•"/>
+            </a:pPr>
+            <a:r>
+              <a:rPr lang="hu-HU" sz="3200" dirty="0">
+                <a:latin typeface="Calibri" pitchFamily="34" charset="0"/>
+              </a:rPr>
+              <a:t>Új felhasználói </a:t>
+            </a:r>
+            <a:r>
+              <a:rPr lang="hu-HU" sz="3200" dirty="0" err="1">
+                <a:latin typeface="Calibri" pitchFamily="34" charset="0"/>
+              </a:rPr>
+              <a:t>role-ok</a:t>
+            </a:r>
+            <a:endParaRPr>
+              <a:latin typeface="Calibri" pitchFamily="34" charset="0"/>
+            </a:endParaRPr>
           </a:p>
           <a:p>
             <a:pPr>
-              <a:buSzPct val="45000"/>
-              <a:buFont typeface="StarSymbol"/>
-              <a:buChar char=""/>
-            </a:pPr>
-            <a:r>
-              <a:rPr lang="hu-HU" sz="3200">
-                <a:latin typeface="Calibri"/>
-              </a:rPr>
-              <a:t>Scrum és kanban board (mint Jirában)</a:t>
-            </a:r>
-            <a:endParaRPr/>
+              <a:buSzPct val="120000"/>
+              <a:buFont typeface="Arial" pitchFamily="34" charset="0"/>
+              <a:buChar char="•"/>
+            </a:pPr>
+            <a:r>
+              <a:rPr lang="hu-HU" sz="3200" dirty="0" err="1">
+                <a:latin typeface="Calibri" pitchFamily="34" charset="0"/>
+              </a:rPr>
+              <a:t>Scrum</a:t>
+            </a:r>
+            <a:r>
+              <a:rPr lang="hu-HU" sz="3200" dirty="0">
+                <a:latin typeface="Calibri" pitchFamily="34" charset="0"/>
+              </a:rPr>
+              <a:t> és kanban </a:t>
+            </a:r>
+            <a:r>
+              <a:rPr lang="hu-HU" sz="3200" dirty="0" err="1">
+                <a:latin typeface="Calibri" pitchFamily="34" charset="0"/>
+              </a:rPr>
+              <a:t>board</a:t>
+            </a:r>
+            <a:r>
+              <a:rPr lang="hu-HU" sz="3200" dirty="0">
+                <a:latin typeface="Calibri" pitchFamily="34" charset="0"/>
+              </a:rPr>
+              <a:t> (mint </a:t>
+            </a:r>
+            <a:r>
+              <a:rPr lang="hu-HU" sz="3200" dirty="0" err="1">
+                <a:latin typeface="Calibri" pitchFamily="34" charset="0"/>
+              </a:rPr>
+              <a:t>Jirában</a:t>
+            </a:r>
+            <a:r>
+              <a:rPr lang="hu-HU" sz="3200" dirty="0">
+                <a:latin typeface="Calibri" pitchFamily="34" charset="0"/>
+              </a:rPr>
+              <a:t>)</a:t>
+            </a:r>
+            <a:endParaRPr>
+              <a:latin typeface="Calibri" pitchFamily="34" charset="0"/>
+            </a:endParaRPr>
           </a:p>
           <a:p>
             <a:pPr>
-              <a:buSzPct val="45000"/>
-              <a:buFont typeface="StarSymbol"/>
-              <a:buChar char=""/>
-            </a:pPr>
-            <a:r>
-              <a:rPr lang="hu-HU" sz="3200">
-                <a:latin typeface="Calibri"/>
+              <a:buSzPct val="120000"/>
+              <a:buFont typeface="Arial" pitchFamily="34" charset="0"/>
+              <a:buChar char="•"/>
+            </a:pPr>
+            <a:r>
+              <a:rPr lang="hu-HU" sz="3200" dirty="0">
+                <a:latin typeface="Calibri" pitchFamily="34" charset="0"/>
               </a:rPr>
               <a:t>Jogosultság kezelés konfigurálhatóvá tétele</a:t>
             </a:r>
-            <a:endParaRPr/>
+            <a:endParaRPr>
+              <a:latin typeface="Calibri" pitchFamily="34" charset="0"/>
+            </a:endParaRPr>
           </a:p>
         </p:txBody>
       </p:sp>
@@ -5005,7 +5169,7 @@
               <a:buChar char="•"/>
             </a:pPr>
             <a:r>
-              <a:rPr lang="hu-HU" sz="3200">
+              <a:rPr lang="hu-HU" sz="3200" dirty="0">
                 <a:solidFill>
                   <a:srgbClr val="000000"/>
                 </a:solidFill>
@@ -5024,7 +5188,7 @@
               <a:buChar char="•"/>
             </a:pPr>
             <a:r>
-              <a:rPr lang="hu-HU" sz="3200">
+              <a:rPr lang="hu-HU" sz="3200" dirty="0">
                 <a:solidFill>
                   <a:srgbClr val="000000"/>
                 </a:solidFill>
@@ -5043,7 +5207,7 @@
               <a:buChar char="•"/>
             </a:pPr>
             <a:r>
-              <a:rPr lang="hu-HU" sz="3200">
+              <a:rPr lang="hu-HU" sz="3200" dirty="0">
                 <a:solidFill>
                   <a:srgbClr val="000000"/>
                 </a:solidFill>
@@ -5062,7 +5226,7 @@
               <a:buChar char="–"/>
             </a:pPr>
             <a:r>
-              <a:rPr lang="hu-HU" sz="2800">
+              <a:rPr lang="hu-HU" sz="2800" dirty="0" err="1">
                 <a:solidFill>
                   <a:srgbClr val="000000"/>
                 </a:solidFill>
@@ -5081,7 +5245,7 @@
               <a:buChar char="–"/>
             </a:pPr>
             <a:r>
-              <a:rPr lang="hu-HU" sz="2800">
+              <a:rPr lang="hu-HU" sz="2800" dirty="0">
                 <a:solidFill>
                   <a:srgbClr val="000000"/>
                 </a:solidFill>
@@ -5100,13 +5264,31 @@
               <a:buChar char="•"/>
             </a:pPr>
             <a:r>
-              <a:rPr lang="hu-HU" sz="3200">
+              <a:rPr lang="hu-HU" sz="3200" dirty="0">
                 <a:solidFill>
                   <a:srgbClr val="000000"/>
                 </a:solidFill>
                 <a:latin typeface="Calibri"/>
               </a:rPr>
-              <a:t>Elérés Spring Data MongoDB-n keresztül</a:t>
+              <a:t>Elérés Spring Data </a:t>
+            </a:r>
+            <a:r>
+              <a:rPr lang="hu-HU" sz="3200" dirty="0" err="1">
+                <a:solidFill>
+                  <a:srgbClr val="000000"/>
+                </a:solidFill>
+                <a:latin typeface="Calibri"/>
+              </a:rPr>
+              <a:t>MongoDB-n</a:t>
+            </a:r>
+            <a:r>
+              <a:rPr lang="hu-HU" sz="3200" dirty="0">
+                <a:solidFill>
+                  <a:srgbClr val="000000"/>
+                </a:solidFill>
+                <a:latin typeface="Calibri"/>
+              </a:rPr>
+              <a:t> keresztül</a:t>
             </a:r>
             <a:endParaRPr/>
           </a:p>
@@ -5424,13 +5606,31 @@
               </a:lnSpc>
             </a:pPr>
             <a:r>
-              <a:rPr lang="hu-HU" sz="4400">
+              <a:rPr lang="hu-HU" sz="4400" dirty="0" err="1">
                 <a:solidFill>
                   <a:srgbClr val="000000"/>
                 </a:solidFill>
                 <a:latin typeface="Calibri"/>
               </a:rPr>
-              <a:t>AngularJS, HTML, BootStrap</a:t>
+              <a:t>AngularJS</a:t>
+            </a:r>
+            <a:r>
+              <a:rPr lang="hu-HU" sz="4400" dirty="0">
+                <a:solidFill>
+                  <a:srgbClr val="000000"/>
+                </a:solidFill>
+                <a:latin typeface="Calibri"/>
+              </a:rPr>
+              <a:t>, HTML, </a:t>
+            </a:r>
+            <a:r>
+              <a:rPr lang="hu-HU" sz="4400" dirty="0" err="1" smtClean="0">
+                <a:solidFill>
+                  <a:srgbClr val="000000"/>
+                </a:solidFill>
+                <a:latin typeface="Calibri"/>
+              </a:rPr>
+              <a:t>Bootstrap</a:t>
             </a:r>
             <a:endParaRPr/>
           </a:p>
@@ -5456,87 +5656,153 @@
           <a:lstStyle/>
           <a:p>
             <a:pPr>
-              <a:buSzPct val="45000"/>
-              <a:buFont typeface="StarSymbol"/>
-              <a:buChar char=""/>
-            </a:pPr>
-            <a:r>
-              <a:rPr lang="hu-HU" sz="3200">
-                <a:latin typeface="Calibri"/>
-              </a:rPr>
-              <a:t>JavaScript – Angular</a:t>
-            </a:r>
-            <a:endParaRPr/>
+              <a:buSzPct val="120000"/>
+              <a:buFont typeface="Arial" pitchFamily="34" charset="0"/>
+              <a:buChar char="•"/>
+            </a:pPr>
+            <a:r>
+              <a:rPr lang="hu-HU" sz="3200" dirty="0" smtClean="0">
+                <a:latin typeface="Calibri" pitchFamily="34" charset="0"/>
+              </a:rPr>
+              <a:t>JavaScript </a:t>
+            </a:r>
+            <a:r>
+              <a:rPr lang="hu-HU" sz="3200" dirty="0">
+                <a:latin typeface="Calibri" pitchFamily="34" charset="0"/>
+              </a:rPr>
+              <a:t>– </a:t>
+            </a:r>
+            <a:r>
+              <a:rPr lang="hu-HU" sz="3200" dirty="0" err="1" smtClean="0">
+                <a:latin typeface="Calibri" pitchFamily="34" charset="0"/>
+              </a:rPr>
+              <a:t>Angular</a:t>
+            </a:r>
+            <a:endParaRPr lang="hu-HU" sz="3200" dirty="0">
+              <a:latin typeface="Calibri" pitchFamily="34" charset="0"/>
+            </a:endParaRPr>
           </a:p>
           <a:p>
             <a:pPr lvl="1">
-              <a:buSzPct val="75000"/>
-              <a:buFont typeface="StarSymbol"/>
-              <a:buChar char=""/>
-            </a:pPr>
-            <a:r>
-              <a:rPr lang="hu-HU" sz="2400">
-                <a:latin typeface="Calibri"/>
-              </a:rPr>
-              <a:t>Google, MVC architectúra</a:t>
-            </a:r>
-            <a:endParaRPr/>
+              <a:buSzPct val="120000"/>
+              <a:buFont typeface="Arial" pitchFamily="34" charset="0"/>
+              <a:buChar char="•"/>
+            </a:pPr>
+            <a:r>
+              <a:rPr lang="hu-HU" sz="2400" dirty="0" err="1" smtClean="0">
+                <a:latin typeface="Calibri" pitchFamily="34" charset="0"/>
+              </a:rPr>
+              <a:t>Google</a:t>
+            </a:r>
+            <a:r>
+              <a:rPr lang="hu-HU" sz="2400" dirty="0">
+                <a:latin typeface="Calibri" pitchFamily="34" charset="0"/>
+              </a:rPr>
+              <a:t>, MVC </a:t>
+            </a:r>
+            <a:r>
+              <a:rPr lang="hu-HU" sz="2400" dirty="0" err="1">
+                <a:latin typeface="Calibri" pitchFamily="34" charset="0"/>
+              </a:rPr>
+              <a:t>architectúra</a:t>
+            </a:r>
+            <a:endParaRPr>
+              <a:latin typeface="Calibri" pitchFamily="34" charset="0"/>
+            </a:endParaRPr>
           </a:p>
           <a:p>
             <a:pPr>
-              <a:buSzPct val="45000"/>
-              <a:buFont typeface="StarSymbol"/>
-              <a:buChar char=""/>
-            </a:pPr>
-            <a:r>
-              <a:rPr lang="hu-HU" sz="3200">
-                <a:latin typeface="Calibri"/>
+              <a:buSzPct val="120000"/>
+              <a:buFont typeface="Arial" pitchFamily="34" charset="0"/>
+              <a:buChar char="•"/>
+            </a:pPr>
+            <a:r>
+              <a:rPr lang="hu-HU" sz="3200" dirty="0">
+                <a:latin typeface="Calibri" pitchFamily="34" charset="0"/>
               </a:rPr>
               <a:t>Statikus oldal – HTML</a:t>
             </a:r>
-            <a:endParaRPr/>
+            <a:endParaRPr>
+              <a:latin typeface="Calibri" pitchFamily="34" charset="0"/>
+            </a:endParaRPr>
           </a:p>
           <a:p>
             <a:pPr lvl="1">
-              <a:buSzPct val="75000"/>
-              <a:buFont typeface="StarSymbol"/>
-              <a:buChar char=""/>
-            </a:pPr>
-            <a:r>
-              <a:rPr lang="hu-HU" sz="2400">
-                <a:latin typeface="Calibri"/>
-              </a:rPr>
-              <a:t>Web content és angular kötések</a:t>
-            </a:r>
-            <a:endParaRPr/>
+              <a:buSzPct val="120000"/>
+              <a:buFont typeface="Arial" pitchFamily="34" charset="0"/>
+              <a:buChar char="•"/>
+            </a:pPr>
+            <a:r>
+              <a:rPr lang="hu-HU" sz="2400" dirty="0">
+                <a:latin typeface="Calibri" pitchFamily="34" charset="0"/>
+              </a:rPr>
+              <a:t>Web </a:t>
+            </a:r>
+            <a:r>
+              <a:rPr lang="hu-HU" sz="2400" dirty="0" err="1">
+                <a:latin typeface="Calibri" pitchFamily="34" charset="0"/>
+              </a:rPr>
+              <a:t>content</a:t>
+            </a:r>
+            <a:r>
+              <a:rPr lang="hu-HU" sz="2400" dirty="0">
+                <a:latin typeface="Calibri" pitchFamily="34" charset="0"/>
+              </a:rPr>
+              <a:t> és </a:t>
+            </a:r>
+            <a:r>
+              <a:rPr lang="hu-HU" sz="2400" dirty="0" err="1">
+                <a:latin typeface="Calibri" pitchFamily="34" charset="0"/>
+              </a:rPr>
+              <a:t>angular</a:t>
+            </a:r>
+            <a:r>
+              <a:rPr lang="hu-HU" sz="2400" dirty="0">
+                <a:latin typeface="Calibri" pitchFamily="34" charset="0"/>
+              </a:rPr>
+              <a:t> kötések</a:t>
+            </a:r>
+            <a:endParaRPr>
+              <a:latin typeface="Calibri" pitchFamily="34" charset="0"/>
+            </a:endParaRPr>
           </a:p>
           <a:p>
             <a:pPr>
-              <a:buSzPct val="45000"/>
-              <a:buFont typeface="StarSymbol"/>
-              <a:buChar char=""/>
-            </a:pPr>
-            <a:r>
-              <a:rPr lang="hu-HU" sz="3200">
-                <a:latin typeface="Calibri"/>
-              </a:rPr>
-              <a:t>Stílus – Bootstrap</a:t>
-            </a:r>
-            <a:endParaRPr/>
+              <a:buSzPct val="120000"/>
+              <a:buFont typeface="Arial" pitchFamily="34" charset="0"/>
+              <a:buChar char="•"/>
+            </a:pPr>
+            <a:r>
+              <a:rPr lang="hu-HU" sz="3200" dirty="0">
+                <a:latin typeface="Calibri" pitchFamily="34" charset="0"/>
+              </a:rPr>
+              <a:t>Stílus – </a:t>
+            </a:r>
+            <a:r>
+              <a:rPr lang="hu-HU" sz="3200" dirty="0" err="1">
+                <a:latin typeface="Calibri" pitchFamily="34" charset="0"/>
+              </a:rPr>
+              <a:t>Bootstrap</a:t>
+            </a:r>
+            <a:endParaRPr>
+              <a:latin typeface="Calibri" pitchFamily="34" charset="0"/>
+            </a:endParaRPr>
           </a:p>
           <a:p>
             <a:pPr lvl="1">
-              <a:buSzPct val="75000"/>
-              <a:buFont typeface="StarSymbol"/>
-              <a:buChar char=""/>
-            </a:pPr>
-            <a:r>
-              <a:rPr lang="hu-HU" sz="2400">
-                <a:latin typeface="Calibri"/>
+              <a:buSzPct val="120000"/>
+              <a:buFont typeface="Arial" pitchFamily="34" charset="0"/>
+              <a:buChar char="•"/>
+            </a:pPr>
+            <a:r>
+              <a:rPr lang="hu-HU" sz="2400" dirty="0">
+                <a:latin typeface="Calibri" pitchFamily="34" charset="0"/>
               </a:rPr>
               <a:t>Standardizált stílus osztályok, és implementált áttűnések</a:t>
             </a:r>
-            <a:endParaRPr/>
+            <a:endParaRPr>
+              <a:latin typeface="Calibri" pitchFamily="34" charset="0"/>
+            </a:endParaRPr>
           </a:p>
         </p:txBody>
       </p:sp>

--- a/Szarch-prezi.pptx
+++ b/Szarch-prezi.pptx
@@ -1,6 +1,6 @@
 
 <file path=ppt/presentation.xml><?xml version="1.0" encoding="utf-8"?>
-<p:presentation xmlns:a="http://schemas.openxmlformats.org/drawingml/2006/main" xmlns:r="http://schemas.openxmlformats.org/officeDocument/2006/relationships" xmlns:p="http://schemas.openxmlformats.org/presentationml/2006/main">
+<p:presentation xmlns:a="http://schemas.openxmlformats.org/drawingml/2006/main" xmlns:r="http://schemas.openxmlformats.org/officeDocument/2006/relationships" xmlns:p="http://schemas.openxmlformats.org/presentationml/2006/main" saveSubsetFonts="1">
   <p:sldMasterIdLst>
     <p:sldMasterId id="2147483648" r:id="rId1"/>
     <p:sldMasterId id="2147483661" r:id="rId2"/>
@@ -19,6 +19,7 @@
     <p:sldId id="265" r:id="rId13"/>
     <p:sldId id="266" r:id="rId14"/>
     <p:sldId id="267" r:id="rId15"/>
+    <p:sldId id="269" r:id="rId16"/>
   </p:sldIdLst>
   <p:sldSz cx="9144000" cy="6858000" type="screen4x3"/>
   <p:notesSz cx="7559675" cy="10691813"/>
@@ -117,6 +118,22 @@
       </a:defRPr>
     </a:lvl9pPr>
   </p:defaultTextStyle>
+  <p:extLst>
+    <p:ext uri="{EFAFB233-063F-42B5-8137-9DF3F51BA10A}">
+      <p15:sldGuideLst xmlns:p15="http://schemas.microsoft.com/office/powerpoint/2012/main">
+        <p15:guide id="1" orient="horz" pos="2160">
+          <p15:clr>
+            <a:srgbClr val="A4A3A4"/>
+          </p15:clr>
+        </p15:guide>
+        <p15:guide id="2" pos="2880">
+          <p15:clr>
+            <a:srgbClr val="A4A3A4"/>
+          </p15:clr>
+        </p15:guide>
+      </p15:sldGuideLst>
+    </p:ext>
+  </p:extLst>
 </p:presentation>
 </file>
 
@@ -3779,7 +3796,7 @@
               </a:rPr>
               <a:t> technika</a:t>
             </a:r>
-            <a:endParaRPr>
+            <a:endParaRPr dirty="0">
               <a:latin typeface="Calibri" pitchFamily="34" charset="0"/>
             </a:endParaRPr>
           </a:p>
@@ -3801,12 +3818,15 @@
               </a:rPr>
               <a:t>deploy</a:t>
             </a:r>
-            <a:endParaRPr>
+            <a:endParaRPr dirty="0">
               <a:latin typeface="Calibri" pitchFamily="34" charset="0"/>
             </a:endParaRPr>
           </a:p>
           <a:p>
             <a:pPr>
+              <a:lnSpc>
+                <a:spcPct val="150000"/>
+              </a:lnSpc>
               <a:buSzPct val="120000"/>
               <a:buFont typeface="Arial" pitchFamily="34" charset="0"/>
               <a:buChar char="•"/>
@@ -3841,7 +3861,7 @@
               </a:rPr>
               <a:t>felett hoz létre egy virtuális környezetet</a:t>
             </a:r>
-            <a:endParaRPr>
+            <a:endParaRPr dirty="0">
               <a:latin typeface="Calibri" pitchFamily="34" charset="0"/>
             </a:endParaRPr>
           </a:p>
@@ -4016,7 +4036,54 @@
               </a:rPr>
               <a:t>Könnyen kiterjeszthető</a:t>
             </a:r>
-            <a:endParaRPr>
+            <a:endParaRPr dirty="0">
+              <a:latin typeface="Calibri" pitchFamily="34" charset="0"/>
+            </a:endParaRPr>
+          </a:p>
+          <a:p>
+            <a:pPr lvl="1">
+              <a:lnSpc>
+                <a:spcPct val="150000"/>
+              </a:lnSpc>
+              <a:buSzPct val="120000"/>
+              <a:buFont typeface="Arial" pitchFamily="34" charset="0"/>
+              <a:buChar char="•"/>
+            </a:pPr>
+            <a:r>
+              <a:rPr lang="hu-HU" sz="2400" dirty="0">
+                <a:latin typeface="Calibri" pitchFamily="34" charset="0"/>
+              </a:rPr>
+              <a:t>A struktúra mellé a </a:t>
+            </a:r>
+            <a:r>
+              <a:rPr lang="hu-HU" sz="2400" dirty="0" err="1">
+                <a:latin typeface="Calibri" pitchFamily="34" charset="0"/>
+              </a:rPr>
+              <a:t>docker</a:t>
+            </a:r>
+            <a:r>
+              <a:rPr lang="hu-HU" sz="2400" dirty="0">
+                <a:latin typeface="Calibri" pitchFamily="34" charset="0"/>
+              </a:rPr>
+              <a:t> konténereknek hála gyorsan allokálhatunk új erőforrást</a:t>
+            </a:r>
+            <a:endParaRPr dirty="0">
+              <a:latin typeface="Calibri" pitchFamily="34" charset="0"/>
+            </a:endParaRPr>
+          </a:p>
+          <a:p>
+            <a:pPr>
+              <a:buSzPct val="120000"/>
+              <a:buFont typeface="Arial" pitchFamily="34" charset="0"/>
+              <a:buChar char="•"/>
+            </a:pPr>
+            <a:r>
+              <a:rPr lang="hu-HU" sz="3200" dirty="0">
+                <a:latin typeface="Calibri" pitchFamily="34" charset="0"/>
+              </a:rPr>
+              <a:t>Könnyen és gyorsan installálható</a:t>
+            </a:r>
+            <a:endParaRPr dirty="0">
               <a:latin typeface="Calibri" pitchFamily="34" charset="0"/>
             </a:endParaRPr>
           </a:p>
@@ -4030,21 +4097,33 @@
               <a:rPr lang="hu-HU" sz="2400" dirty="0">
                 <a:latin typeface="Calibri" pitchFamily="34" charset="0"/>
               </a:rPr>
-              <a:t>A struktúra mellé a </a:t>
+              <a:t>Az </a:t>
             </a:r>
             <a:r>
               <a:rPr lang="hu-HU" sz="2400" dirty="0" err="1">
                 <a:latin typeface="Calibri" pitchFamily="34" charset="0"/>
               </a:rPr>
-              <a:t>docker</a:t>
+              <a:t>build-elt</a:t>
             </a:r>
             <a:r>
               <a:rPr lang="hu-HU" sz="2400" dirty="0">
                 <a:latin typeface="Calibri" pitchFamily="34" charset="0"/>
               </a:rPr>
-              <a:t> konténereknek hála gyorsan allokálhatunk új erőforrást</a:t>
-            </a:r>
-            <a:endParaRPr>
+              <a:t> </a:t>
+            </a:r>
+            <a:r>
+              <a:rPr lang="hu-HU" sz="2400" dirty="0" err="1">
+                <a:latin typeface="Calibri" pitchFamily="34" charset="0"/>
+              </a:rPr>
+              <a:t>docker</a:t>
+            </a:r>
+            <a:r>
+              <a:rPr lang="hu-HU" sz="2400" dirty="0">
+                <a:latin typeface="Calibri" pitchFamily="34" charset="0"/>
+              </a:rPr>
+              <a:t> konténerek szinte azonnal elindulnak</a:t>
+            </a:r>
+            <a:endParaRPr dirty="0">
               <a:latin typeface="Calibri" pitchFamily="34" charset="0"/>
             </a:endParaRPr>
           </a:p>
@@ -4058,9 +4137,9 @@
               <a:rPr lang="hu-HU" sz="3200" dirty="0">
                 <a:latin typeface="Calibri" pitchFamily="34" charset="0"/>
               </a:rPr>
-              <a:t>Könnyen és gyorsan installálható</a:t>
-            </a:r>
-            <a:endParaRPr>
+              <a:t>Fürtözhető</a:t>
+            </a:r>
+            <a:endParaRPr dirty="0">
               <a:latin typeface="Calibri" pitchFamily="34" charset="0"/>
             </a:endParaRPr>
           </a:p>
@@ -4071,16 +4150,22 @@
               <a:buChar char="•"/>
             </a:pPr>
             <a:r>
+              <a:rPr lang="hu-HU" sz="2400" dirty="0" err="1">
+                <a:latin typeface="Calibri" pitchFamily="34" charset="0"/>
+              </a:rPr>
+              <a:t>Nginx</a:t>
+            </a:r>
+            <a:r>
               <a:rPr lang="hu-HU" sz="2400" dirty="0">
                 <a:latin typeface="Calibri" pitchFamily="34" charset="0"/>
               </a:rPr>
-              <a:t>Az </a:t>
+              <a:t> </a:t>
             </a:r>
             <a:r>
               <a:rPr lang="hu-HU" sz="2400" dirty="0" err="1">
                 <a:latin typeface="Calibri" pitchFamily="34" charset="0"/>
               </a:rPr>
-              <a:t>build-elt</a:t>
+              <a:t>load</a:t>
             </a:r>
             <a:r>
               <a:rPr lang="hu-HU" sz="2400" dirty="0">
@@ -4092,15 +4177,9 @@
               <a:rPr lang="hu-HU" sz="2400" dirty="0" err="1">
                 <a:latin typeface="Calibri" pitchFamily="34" charset="0"/>
               </a:rPr>
-              <a:t>docker</a:t>
-            </a:r>
-            <a:r>
-              <a:rPr lang="hu-HU" sz="2400" dirty="0">
-                <a:latin typeface="Calibri" pitchFamily="34" charset="0"/>
-              </a:rPr>
-              <a:t> konténerek szinte azonnal elindulnak</a:t>
-            </a:r>
-            <a:endParaRPr>
+              <a:t>balance</a:t>
+            </a:r>
+            <a:endParaRPr dirty="0">
               <a:latin typeface="Calibri" pitchFamily="34" charset="0"/>
             </a:endParaRPr>
           </a:p>
@@ -4114,65 +4193,9 @@
               <a:rPr lang="hu-HU" sz="3200" dirty="0">
                 <a:latin typeface="Calibri" pitchFamily="34" charset="0"/>
               </a:rPr>
-              <a:t>Fürtözhető</a:t>
-            </a:r>
-            <a:endParaRPr>
-              <a:latin typeface="Calibri" pitchFamily="34" charset="0"/>
-            </a:endParaRPr>
-          </a:p>
-          <a:p>
-            <a:pPr lvl="1">
-              <a:buSzPct val="120000"/>
-              <a:buFont typeface="Arial" pitchFamily="34" charset="0"/>
-              <a:buChar char="•"/>
-            </a:pPr>
-            <a:r>
-              <a:rPr lang="hu-HU" sz="2400" dirty="0" err="1">
-                <a:latin typeface="Calibri" pitchFamily="34" charset="0"/>
-              </a:rPr>
-              <a:t>Nginx</a:t>
-            </a:r>
-            <a:r>
-              <a:rPr lang="hu-HU" sz="2400" dirty="0">
-                <a:latin typeface="Calibri" pitchFamily="34" charset="0"/>
-              </a:rPr>
-              <a:t> </a:t>
-            </a:r>
-            <a:r>
-              <a:rPr lang="hu-HU" sz="2400" dirty="0" err="1">
-                <a:latin typeface="Calibri" pitchFamily="34" charset="0"/>
-              </a:rPr>
-              <a:t>load</a:t>
-            </a:r>
-            <a:r>
-              <a:rPr lang="hu-HU" sz="2400" dirty="0">
-                <a:latin typeface="Calibri" pitchFamily="34" charset="0"/>
-              </a:rPr>
-              <a:t> </a:t>
-            </a:r>
-            <a:r>
-              <a:rPr lang="hu-HU" sz="2400" dirty="0" err="1">
-                <a:latin typeface="Calibri" pitchFamily="34" charset="0"/>
-              </a:rPr>
-              <a:t>balance</a:t>
-            </a:r>
-            <a:endParaRPr>
-              <a:latin typeface="Calibri" pitchFamily="34" charset="0"/>
-            </a:endParaRPr>
-          </a:p>
-          <a:p>
-            <a:pPr>
-              <a:buSzPct val="120000"/>
-              <a:buFont typeface="Arial" pitchFamily="34" charset="0"/>
-              <a:buChar char="•"/>
-            </a:pPr>
-            <a:r>
-              <a:rPr lang="hu-HU" sz="3200" dirty="0">
-                <a:latin typeface="Calibri" pitchFamily="34" charset="0"/>
-              </a:rPr>
               <a:t>Felhőre kész</a:t>
             </a:r>
-            <a:endParaRPr>
+            <a:endParaRPr dirty="0">
               <a:latin typeface="Calibri" pitchFamily="34" charset="0"/>
             </a:endParaRPr>
           </a:p>
@@ -4303,7 +4326,56 @@
               </a:rPr>
               <a:t>role-ok</a:t>
             </a:r>
-            <a:endParaRPr>
+            <a:endParaRPr dirty="0">
+              <a:latin typeface="Calibri" pitchFamily="34" charset="0"/>
+            </a:endParaRPr>
+          </a:p>
+          <a:p>
+            <a:pPr>
+              <a:lnSpc>
+                <a:spcPct val="150000"/>
+              </a:lnSpc>
+              <a:buSzPct val="120000"/>
+              <a:buFont typeface="Arial" pitchFamily="34" charset="0"/>
+              <a:buChar char="•"/>
+            </a:pPr>
+            <a:r>
+              <a:rPr lang="hu-HU" sz="3200" dirty="0" err="1">
+                <a:latin typeface="Calibri" pitchFamily="34" charset="0"/>
+              </a:rPr>
+              <a:t>Scrum</a:t>
+            </a:r>
+            <a:r>
+              <a:rPr lang="hu-HU" sz="3200" dirty="0">
+                <a:latin typeface="Calibri" pitchFamily="34" charset="0"/>
+              </a:rPr>
+              <a:t> és kanban </a:t>
+            </a:r>
+            <a:r>
+              <a:rPr lang="hu-HU" sz="3200" dirty="0" err="1">
+                <a:latin typeface="Calibri" pitchFamily="34" charset="0"/>
+              </a:rPr>
+              <a:t>board</a:t>
+            </a:r>
+            <a:r>
+              <a:rPr lang="hu-HU" sz="3200" dirty="0">
+                <a:latin typeface="Calibri" pitchFamily="34" charset="0"/>
+              </a:rPr>
+              <a:t> (mint </a:t>
+            </a:r>
+            <a:r>
+              <a:rPr lang="hu-HU" sz="3200" dirty="0" err="1">
+                <a:latin typeface="Calibri" pitchFamily="34" charset="0"/>
+              </a:rPr>
+              <a:t>Jirában</a:t>
+            </a:r>
+            <a:r>
+              <a:rPr lang="hu-HU" sz="3200" dirty="0">
+                <a:latin typeface="Calibri" pitchFamily="34" charset="0"/>
+              </a:rPr>
+              <a:t>)</a:t>
+            </a:r>
+            <a:endParaRPr dirty="0">
               <a:latin typeface="Calibri" pitchFamily="34" charset="0"/>
             </a:endParaRPr>
           </a:p>
@@ -4314,64 +4386,260 @@
               <a:buChar char="•"/>
             </a:pPr>
             <a:r>
-              <a:rPr lang="hu-HU" sz="3200" dirty="0" err="1">
-                <a:latin typeface="Calibri" pitchFamily="34" charset="0"/>
-              </a:rPr>
-              <a:t>Scrum</a:t>
-            </a:r>
-            <a:r>
               <a:rPr lang="hu-HU" sz="3200" dirty="0">
                 <a:latin typeface="Calibri" pitchFamily="34" charset="0"/>
               </a:rPr>
-              <a:t> és kanban </a:t>
-            </a:r>
-            <a:r>
-              <a:rPr lang="hu-HU" sz="3200" dirty="0" err="1">
-                <a:latin typeface="Calibri" pitchFamily="34" charset="0"/>
-              </a:rPr>
-              <a:t>board</a:t>
-            </a:r>
-            <a:r>
-              <a:rPr lang="hu-HU" sz="3200" dirty="0">
-                <a:latin typeface="Calibri" pitchFamily="34" charset="0"/>
-              </a:rPr>
-              <a:t> (mint </a:t>
-            </a:r>
-            <a:r>
-              <a:rPr lang="hu-HU" sz="3200" dirty="0" err="1">
-                <a:latin typeface="Calibri" pitchFamily="34" charset="0"/>
-              </a:rPr>
-              <a:t>Jirában</a:t>
-            </a:r>
-            <a:r>
-              <a:rPr lang="hu-HU" sz="3200" dirty="0">
-                <a:latin typeface="Calibri" pitchFamily="34" charset="0"/>
-              </a:rPr>
-              <a:t>)</a:t>
-            </a:r>
-            <a:endParaRPr>
+              <a:t>Jogosultság kezelés konfigurálhatóvá tétele</a:t>
+            </a:r>
+            <a:endParaRPr dirty="0">
               <a:latin typeface="Calibri" pitchFamily="34" charset="0"/>
             </a:endParaRPr>
           </a:p>
+        </p:txBody>
+      </p:sp>
+    </p:spTree>
+  </p:cSld>
+  <p:clrMapOvr>
+    <a:masterClrMapping/>
+  </p:clrMapOvr>
+  <p:timing>
+    <p:tnLst>
+      <p:par>
+        <p:cTn id="1" dur="indefinite" restart="never" nodeType="tmRoot">
+          <p:childTnLst>
+            <p:seq>
+              <p:cTn id="2" nodeType="mainSeq"/>
+              <p:prevCondLst>
+                <p:cond evt="onPrev" delay="0">
+                  <p:tgtEl>
+                    <p:sldTgt/>
+                  </p:tgtEl>
+                </p:cond>
+              </p:prevCondLst>
+              <p:nextCondLst>
+                <p:cond evt="onNext" delay="0">
+                  <p:tgtEl>
+                    <p:sldTgt/>
+                  </p:tgtEl>
+                </p:cond>
+              </p:nextCondLst>
+            </p:seq>
+          </p:childTnLst>
+        </p:cTn>
+      </p:par>
+    </p:tnLst>
+  </p:timing>
+</p:sld>
+</file>
+
+<file path=ppt/slides/slide14.xml><?xml version="1.0" encoding="utf-8"?>
+<p:sld xmlns:a="http://schemas.openxmlformats.org/drawingml/2006/main" xmlns:r="http://schemas.openxmlformats.org/officeDocument/2006/relationships" xmlns:p="http://schemas.openxmlformats.org/presentationml/2006/main">
+  <p:cSld>
+    <p:spTree>
+      <p:nvGrpSpPr>
+        <p:cNvPr id="1" name=""/>
+        <p:cNvGrpSpPr/>
+        <p:nvPr/>
+      </p:nvGrpSpPr>
+      <p:grpSpPr>
+        <a:xfrm>
+          <a:off x="0" y="0"/>
+          <a:ext cx="0" cy="0"/>
+          <a:chOff x="0" y="0"/>
+          <a:chExt cx="0" cy="0"/>
+        </a:xfrm>
+      </p:grpSpPr>
+      <p:sp>
+        <p:nvSpPr>
+          <p:cNvPr id="96" name="TextShape 1"/>
+          <p:cNvSpPr txBox="1"/>
+          <p:nvPr/>
+        </p:nvSpPr>
+        <p:spPr>
+          <a:xfrm>
+            <a:off x="457200" y="274680"/>
+            <a:ext cx="8229240" cy="1142640"/>
+          </a:xfrm>
+          <a:prstGeom prst="rect">
+            <a:avLst/>
+          </a:prstGeom>
+        </p:spPr>
+        <p:txBody>
+          <a:bodyPr anchor="ctr"/>
+          <a:lstStyle/>
+          <a:p>
+            <a:pPr algn="ctr">
+              <a:lnSpc>
+                <a:spcPct val="100000"/>
+              </a:lnSpc>
+            </a:pPr>
+            <a:r>
+              <a:rPr lang="hu-HU" sz="4400" dirty="0" smtClean="0">
+                <a:solidFill>
+                  <a:srgbClr val="000000"/>
+                </a:solidFill>
+                <a:latin typeface="Calibri"/>
+              </a:rPr>
+              <a:t>Összefoglaló</a:t>
+            </a:r>
+            <a:endParaRPr dirty="0"/>
+          </a:p>
+        </p:txBody>
+      </p:sp>
+      <p:sp>
+        <p:nvSpPr>
+          <p:cNvPr id="97" name="TextShape 2"/>
+          <p:cNvSpPr txBox="1"/>
+          <p:nvPr/>
+        </p:nvSpPr>
+        <p:spPr>
+          <a:xfrm>
+            <a:off x="457200" y="1600200"/>
+            <a:ext cx="8229240" cy="4525560"/>
+          </a:xfrm>
+          <a:prstGeom prst="rect">
+            <a:avLst/>
+          </a:prstGeom>
+        </p:spPr>
+        <p:txBody>
+          <a:bodyPr/>
+          <a:lstStyle/>
           <a:p>
             <a:pPr>
+              <a:lnSpc>
+                <a:spcPct val="150000"/>
+              </a:lnSpc>
               <a:buSzPct val="120000"/>
               <a:buFont typeface="Arial" pitchFamily="34" charset="0"/>
               <a:buChar char="•"/>
             </a:pPr>
             <a:r>
-              <a:rPr lang="hu-HU" sz="3200" dirty="0">
+              <a:rPr lang="hu-HU" sz="3200" dirty="0" smtClean="0">
                 <a:latin typeface="Calibri" pitchFamily="34" charset="0"/>
               </a:rPr>
-              <a:t>Jogosultság kezelés konfigurálhatóvá tétele</a:t>
-            </a:r>
-            <a:endParaRPr>
+              <a:t>Projectmenedzsment alkalmazás</a:t>
+            </a:r>
+          </a:p>
+          <a:p>
+            <a:pPr>
+              <a:lnSpc>
+                <a:spcPct val="150000"/>
+              </a:lnSpc>
+              <a:buSzPct val="120000"/>
+              <a:buFont typeface="Arial" pitchFamily="34" charset="0"/>
+              <a:buChar char="•"/>
+            </a:pPr>
+            <a:r>
+              <a:rPr lang="hu-HU" sz="3200" dirty="0" smtClean="0">
+                <a:latin typeface="Calibri" pitchFamily="34" charset="0"/>
+              </a:rPr>
+              <a:t>Backend</a:t>
+            </a:r>
+          </a:p>
+          <a:p>
+            <a:pPr lvl="1">
+              <a:lnSpc>
+                <a:spcPct val="150000"/>
+              </a:lnSpc>
+              <a:buSzPct val="120000"/>
+              <a:buFont typeface="Arial" pitchFamily="34" charset="0"/>
+              <a:buChar char="•"/>
+            </a:pPr>
+            <a:r>
+              <a:rPr lang="hu-HU" sz="3200" dirty="0" err="1" smtClean="0">
+                <a:latin typeface="Calibri" pitchFamily="34" charset="0"/>
+              </a:rPr>
+              <a:t>Groovy</a:t>
+            </a:r>
+            <a:r>
+              <a:rPr lang="hu-HU" sz="3200" dirty="0" smtClean="0">
+                <a:latin typeface="Calibri" pitchFamily="34" charset="0"/>
+              </a:rPr>
+              <a:t>, Spring, </a:t>
+            </a:r>
+            <a:r>
+              <a:rPr lang="hu-HU" sz="3200" dirty="0" err="1" smtClean="0">
+                <a:latin typeface="Calibri" pitchFamily="34" charset="0"/>
+              </a:rPr>
+              <a:t>MongoDB</a:t>
+            </a:r>
+            <a:r>
+              <a:rPr lang="hu-HU" sz="3200" dirty="0" smtClean="0">
+                <a:latin typeface="Calibri" pitchFamily="34" charset="0"/>
+              </a:rPr>
+              <a:t>, </a:t>
+            </a:r>
+            <a:r>
+              <a:rPr lang="hu-HU" sz="3200" dirty="0" err="1" smtClean="0">
+                <a:latin typeface="Calibri" pitchFamily="34" charset="0"/>
+              </a:rPr>
+              <a:t>Memcached</a:t>
+            </a:r>
+            <a:endParaRPr lang="hu-HU" sz="3200" dirty="0" smtClean="0">
               <a:latin typeface="Calibri" pitchFamily="34" charset="0"/>
             </a:endParaRPr>
           </a:p>
+          <a:p>
+            <a:pPr>
+              <a:lnSpc>
+                <a:spcPct val="150000"/>
+              </a:lnSpc>
+              <a:buSzPct val="120000"/>
+              <a:buFont typeface="Arial" pitchFamily="34" charset="0"/>
+              <a:buChar char="•"/>
+            </a:pPr>
+            <a:r>
+              <a:rPr lang="hu-HU" sz="3200" dirty="0" smtClean="0">
+                <a:latin typeface="Calibri" pitchFamily="34" charset="0"/>
+              </a:rPr>
+              <a:t>Frontend</a:t>
+            </a:r>
+          </a:p>
+          <a:p>
+            <a:pPr lvl="1">
+              <a:lnSpc>
+                <a:spcPct val="150000"/>
+              </a:lnSpc>
+              <a:buSzPct val="120000"/>
+              <a:buFont typeface="Arial" pitchFamily="34" charset="0"/>
+              <a:buChar char="•"/>
+            </a:pPr>
+            <a:r>
+              <a:rPr lang="hu-HU" sz="3200" dirty="0" smtClean="0">
+                <a:latin typeface="Calibri" pitchFamily="34" charset="0"/>
+              </a:rPr>
+              <a:t>HTML, </a:t>
+            </a:r>
+            <a:r>
+              <a:rPr lang="hu-HU" sz="3200" dirty="0" err="1" smtClean="0">
+                <a:latin typeface="Calibri" pitchFamily="34" charset="0"/>
+              </a:rPr>
+              <a:t>AngularJS</a:t>
+            </a:r>
+            <a:r>
+              <a:rPr lang="hu-HU" sz="3200" dirty="0" smtClean="0">
+                <a:latin typeface="Calibri" pitchFamily="34" charset="0"/>
+              </a:rPr>
+              <a:t>, </a:t>
+            </a:r>
+            <a:r>
+              <a:rPr lang="hu-HU" sz="3200" dirty="0" err="1" smtClean="0">
+                <a:latin typeface="Calibri" pitchFamily="34" charset="0"/>
+              </a:rPr>
+              <a:t>Bootstrap</a:t>
+            </a:r>
+            <a:endParaRPr lang="hu-HU" sz="3200" dirty="0" smtClean="0">
+              <a:latin typeface="Calibri" pitchFamily="34" charset="0"/>
+            </a:endParaRPr>
+          </a:p>
         </p:txBody>
       </p:sp>
     </p:spTree>
+    <p:extLst>
+      <p:ext uri="{BB962C8B-B14F-4D97-AF65-F5344CB8AC3E}">
+        <p14:creationId xmlns:p14="http://schemas.microsoft.com/office/powerpoint/2010/main" val="2057974880"/>
+      </p:ext>
+    </p:extLst>
   </p:cSld>
   <p:clrMapOvr>
     <a:masterClrMapping/>
@@ -4448,7 +4716,7 @@
               </a:lnSpc>
             </a:pPr>
             <a:r>
-              <a:rPr lang="hu-HU" sz="4400">
+              <a:rPr lang="hu-HU" sz="4400" dirty="0">
                 <a:solidFill>
                   <a:srgbClr val="000000"/>
                 </a:solidFill>
@@ -4456,7 +4724,7 @@
               </a:rPr>
               <a:t>Feladat</a:t>
             </a:r>
-            <a:endParaRPr/>
+            <a:endParaRPr dirty="0"/>
           </a:p>
         </p:txBody>
       </p:sp>
@@ -4480,14 +4748,11 @@
           <a:lstStyle/>
           <a:p>
             <a:pPr>
-              <a:lnSpc>
-                <a:spcPct val="100000"/>
-              </a:lnSpc>
               <a:buFont typeface="Arial"/>
               <a:buChar char="•"/>
             </a:pPr>
             <a:r>
-              <a:rPr lang="hu-HU" sz="3200">
+              <a:rPr lang="hu-HU" sz="3200" dirty="0">
                 <a:solidFill>
                   <a:srgbClr val="000000"/>
                 </a:solidFill>
@@ -4495,37 +4760,34 @@
               </a:rPr>
               <a:t>Projektmenedzsment alkalmazás</a:t>
             </a:r>
-            <a:endParaRPr/>
+            <a:endParaRPr dirty="0"/>
           </a:p>
           <a:p>
             <a:pPr lvl="1">
               <a:lnSpc>
-                <a:spcPct val="100000"/>
+                <a:spcPct val="150000"/>
               </a:lnSpc>
               <a:buFont typeface="Arial"/>
               <a:buChar char="–"/>
             </a:pPr>
             <a:r>
-              <a:rPr lang="hu-HU" sz="2800">
+              <a:rPr lang="hu-HU" sz="2800" dirty="0" smtClean="0">
                 <a:solidFill>
                   <a:srgbClr val="000000"/>
                 </a:solidFill>
                 <a:latin typeface="Calibri"/>
               </a:rPr>
-              <a:t>Fapados JIRA klón</a:t>
-            </a:r>
-            <a:endParaRPr/>
+              <a:t>A JIRA alapfunkcióival</a:t>
+            </a:r>
+            <a:endParaRPr dirty="0"/>
           </a:p>
           <a:p>
             <a:pPr>
-              <a:lnSpc>
-                <a:spcPct val="100000"/>
-              </a:lnSpc>
               <a:buFont typeface="Arial"/>
               <a:buChar char="•"/>
             </a:pPr>
             <a:r>
-              <a:rPr lang="hu-HU" sz="3200">
+              <a:rPr lang="hu-HU" sz="3200" dirty="0">
                 <a:solidFill>
                   <a:srgbClr val="000000"/>
                 </a:solidFill>
@@ -4533,18 +4795,15 @@
               </a:rPr>
               <a:t>HTML5</a:t>
             </a:r>
-            <a:endParaRPr/>
+            <a:endParaRPr dirty="0"/>
           </a:p>
           <a:p>
             <a:pPr>
-              <a:lnSpc>
-                <a:spcPct val="100000"/>
-              </a:lnSpc>
               <a:buFont typeface="Arial"/>
               <a:buChar char="•"/>
             </a:pPr>
             <a:r>
-              <a:rPr lang="hu-HU" sz="3200">
+              <a:rPr lang="hu-HU" sz="3200" dirty="0">
                 <a:solidFill>
                   <a:srgbClr val="000000"/>
                 </a:solidFill>
@@ -4552,18 +4811,15 @@
               </a:rPr>
               <a:t>JVM alapú backend</a:t>
             </a:r>
-            <a:endParaRPr/>
+            <a:endParaRPr dirty="0"/>
           </a:p>
           <a:p>
             <a:pPr>
-              <a:lnSpc>
-                <a:spcPct val="100000"/>
-              </a:lnSpc>
               <a:buFont typeface="Arial"/>
               <a:buChar char="•"/>
             </a:pPr>
             <a:r>
-              <a:rPr lang="hu-HU" sz="3200">
+              <a:rPr lang="hu-HU" sz="3200" dirty="0" err="1">
                 <a:solidFill>
                   <a:srgbClr val="000000"/>
                 </a:solidFill>
@@ -4571,18 +4827,15 @@
               </a:rPr>
               <a:t>MongoDB</a:t>
             </a:r>
-            <a:endParaRPr/>
+            <a:endParaRPr dirty="0"/>
           </a:p>
           <a:p>
             <a:pPr>
-              <a:lnSpc>
-                <a:spcPct val="100000"/>
-              </a:lnSpc>
               <a:buFont typeface="Arial"/>
               <a:buChar char="•"/>
             </a:pPr>
             <a:r>
-              <a:rPr lang="hu-HU" sz="3200">
+              <a:rPr lang="hu-HU" sz="3200" dirty="0" err="1">
                 <a:solidFill>
                   <a:srgbClr val="000000"/>
                 </a:solidFill>
@@ -4590,18 +4843,15 @@
               </a:rPr>
               <a:t>Memcached</a:t>
             </a:r>
-            <a:endParaRPr/>
+            <a:endParaRPr dirty="0"/>
           </a:p>
           <a:p>
             <a:pPr>
-              <a:lnSpc>
-                <a:spcPct val="100000"/>
-              </a:lnSpc>
               <a:buFont typeface="Arial"/>
               <a:buChar char="•"/>
             </a:pPr>
             <a:r>
-              <a:rPr lang="hu-HU" sz="3200">
+              <a:rPr lang="hu-HU" sz="3200" dirty="0" err="1">
                 <a:solidFill>
                   <a:srgbClr val="000000"/>
                 </a:solidFill>
@@ -4609,7 +4859,7 @@
               </a:rPr>
               <a:t>Docker</a:t>
             </a:r>
-            <a:endParaRPr/>
+            <a:endParaRPr dirty="0"/>
           </a:p>
         </p:txBody>
       </p:sp>
@@ -4837,51 +5087,69 @@
           <a:p>
             <a:pPr>
               <a:lnSpc>
-                <a:spcPct val="100000"/>
+                <a:spcPct val="150000"/>
               </a:lnSpc>
               <a:buFont typeface="Arial"/>
               <a:buChar char="•"/>
             </a:pPr>
             <a:r>
-              <a:rPr lang="hu-HU" sz="3200">
+              <a:rPr lang="hu-HU" sz="3200" dirty="0" err="1">
                 <a:solidFill>
                   <a:srgbClr val="000000"/>
                 </a:solidFill>
                 <a:latin typeface="Calibri"/>
               </a:rPr>
-              <a:t>Groovy nyelv</a:t>
-            </a:r>
-            <a:endParaRPr/>
+              <a:t>Groovy</a:t>
+            </a:r>
+            <a:r>
+              <a:rPr lang="hu-HU" sz="3200" dirty="0">
+                <a:solidFill>
+                  <a:srgbClr val="000000"/>
+                </a:solidFill>
+                <a:latin typeface="Calibri"/>
+              </a:rPr>
+              <a:t> nyelv</a:t>
+            </a:r>
+            <a:endParaRPr dirty="0"/>
           </a:p>
           <a:p>
             <a:pPr>
               <a:lnSpc>
-                <a:spcPct val="100000"/>
+                <a:spcPct val="150000"/>
               </a:lnSpc>
               <a:buFont typeface="Arial"/>
               <a:buChar char="•"/>
             </a:pPr>
             <a:r>
-              <a:rPr lang="hu-HU" sz="3200">
+              <a:rPr lang="hu-HU" sz="3200" dirty="0">
                 <a:solidFill>
                   <a:srgbClr val="000000"/>
                 </a:solidFill>
                 <a:latin typeface="Calibri"/>
               </a:rPr>
-              <a:t>Spring framework</a:t>
-            </a:r>
-            <a:endParaRPr/>
+              <a:t>Spring </a:t>
+            </a:r>
+            <a:r>
+              <a:rPr lang="hu-HU" sz="3200" dirty="0" err="1">
+                <a:solidFill>
+                  <a:srgbClr val="000000"/>
+                </a:solidFill>
+                <a:latin typeface="Calibri"/>
+              </a:rPr>
+              <a:t>framework</a:t>
+            </a:r>
+            <a:endParaRPr dirty="0"/>
           </a:p>
           <a:p>
             <a:pPr>
               <a:lnSpc>
-                <a:spcPct val="100000"/>
+                <a:spcPct val="150000"/>
               </a:lnSpc>
               <a:buFont typeface="Arial"/>
               <a:buChar char="•"/>
             </a:pPr>
             <a:r>
-              <a:rPr lang="hu-HU" sz="3200">
+              <a:rPr lang="hu-HU" sz="3200" dirty="0">
                 <a:solidFill>
                   <a:srgbClr val="000000"/>
                 </a:solidFill>
@@ -4889,18 +5157,18 @@
               </a:rPr>
               <a:t>Spring Boot</a:t>
             </a:r>
-            <a:endParaRPr/>
+            <a:endParaRPr dirty="0"/>
           </a:p>
           <a:p>
             <a:pPr lvl="1">
               <a:lnSpc>
-                <a:spcPct val="100000"/>
+                <a:spcPct val="150000"/>
               </a:lnSpc>
               <a:buFont typeface="Arial"/>
               <a:buChar char="–"/>
             </a:pPr>
             <a:r>
-              <a:rPr lang="hu-HU" sz="2800">
+              <a:rPr lang="hu-HU" sz="2800" dirty="0">
                 <a:solidFill>
                   <a:srgbClr val="000000"/>
                 </a:solidFill>
@@ -4908,48 +5176,98 @@
               </a:rPr>
               <a:t>Konfigurációkezelés</a:t>
             </a:r>
-            <a:endParaRPr/>
+            <a:endParaRPr dirty="0"/>
           </a:p>
           <a:p>
             <a:pPr lvl="1">
               <a:lnSpc>
-                <a:spcPct val="100000"/>
+                <a:spcPct val="150000"/>
               </a:lnSpc>
               <a:buFont typeface="Arial"/>
               <a:buChar char="–"/>
             </a:pPr>
             <a:r>
-              <a:rPr lang="hu-HU" sz="2800">
+              <a:rPr lang="hu-HU" sz="2800" dirty="0" err="1">
                 <a:solidFill>
                   <a:srgbClr val="000000"/>
                 </a:solidFill>
                 <a:latin typeface="Calibri"/>
               </a:rPr>
-              <a:t>Embedded Tomcat</a:t>
-            </a:r>
-            <a:endParaRPr/>
+              <a:t>Embedded</a:t>
+            </a:r>
+            <a:r>
+              <a:rPr lang="hu-HU" sz="2800" dirty="0">
+                <a:solidFill>
+                  <a:srgbClr val="000000"/>
+                </a:solidFill>
+                <a:latin typeface="Calibri"/>
+              </a:rPr>
+              <a:t> </a:t>
+            </a:r>
+            <a:r>
+              <a:rPr lang="hu-HU" sz="2800" dirty="0" err="1">
+                <a:solidFill>
+                  <a:srgbClr val="000000"/>
+                </a:solidFill>
+                <a:latin typeface="Calibri"/>
+              </a:rPr>
+              <a:t>Tomcat</a:t>
+            </a:r>
+            <a:endParaRPr dirty="0"/>
           </a:p>
           <a:p>
             <a:pPr>
               <a:lnSpc>
-                <a:spcPct val="100000"/>
+                <a:spcPct val="150000"/>
               </a:lnSpc>
               <a:buFont typeface="Arial"/>
               <a:buChar char="•"/>
             </a:pPr>
             <a:r>
-              <a:rPr lang="hu-HU" sz="3200">
+              <a:rPr lang="hu-HU" sz="3200" dirty="0" err="1">
                 <a:solidFill>
                   <a:srgbClr val="000000"/>
                 </a:solidFill>
                 <a:latin typeface="Calibri"/>
               </a:rPr>
-              <a:t>Gradle build környezet</a:t>
-            </a:r>
-            <a:endParaRPr/>
-          </a:p>
-          <a:p>
-            <a:endParaRPr/>
+              <a:t>Gradle</a:t>
+            </a:r>
+            <a:r>
+              <a:rPr lang="hu-HU" sz="3200" dirty="0">
+                <a:solidFill>
+                  <a:srgbClr val="000000"/>
+                </a:solidFill>
+                <a:latin typeface="Calibri"/>
+              </a:rPr>
+              <a:t> </a:t>
+            </a:r>
+            <a:r>
+              <a:rPr lang="hu-HU" sz="3200" dirty="0" err="1">
+                <a:solidFill>
+                  <a:srgbClr val="000000"/>
+                </a:solidFill>
+                <a:latin typeface="Calibri"/>
+              </a:rPr>
+              <a:t>build</a:t>
+            </a:r>
+            <a:r>
+              <a:rPr lang="hu-HU" sz="3200" dirty="0">
+                <a:solidFill>
+                  <a:srgbClr val="000000"/>
+                </a:solidFill>
+                <a:latin typeface="Calibri"/>
+              </a:rPr>
+              <a:t> környezet</a:t>
+            </a:r>
+            <a:endParaRPr dirty="0"/>
+          </a:p>
+          <a:p>
+            <a:pPr>
+              <a:lnSpc>
+                <a:spcPct val="150000"/>
+              </a:lnSpc>
+            </a:pPr>
+            <a:endParaRPr dirty="0"/>
           </a:p>
         </p:txBody>
       </p:sp>
@@ -4992,7 +5310,7 @@
         </p:blipFill>
         <p:spPr>
           <a:xfrm>
-            <a:off x="5995080" y="2594880"/>
+            <a:off x="5995080" y="2789417"/>
             <a:ext cx="2880000" cy="907920"/>
           </a:xfrm>
           <a:prstGeom prst="rect">
@@ -5017,7 +5335,7 @@
         </p:blipFill>
         <p:spPr>
           <a:xfrm>
-            <a:off x="4549680" y="3049200"/>
+            <a:off x="4422770" y="3412609"/>
             <a:ext cx="1256400" cy="1256400"/>
           </a:xfrm>
           <a:prstGeom prst="rect">
@@ -5042,7 +5360,7 @@
         </p:blipFill>
         <p:spPr>
           <a:xfrm>
-            <a:off x="6047640" y="3863160"/>
+            <a:off x="5995080" y="4680360"/>
             <a:ext cx="2445480" cy="1121760"/>
           </a:xfrm>
           <a:prstGeom prst="rect">
@@ -5163,7 +5481,7 @@
           <a:p>
             <a:pPr>
               <a:lnSpc>
-                <a:spcPct val="100000"/>
+                <a:spcPct val="150000"/>
               </a:lnSpc>
               <a:buFont typeface="Arial"/>
               <a:buChar char="•"/>
@@ -5177,7 +5495,7 @@
               </a:rPr>
               <a:t>Dokumentum orientált adatbázis</a:t>
             </a:r>
-            <a:endParaRPr/>
+            <a:endParaRPr dirty="0"/>
           </a:p>
           <a:p>
             <a:pPr>
@@ -5196,7 +5514,7 @@
               </a:rPr>
               <a:t>Nagy sebesség</a:t>
             </a:r>
-            <a:endParaRPr/>
+            <a:endParaRPr dirty="0"/>
           </a:p>
           <a:p>
             <a:pPr>
@@ -5215,7 +5533,7 @@
               </a:rPr>
               <a:t>Kellemes skálázhatóság</a:t>
             </a:r>
-            <a:endParaRPr/>
+            <a:endParaRPr dirty="0"/>
           </a:p>
           <a:p>
             <a:pPr lvl="1">
@@ -5234,7 +5552,7 @@
               </a:rPr>
               <a:t>Replikáció</a:t>
             </a:r>
-            <a:endParaRPr/>
+            <a:endParaRPr dirty="0"/>
           </a:p>
           <a:p>
             <a:pPr lvl="1">
@@ -5253,7 +5571,7 @@
               </a:rPr>
               <a:t>Automatikus vezérválasztás</a:t>
             </a:r>
-            <a:endParaRPr/>
+            <a:endParaRPr dirty="0"/>
           </a:p>
           <a:p>
             <a:pPr>
@@ -5290,7 +5608,7 @@
               </a:rPr>
               <a:t> keresztül</a:t>
             </a:r>
-            <a:endParaRPr/>
+            <a:endParaRPr dirty="0"/>
           </a:p>
         </p:txBody>
       </p:sp>
@@ -5435,15 +5753,79 @@
               <a:buChar char="•"/>
             </a:pPr>
             <a:r>
-              <a:rPr lang="hu-HU" sz="3200">
+              <a:rPr lang="hu-HU" sz="3200" dirty="0">
                 <a:solidFill>
                   <a:srgbClr val="000000"/>
                 </a:solidFill>
                 <a:latin typeface="Calibri"/>
               </a:rPr>
-              <a:t>Key-value in-memory cache</a:t>
-            </a:r>
-            <a:endParaRPr/>
+              <a:t>Key-</a:t>
+            </a:r>
+            <a:r>
+              <a:rPr lang="hu-HU" sz="3200" dirty="0" err="1">
+                <a:solidFill>
+                  <a:srgbClr val="000000"/>
+                </a:solidFill>
+                <a:latin typeface="Calibri"/>
+              </a:rPr>
+              <a:t>value</a:t>
+            </a:r>
+            <a:r>
+              <a:rPr lang="hu-HU" sz="3200" dirty="0">
+                <a:solidFill>
+                  <a:srgbClr val="000000"/>
+                </a:solidFill>
+                <a:latin typeface="Calibri"/>
+              </a:rPr>
+              <a:t> in-</a:t>
+            </a:r>
+            <a:r>
+              <a:rPr lang="hu-HU" sz="3200" dirty="0" err="1">
+                <a:solidFill>
+                  <a:srgbClr val="000000"/>
+                </a:solidFill>
+                <a:latin typeface="Calibri"/>
+              </a:rPr>
+              <a:t>memory</a:t>
+            </a:r>
+            <a:r>
+              <a:rPr lang="hu-HU" sz="3200" dirty="0">
+                <a:solidFill>
+                  <a:srgbClr val="000000"/>
+                </a:solidFill>
+                <a:latin typeface="Calibri"/>
+              </a:rPr>
+              <a:t> cache</a:t>
+            </a:r>
+            <a:endParaRPr dirty="0"/>
+          </a:p>
+          <a:p>
+            <a:pPr>
+              <a:lnSpc>
+                <a:spcPct val="150000"/>
+              </a:lnSpc>
+              <a:buFont typeface="Arial"/>
+              <a:buChar char="•"/>
+            </a:pPr>
+            <a:r>
+              <a:rPr lang="hu-HU" sz="3200" dirty="0">
+                <a:solidFill>
+                  <a:srgbClr val="000000"/>
+                </a:solidFill>
+                <a:latin typeface="Calibri"/>
+              </a:rPr>
+              <a:t>Könnyen </a:t>
+            </a:r>
+            <a:r>
+              <a:rPr lang="hu-HU" sz="3200" dirty="0" err="1">
+                <a:solidFill>
+                  <a:srgbClr val="000000"/>
+                </a:solidFill>
+                <a:latin typeface="Calibri"/>
+              </a:rPr>
+              <a:t>fürtözhető</a:t>
+            </a:r>
+            <a:endParaRPr dirty="0"/>
           </a:p>
           <a:p>
             <a:pPr>
@@ -5454,15 +5836,42 @@
               <a:buChar char="•"/>
             </a:pPr>
             <a:r>
-              <a:rPr lang="hu-HU" sz="3200">
+              <a:rPr lang="hu-HU" sz="3200" dirty="0" err="1">
                 <a:solidFill>
                   <a:srgbClr val="000000"/>
                 </a:solidFill>
                 <a:latin typeface="Calibri"/>
               </a:rPr>
-              <a:t>Könnyen fürtözhető</a:t>
-            </a:r>
-            <a:endParaRPr/>
+              <a:t>Gyk</a:t>
+            </a:r>
+            <a:r>
+              <a:rPr lang="hu-HU" sz="3200" dirty="0">
+                <a:solidFill>
+                  <a:srgbClr val="000000"/>
+                </a:solidFill>
+                <a:latin typeface="Calibri"/>
+              </a:rPr>
+              <a:t>: Egy nagy elosztott </a:t>
+            </a:r>
+            <a:r>
+              <a:rPr lang="hu-HU" sz="3200" dirty="0" err="1">
+                <a:solidFill>
+                  <a:srgbClr val="000000"/>
+                </a:solidFill>
+                <a:latin typeface="Calibri"/>
+              </a:rPr>
+              <a:t>hash</a:t>
+            </a:r>
+            <a:r>
+              <a:rPr lang="hu-HU" sz="3200" dirty="0">
+                <a:solidFill>
+                  <a:srgbClr val="000000"/>
+                </a:solidFill>
+                <a:latin typeface="Calibri"/>
+              </a:rPr>
+              <a:t> tábla</a:t>
+            </a:r>
+            <a:endParaRPr dirty="0"/>
           </a:p>
           <a:p>
             <a:pPr>
@@ -5473,34 +5882,15 @@
               <a:buChar char="•"/>
             </a:pPr>
             <a:r>
-              <a:rPr lang="hu-HU" sz="3200">
+              <a:rPr lang="hu-HU" sz="3200" dirty="0">
                 <a:solidFill>
                   <a:srgbClr val="000000"/>
                 </a:solidFill>
                 <a:latin typeface="Calibri"/>
               </a:rPr>
-              <a:t>Gyk: Egy nagy elosztott hash tábla</a:t>
-            </a:r>
-            <a:endParaRPr/>
-          </a:p>
-          <a:p>
-            <a:pPr>
-              <a:lnSpc>
-                <a:spcPct val="100000"/>
-              </a:lnSpc>
-              <a:buFont typeface="Arial"/>
-              <a:buChar char="•"/>
-            </a:pPr>
-            <a:r>
-              <a:rPr lang="hu-HU" sz="3200">
-                <a:solidFill>
-                  <a:srgbClr val="000000"/>
-                </a:solidFill>
-                <a:latin typeface="Calibri"/>
-              </a:rPr>
               <a:t>Elérés a Spring cache absztrakcióján keresztül</a:t>
             </a:r>
-            <a:endParaRPr/>
+            <a:endParaRPr dirty="0"/>
           </a:p>
         </p:txBody>
       </p:sp>
@@ -5706,7 +6096,66 @@
               </a:rPr>
               <a:t>architectúra</a:t>
             </a:r>
-            <a:endParaRPr>
+            <a:endParaRPr dirty="0">
+              <a:latin typeface="Calibri" pitchFamily="34" charset="0"/>
+            </a:endParaRPr>
+          </a:p>
+          <a:p>
+            <a:pPr>
+              <a:lnSpc>
+                <a:spcPct val="150000"/>
+              </a:lnSpc>
+              <a:buSzPct val="120000"/>
+              <a:buFont typeface="Arial" pitchFamily="34" charset="0"/>
+              <a:buChar char="•"/>
+            </a:pPr>
+            <a:r>
+              <a:rPr lang="hu-HU" sz="3200" dirty="0">
+                <a:latin typeface="Calibri" pitchFamily="34" charset="0"/>
+              </a:rPr>
+              <a:t>Statikus oldal – HTML</a:t>
+            </a:r>
+            <a:endParaRPr dirty="0">
+              <a:latin typeface="Calibri" pitchFamily="34" charset="0"/>
+            </a:endParaRPr>
+          </a:p>
+          <a:p>
+            <a:pPr lvl="1">
+              <a:buSzPct val="120000"/>
+              <a:buFont typeface="Arial" pitchFamily="34" charset="0"/>
+              <a:buChar char="•"/>
+            </a:pPr>
+            <a:r>
+              <a:rPr lang="hu-HU" sz="2400" dirty="0">
+                <a:latin typeface="Calibri" pitchFamily="34" charset="0"/>
+              </a:rPr>
+              <a:t>Web </a:t>
+            </a:r>
+            <a:r>
+              <a:rPr lang="hu-HU" sz="2400" dirty="0" err="1">
+                <a:latin typeface="Calibri" pitchFamily="34" charset="0"/>
+              </a:rPr>
+              <a:t>content</a:t>
+            </a:r>
+            <a:r>
+              <a:rPr lang="hu-HU" sz="2400" dirty="0">
+                <a:latin typeface="Calibri" pitchFamily="34" charset="0"/>
+              </a:rPr>
+              <a:t> és </a:t>
+            </a:r>
+            <a:r>
+              <a:rPr lang="hu-HU" sz="2400" dirty="0" err="1">
+                <a:latin typeface="Calibri" pitchFamily="34" charset="0"/>
+              </a:rPr>
+              <a:t>angular</a:t>
+            </a:r>
+            <a:r>
+              <a:rPr lang="hu-HU" sz="2400" dirty="0">
+                <a:latin typeface="Calibri" pitchFamily="34" charset="0"/>
+              </a:rPr>
+              <a:t> kötések</a:t>
+            </a:r>
+            <a:endParaRPr dirty="0">
               <a:latin typeface="Calibri" pitchFamily="34" charset="0"/>
             </a:endParaRPr>
           </a:p>
@@ -5720,9 +6169,15 @@
               <a:rPr lang="hu-HU" sz="3200" dirty="0">
                 <a:latin typeface="Calibri" pitchFamily="34" charset="0"/>
               </a:rPr>
-              <a:t>Statikus oldal – HTML</a:t>
-            </a:r>
-            <a:endParaRPr>
+              <a:t>Stílus – </a:t>
+            </a:r>
+            <a:r>
+              <a:rPr lang="hu-HU" sz="3200" dirty="0" err="1">
+                <a:latin typeface="Calibri" pitchFamily="34" charset="0"/>
+              </a:rPr>
+              <a:t>Bootstrap</a:t>
+            </a:r>
+            <a:endParaRPr dirty="0">
               <a:latin typeface="Calibri" pitchFamily="34" charset="0"/>
             </a:endParaRPr>
           </a:p>
@@ -5736,71 +6191,9 @@
               <a:rPr lang="hu-HU" sz="2400" dirty="0">
                 <a:latin typeface="Calibri" pitchFamily="34" charset="0"/>
               </a:rPr>
-              <a:t>Web </a:t>
-            </a:r>
-            <a:r>
-              <a:rPr lang="hu-HU" sz="2400" dirty="0" err="1">
-                <a:latin typeface="Calibri" pitchFamily="34" charset="0"/>
-              </a:rPr>
-              <a:t>content</a:t>
-            </a:r>
-            <a:r>
-              <a:rPr lang="hu-HU" sz="2400" dirty="0">
-                <a:latin typeface="Calibri" pitchFamily="34" charset="0"/>
-              </a:rPr>
-              <a:t> és </a:t>
-            </a:r>
-            <a:r>
-              <a:rPr lang="hu-HU" sz="2400" dirty="0" err="1">
-                <a:latin typeface="Calibri" pitchFamily="34" charset="0"/>
-              </a:rPr>
-              <a:t>angular</a:t>
-            </a:r>
-            <a:r>
-              <a:rPr lang="hu-HU" sz="2400" dirty="0">
-                <a:latin typeface="Calibri" pitchFamily="34" charset="0"/>
-              </a:rPr>
-              <a:t> kötések</a:t>
-            </a:r>
-            <a:endParaRPr>
-              <a:latin typeface="Calibri" pitchFamily="34" charset="0"/>
-            </a:endParaRPr>
-          </a:p>
-          <a:p>
-            <a:pPr>
-              <a:buSzPct val="120000"/>
-              <a:buFont typeface="Arial" pitchFamily="34" charset="0"/>
-              <a:buChar char="•"/>
-            </a:pPr>
-            <a:r>
-              <a:rPr lang="hu-HU" sz="3200" dirty="0">
-                <a:latin typeface="Calibri" pitchFamily="34" charset="0"/>
-              </a:rPr>
-              <a:t>Stílus – </a:t>
-            </a:r>
-            <a:r>
-              <a:rPr lang="hu-HU" sz="3200" dirty="0" err="1">
-                <a:latin typeface="Calibri" pitchFamily="34" charset="0"/>
-              </a:rPr>
-              <a:t>Bootstrap</a:t>
-            </a:r>
-            <a:endParaRPr>
-              <a:latin typeface="Calibri" pitchFamily="34" charset="0"/>
-            </a:endParaRPr>
-          </a:p>
-          <a:p>
-            <a:pPr lvl="1">
-              <a:buSzPct val="120000"/>
-              <a:buFont typeface="Arial" pitchFamily="34" charset="0"/>
-              <a:buChar char="•"/>
-            </a:pPr>
-            <a:r>
-              <a:rPr lang="hu-HU" sz="2400" dirty="0">
-                <a:latin typeface="Calibri" pitchFamily="34" charset="0"/>
-              </a:rPr>
               <a:t>Standardizált stílus osztályok, és implementált áttűnések</a:t>
             </a:r>
-            <a:endParaRPr>
+            <a:endParaRPr dirty="0">
               <a:latin typeface="Calibri" pitchFamily="34" charset="0"/>
             </a:endParaRPr>
           </a:p>

--- a/Szarch-prezi.pptx
+++ b/Szarch-prezi.pptx
@@ -5500,7 +5500,7 @@
           <a:p>
             <a:pPr>
               <a:lnSpc>
-                <a:spcPct val="100000"/>
+                <a:spcPct val="150000"/>
               </a:lnSpc>
               <a:buFont typeface="Arial"/>
               <a:buChar char="•"/>
@@ -5519,7 +5519,7 @@
           <a:p>
             <a:pPr>
               <a:lnSpc>
-                <a:spcPct val="100000"/>
+                <a:spcPct val="150000"/>
               </a:lnSpc>
               <a:buFont typeface="Arial"/>
               <a:buChar char="•"/>
@@ -5538,7 +5538,7 @@
           <a:p>
             <a:pPr lvl="1">
               <a:lnSpc>
-                <a:spcPct val="100000"/>
+                <a:spcPct val="150000"/>
               </a:lnSpc>
               <a:buFont typeface="Arial"/>
               <a:buChar char="–"/>
@@ -5557,7 +5557,7 @@
           <a:p>
             <a:pPr lvl="1">
               <a:lnSpc>
-                <a:spcPct val="100000"/>
+                <a:spcPct val="150000"/>
               </a:lnSpc>
               <a:buFont typeface="Arial"/>
               <a:buChar char="–"/>
@@ -5576,7 +5576,7 @@
           <a:p>
             <a:pPr>
               <a:lnSpc>
-                <a:spcPct val="100000"/>
+                <a:spcPct val="150000"/>
               </a:lnSpc>
               <a:buFont typeface="Arial"/>
               <a:buChar char="•"/>
